--- a/Presentation/About WebRTC.pptx
+++ b/Presentation/About WebRTC.pptx
@@ -5,10 +5,10 @@
     <p:sldMasterId id="2147483648" r:id="rId1"/>
   </p:sldMasterIdLst>
   <p:notesMasterIdLst>
-    <p:notesMasterId r:id="rId13"/>
+    <p:notesMasterId r:id="rId20"/>
   </p:notesMasterIdLst>
   <p:handoutMasterIdLst>
-    <p:handoutMasterId r:id="rId14"/>
+    <p:handoutMasterId r:id="rId21"/>
   </p:handoutMasterIdLst>
   <p:sldIdLst>
     <p:sldId id="265" r:id="rId2"/>
@@ -16,17 +16,24 @@
     <p:sldId id="320" r:id="rId4"/>
     <p:sldId id="321" r:id="rId5"/>
     <p:sldId id="316" r:id="rId6"/>
-    <p:sldId id="327" r:id="rId7"/>
-    <p:sldId id="325" r:id="rId8"/>
-    <p:sldId id="326" r:id="rId9"/>
-    <p:sldId id="317" r:id="rId10"/>
-    <p:sldId id="318" r:id="rId11"/>
-    <p:sldId id="319" r:id="rId12"/>
+    <p:sldId id="328" r:id="rId7"/>
+    <p:sldId id="327" r:id="rId8"/>
+    <p:sldId id="329" r:id="rId9"/>
+    <p:sldId id="330" r:id="rId10"/>
+    <p:sldId id="331" r:id="rId11"/>
+    <p:sldId id="333" r:id="rId12"/>
+    <p:sldId id="332" r:id="rId13"/>
+    <p:sldId id="334" r:id="rId14"/>
+    <p:sldId id="318" r:id="rId15"/>
+    <p:sldId id="325" r:id="rId16"/>
+    <p:sldId id="317" r:id="rId17"/>
+    <p:sldId id="326" r:id="rId18"/>
+    <p:sldId id="319" r:id="rId19"/>
   </p:sldIdLst>
   <p:sldSz cx="12188825" cy="6858000"/>
   <p:notesSz cx="6858000" cy="9144000"/>
   <p:custDataLst>
-    <p:tags r:id="rId15"/>
+    <p:tags r:id="rId22"/>
   </p:custDataLst>
   <p:defaultTextStyle>
     <a:defPPr>
@@ -4115,6 +4122,1614 @@
       </p:grpSpPr>
       <p:sp>
         <p:nvSpPr>
+          <p:cNvPr id="2" name="Title 1"/>
+          <p:cNvSpPr>
+            <a:spLocks noGrp="1"/>
+          </p:cNvSpPr>
+          <p:nvPr>
+            <p:ph type="title"/>
+          </p:nvPr>
+        </p:nvSpPr>
+        <p:spPr>
+          <a:xfrm>
+            <a:off x="912812" y="304800"/>
+            <a:ext cx="8692399" cy="914400"/>
+          </a:xfrm>
+        </p:spPr>
+        <p:txBody>
+          <a:bodyPr>
+            <a:normAutofit/>
+          </a:bodyPr>
+          <a:lstStyle/>
+          <a:p>
+            <a:r>
+              <a:rPr lang="en-US" dirty="0"/>
+              <a:t>RTC </a:t>
+            </a:r>
+            <a:r>
+              <a:rPr lang="en-US" dirty="0" err="1"/>
+              <a:t>DataChannel</a:t>
+            </a:r>
+            <a:r>
+              <a:rPr lang="en-US" dirty="0"/>
+              <a:t>()</a:t>
+            </a:r>
+          </a:p>
+        </p:txBody>
+      </p:sp>
+      <p:sp>
+        <p:nvSpPr>
+          <p:cNvPr id="4" name="Text Placeholder 3"/>
+          <p:cNvSpPr txBox="1">
+            <a:spLocks/>
+          </p:cNvSpPr>
+          <p:nvPr/>
+        </p:nvSpPr>
+        <p:spPr>
+          <a:xfrm>
+            <a:off x="912812" y="1447800"/>
+            <a:ext cx="10820399" cy="4724400"/>
+          </a:xfrm>
+          <a:prstGeom prst="rect">
+            <a:avLst/>
+          </a:prstGeom>
+        </p:spPr>
+        <p:txBody>
+          <a:bodyPr/>
+          <a:lstStyle>
+            <a:lvl1pPr marL="223838" indent="-223838" algn="l" defTabSz="914400" rtl="0" eaLnBrk="1" latinLnBrk="0" hangingPunct="1">
+              <a:lnSpc>
+                <a:spcPct val="90000"/>
+              </a:lnSpc>
+              <a:spcBef>
+                <a:spcPts val="1800"/>
+              </a:spcBef>
+              <a:buClr>
+                <a:schemeClr val="accent1"/>
+              </a:buClr>
+              <a:buSzPct val="100000"/>
+              <a:buFont typeface="Arial" pitchFamily="34" charset="0"/>
+              <a:buChar char="•"/>
+              <a:defRPr sz="2400" kern="1200">
+                <a:solidFill>
+                  <a:schemeClr val="tx1"/>
+                </a:solidFill>
+                <a:latin typeface="+mn-lt"/>
+                <a:ea typeface="+mn-ea"/>
+                <a:cs typeface="+mn-cs"/>
+              </a:defRPr>
+            </a:lvl1pPr>
+            <a:lvl2pPr marL="463550" indent="-231775" algn="l" defTabSz="914400" rtl="0" eaLnBrk="1" latinLnBrk="0" hangingPunct="1">
+              <a:lnSpc>
+                <a:spcPct val="90000"/>
+              </a:lnSpc>
+              <a:spcBef>
+                <a:spcPts val="1200"/>
+              </a:spcBef>
+              <a:buClr>
+                <a:schemeClr val="accent1"/>
+              </a:buClr>
+              <a:buSzPct val="100000"/>
+              <a:buFont typeface="Arial" pitchFamily="34" charset="0"/>
+              <a:buChar char="•"/>
+              <a:defRPr sz="2000" kern="1200">
+                <a:solidFill>
+                  <a:schemeClr val="tx1"/>
+                </a:solidFill>
+                <a:latin typeface="+mn-lt"/>
+                <a:ea typeface="+mn-ea"/>
+                <a:cs typeface="+mn-cs"/>
+              </a:defRPr>
+            </a:lvl2pPr>
+            <a:lvl3pPr marL="682625" indent="-219075" algn="l" defTabSz="914400" rtl="0" eaLnBrk="1" latinLnBrk="0" hangingPunct="1">
+              <a:lnSpc>
+                <a:spcPct val="90000"/>
+              </a:lnSpc>
+              <a:spcBef>
+                <a:spcPts val="600"/>
+              </a:spcBef>
+              <a:buClr>
+                <a:schemeClr val="accent1"/>
+              </a:buClr>
+              <a:buSzPct val="100000"/>
+              <a:buFont typeface="Arial" pitchFamily="34" charset="0"/>
+              <a:buChar char="•"/>
+              <a:defRPr sz="1800" kern="1200">
+                <a:solidFill>
+                  <a:schemeClr val="tx1"/>
+                </a:solidFill>
+                <a:latin typeface="+mn-lt"/>
+                <a:ea typeface="+mn-ea"/>
+                <a:cs typeface="+mn-cs"/>
+              </a:defRPr>
+            </a:lvl3pPr>
+            <a:lvl4pPr marL="857250" indent="-174625" algn="l" defTabSz="914400" rtl="0" eaLnBrk="1" latinLnBrk="0" hangingPunct="1">
+              <a:lnSpc>
+                <a:spcPct val="90000"/>
+              </a:lnSpc>
+              <a:spcBef>
+                <a:spcPts val="600"/>
+              </a:spcBef>
+              <a:buClr>
+                <a:schemeClr val="accent1"/>
+              </a:buClr>
+              <a:buSzPct val="100000"/>
+              <a:buFont typeface="Arial" pitchFamily="34" charset="0"/>
+              <a:buChar char="•"/>
+              <a:defRPr sz="1600" kern="1200">
+                <a:solidFill>
+                  <a:schemeClr val="tx1"/>
+                </a:solidFill>
+                <a:latin typeface="+mn-lt"/>
+                <a:ea typeface="+mn-ea"/>
+                <a:cs typeface="+mn-cs"/>
+              </a:defRPr>
+            </a:lvl4pPr>
+            <a:lvl5pPr marL="1030288" indent="-173038" algn="l" defTabSz="914400" rtl="0" eaLnBrk="1" latinLnBrk="0" hangingPunct="1">
+              <a:lnSpc>
+                <a:spcPct val="90000"/>
+              </a:lnSpc>
+              <a:spcBef>
+                <a:spcPts val="600"/>
+              </a:spcBef>
+              <a:buClr>
+                <a:schemeClr val="accent1"/>
+              </a:buClr>
+              <a:buSzPct val="100000"/>
+              <a:buFont typeface="Arial" pitchFamily="34" charset="0"/>
+              <a:buChar char="•"/>
+              <a:defRPr sz="1600" kern="1200">
+                <a:solidFill>
+                  <a:schemeClr val="tx1"/>
+                </a:solidFill>
+                <a:latin typeface="+mn-lt"/>
+                <a:ea typeface="+mn-ea"/>
+                <a:cs typeface="+mn-cs"/>
+              </a:defRPr>
+            </a:lvl5pPr>
+            <a:lvl6pPr marL="1207008" indent="-173736" algn="l" defTabSz="914400" rtl="0" eaLnBrk="1" latinLnBrk="0" hangingPunct="1">
+              <a:spcBef>
+                <a:spcPts val="600"/>
+              </a:spcBef>
+              <a:buClr>
+                <a:schemeClr val="accent1"/>
+              </a:buClr>
+              <a:buFont typeface="Arial" pitchFamily="34" charset="0"/>
+              <a:buChar char="•"/>
+              <a:defRPr sz="1600" kern="1200">
+                <a:solidFill>
+                  <a:schemeClr val="tx1"/>
+                </a:solidFill>
+                <a:latin typeface="+mn-lt"/>
+                <a:ea typeface="+mn-ea"/>
+                <a:cs typeface="+mn-cs"/>
+              </a:defRPr>
+            </a:lvl6pPr>
+            <a:lvl7pPr marL="1380744" indent="-173736" algn="l" defTabSz="914400" rtl="0" eaLnBrk="1" latinLnBrk="0" hangingPunct="1">
+              <a:spcBef>
+                <a:spcPts val="600"/>
+              </a:spcBef>
+              <a:buClr>
+                <a:schemeClr val="accent1"/>
+              </a:buClr>
+              <a:buFont typeface="Arial" pitchFamily="34" charset="0"/>
+              <a:buChar char="•"/>
+              <a:defRPr sz="1600" kern="1200">
+                <a:solidFill>
+                  <a:schemeClr val="tx1"/>
+                </a:solidFill>
+                <a:latin typeface="+mn-lt"/>
+                <a:ea typeface="+mn-ea"/>
+                <a:cs typeface="+mn-cs"/>
+              </a:defRPr>
+            </a:lvl7pPr>
+            <a:lvl8pPr marL="1554480" indent="-173736" algn="l" defTabSz="914400" rtl="0" eaLnBrk="1" latinLnBrk="0" hangingPunct="1">
+              <a:spcBef>
+                <a:spcPts val="600"/>
+              </a:spcBef>
+              <a:buClr>
+                <a:schemeClr val="accent1"/>
+              </a:buClr>
+              <a:buFont typeface="Arial" pitchFamily="34" charset="0"/>
+              <a:buChar char="•"/>
+              <a:defRPr sz="1600" kern="1200">
+                <a:solidFill>
+                  <a:schemeClr val="tx1"/>
+                </a:solidFill>
+                <a:latin typeface="+mn-lt"/>
+                <a:ea typeface="+mn-ea"/>
+                <a:cs typeface="+mn-cs"/>
+              </a:defRPr>
+            </a:lvl8pPr>
+            <a:lvl9pPr marL="1728216" indent="-173736" algn="l" defTabSz="914400" rtl="0" eaLnBrk="1" latinLnBrk="0" hangingPunct="1">
+              <a:spcBef>
+                <a:spcPts val="600"/>
+              </a:spcBef>
+              <a:buClr>
+                <a:schemeClr val="accent1"/>
+              </a:buClr>
+              <a:buFont typeface="Arial" pitchFamily="34" charset="0"/>
+              <a:buChar char="•"/>
+              <a:defRPr sz="1600" kern="1200">
+                <a:solidFill>
+                  <a:schemeClr val="tx1"/>
+                </a:solidFill>
+                <a:latin typeface="+mn-lt"/>
+                <a:ea typeface="+mn-ea"/>
+                <a:cs typeface="+mn-cs"/>
+              </a:defRPr>
+            </a:lvl9pPr>
+          </a:lstStyle>
+          <a:p>
+            <a:pPr>
+              <a:buFont typeface="Wingdings" panose="05000000000000000000" pitchFamily="2" charset="2"/>
+              <a:buChar char="q"/>
+            </a:pPr>
+            <a:r>
+              <a:rPr lang="en-US" dirty="0" err="1"/>
+              <a:t>RTCDataChannel</a:t>
+            </a:r>
+            <a:r>
+              <a:rPr lang="en-US" dirty="0"/>
+              <a:t> API enables exchange of arbitrary data between two peers.</a:t>
+            </a:r>
+          </a:p>
+          <a:p>
+            <a:pPr>
+              <a:buFont typeface="Wingdings" panose="05000000000000000000" pitchFamily="2" charset="2"/>
+              <a:buChar char="q"/>
+            </a:pPr>
+            <a:r>
+              <a:rPr lang="en-US" dirty="0" err="1"/>
+              <a:t>RTCDataChannel</a:t>
+            </a:r>
+            <a:r>
+              <a:rPr lang="en-US" dirty="0"/>
+              <a:t> can be configured to provide reliable or unreliable delivery of messages.</a:t>
+            </a:r>
+          </a:p>
+          <a:p>
+            <a:pPr>
+              <a:buFont typeface="Wingdings" panose="05000000000000000000" pitchFamily="2" charset="2"/>
+              <a:buChar char="q"/>
+            </a:pPr>
+            <a:r>
+              <a:rPr lang="en-US" dirty="0" err="1"/>
+              <a:t>RTCDataChannel</a:t>
+            </a:r>
+            <a:r>
+              <a:rPr lang="en-US" dirty="0"/>
+              <a:t> can be configured to provide in-order or out-of-order delivery of messages.</a:t>
+            </a:r>
+          </a:p>
+          <a:p>
+            <a:pPr>
+              <a:buFont typeface="Wingdings" panose="05000000000000000000" pitchFamily="2" charset="2"/>
+              <a:buChar char="q"/>
+            </a:pPr>
+            <a:r>
+              <a:rPr lang="en-US" dirty="0"/>
+              <a:t>Reliable and in-order delivery is similar to TCP(Transmission Control Protocol).</a:t>
+            </a:r>
+          </a:p>
+          <a:p>
+            <a:pPr>
+              <a:buFont typeface="Wingdings" panose="05000000000000000000" pitchFamily="2" charset="2"/>
+              <a:buChar char="q"/>
+            </a:pPr>
+            <a:r>
+              <a:rPr lang="en-US" dirty="0"/>
+              <a:t>Unreliable and out-of-order delivery is similar to UDP( User Diagram Protocol).</a:t>
+            </a:r>
+          </a:p>
+          <a:p>
+            <a:pPr>
+              <a:buFont typeface="Wingdings" panose="05000000000000000000" pitchFamily="2" charset="2"/>
+              <a:buChar char="q"/>
+            </a:pPr>
+            <a:endParaRPr lang="en-US" sz="1900" dirty="0"/>
+          </a:p>
+        </p:txBody>
+      </p:sp>
+    </p:spTree>
+    <p:extLst>
+      <p:ext uri="{BB962C8B-B14F-4D97-AF65-F5344CB8AC3E}">
+        <p14:creationId xmlns:p14="http://schemas.microsoft.com/office/powerpoint/2010/main" val="2568149154"/>
+      </p:ext>
+    </p:extLst>
+  </p:cSld>
+  <p:clrMapOvr>
+    <a:masterClrMapping/>
+  </p:clrMapOvr>
+  <mc:AlternateContent xmlns:mc="http://schemas.openxmlformats.org/markup-compatibility/2006" xmlns:p14="http://schemas.microsoft.com/office/powerpoint/2010/main">
+    <mc:Choice Requires="p14">
+      <p:transition spd="med" p14:dur="700">
+        <p:fade/>
+      </p:transition>
+    </mc:Choice>
+    <mc:Fallback xmlns="">
+      <p:transition spd="med">
+        <p:fade/>
+      </p:transition>
+    </mc:Fallback>
+  </mc:AlternateContent>
+</p:sld>
+</file>
+
+<file path=ppt/slides/slide11.xml><?xml version="1.0" encoding="utf-8"?>
+<p:sld xmlns:a="http://schemas.openxmlformats.org/drawingml/2006/main" xmlns:r="http://schemas.openxmlformats.org/officeDocument/2006/relationships" xmlns:p="http://schemas.openxmlformats.org/presentationml/2006/main">
+  <p:cSld>
+    <p:spTree>
+      <p:nvGrpSpPr>
+        <p:cNvPr id="1" name=""/>
+        <p:cNvGrpSpPr/>
+        <p:nvPr/>
+      </p:nvGrpSpPr>
+      <p:grpSpPr>
+        <a:xfrm>
+          <a:off x="0" y="0"/>
+          <a:ext cx="0" cy="0"/>
+          <a:chOff x="0" y="0"/>
+          <a:chExt cx="0" cy="0"/>
+        </a:xfrm>
+      </p:grpSpPr>
+      <p:sp>
+        <p:nvSpPr>
+          <p:cNvPr id="2" name="Title 1"/>
+          <p:cNvSpPr>
+            <a:spLocks noGrp="1"/>
+          </p:cNvSpPr>
+          <p:nvPr>
+            <p:ph type="title"/>
+          </p:nvPr>
+        </p:nvSpPr>
+        <p:spPr>
+          <a:xfrm>
+            <a:off x="1065211" y="762000"/>
+            <a:ext cx="10515600" cy="838200"/>
+          </a:xfrm>
+        </p:spPr>
+        <p:txBody>
+          <a:bodyPr>
+            <a:normAutofit fontScale="90000"/>
+          </a:bodyPr>
+          <a:lstStyle/>
+          <a:p>
+            <a:r>
+              <a:rPr lang="en-US" dirty="0"/>
+              <a:t>How Connection is established?</a:t>
+            </a:r>
+            <a:br>
+              <a:rPr lang="en-US" dirty="0"/>
+            </a:br>
+            <a:endParaRPr lang="en-US" dirty="0"/>
+          </a:p>
+        </p:txBody>
+      </p:sp>
+      <p:sp>
+        <p:nvSpPr>
+          <p:cNvPr id="4" name="Text Placeholder 3"/>
+          <p:cNvSpPr txBox="1">
+            <a:spLocks/>
+          </p:cNvSpPr>
+          <p:nvPr/>
+        </p:nvSpPr>
+        <p:spPr>
+          <a:xfrm>
+            <a:off x="912812" y="1447800"/>
+            <a:ext cx="10820399" cy="4724400"/>
+          </a:xfrm>
+          <a:prstGeom prst="rect">
+            <a:avLst/>
+          </a:prstGeom>
+        </p:spPr>
+        <p:txBody>
+          <a:bodyPr/>
+          <a:lstStyle>
+            <a:lvl1pPr marL="223838" indent="-223838" algn="l" defTabSz="914400" rtl="0" eaLnBrk="1" latinLnBrk="0" hangingPunct="1">
+              <a:lnSpc>
+                <a:spcPct val="90000"/>
+              </a:lnSpc>
+              <a:spcBef>
+                <a:spcPts val="1800"/>
+              </a:spcBef>
+              <a:buClr>
+                <a:schemeClr val="accent1"/>
+              </a:buClr>
+              <a:buSzPct val="100000"/>
+              <a:buFont typeface="Arial" pitchFamily="34" charset="0"/>
+              <a:buChar char="•"/>
+              <a:defRPr sz="2400" kern="1200">
+                <a:solidFill>
+                  <a:schemeClr val="tx1"/>
+                </a:solidFill>
+                <a:latin typeface="+mn-lt"/>
+                <a:ea typeface="+mn-ea"/>
+                <a:cs typeface="+mn-cs"/>
+              </a:defRPr>
+            </a:lvl1pPr>
+            <a:lvl2pPr marL="463550" indent="-231775" algn="l" defTabSz="914400" rtl="0" eaLnBrk="1" latinLnBrk="0" hangingPunct="1">
+              <a:lnSpc>
+                <a:spcPct val="90000"/>
+              </a:lnSpc>
+              <a:spcBef>
+                <a:spcPts val="1200"/>
+              </a:spcBef>
+              <a:buClr>
+                <a:schemeClr val="accent1"/>
+              </a:buClr>
+              <a:buSzPct val="100000"/>
+              <a:buFont typeface="Arial" pitchFamily="34" charset="0"/>
+              <a:buChar char="•"/>
+              <a:defRPr sz="2000" kern="1200">
+                <a:solidFill>
+                  <a:schemeClr val="tx1"/>
+                </a:solidFill>
+                <a:latin typeface="+mn-lt"/>
+                <a:ea typeface="+mn-ea"/>
+                <a:cs typeface="+mn-cs"/>
+              </a:defRPr>
+            </a:lvl2pPr>
+            <a:lvl3pPr marL="682625" indent="-219075" algn="l" defTabSz="914400" rtl="0" eaLnBrk="1" latinLnBrk="0" hangingPunct="1">
+              <a:lnSpc>
+                <a:spcPct val="90000"/>
+              </a:lnSpc>
+              <a:spcBef>
+                <a:spcPts val="600"/>
+              </a:spcBef>
+              <a:buClr>
+                <a:schemeClr val="accent1"/>
+              </a:buClr>
+              <a:buSzPct val="100000"/>
+              <a:buFont typeface="Arial" pitchFamily="34" charset="0"/>
+              <a:buChar char="•"/>
+              <a:defRPr sz="1800" kern="1200">
+                <a:solidFill>
+                  <a:schemeClr val="tx1"/>
+                </a:solidFill>
+                <a:latin typeface="+mn-lt"/>
+                <a:ea typeface="+mn-ea"/>
+                <a:cs typeface="+mn-cs"/>
+              </a:defRPr>
+            </a:lvl3pPr>
+            <a:lvl4pPr marL="857250" indent="-174625" algn="l" defTabSz="914400" rtl="0" eaLnBrk="1" latinLnBrk="0" hangingPunct="1">
+              <a:lnSpc>
+                <a:spcPct val="90000"/>
+              </a:lnSpc>
+              <a:spcBef>
+                <a:spcPts val="600"/>
+              </a:spcBef>
+              <a:buClr>
+                <a:schemeClr val="accent1"/>
+              </a:buClr>
+              <a:buSzPct val="100000"/>
+              <a:buFont typeface="Arial" pitchFamily="34" charset="0"/>
+              <a:buChar char="•"/>
+              <a:defRPr sz="1600" kern="1200">
+                <a:solidFill>
+                  <a:schemeClr val="tx1"/>
+                </a:solidFill>
+                <a:latin typeface="+mn-lt"/>
+                <a:ea typeface="+mn-ea"/>
+                <a:cs typeface="+mn-cs"/>
+              </a:defRPr>
+            </a:lvl4pPr>
+            <a:lvl5pPr marL="1030288" indent="-173038" algn="l" defTabSz="914400" rtl="0" eaLnBrk="1" latinLnBrk="0" hangingPunct="1">
+              <a:lnSpc>
+                <a:spcPct val="90000"/>
+              </a:lnSpc>
+              <a:spcBef>
+                <a:spcPts val="600"/>
+              </a:spcBef>
+              <a:buClr>
+                <a:schemeClr val="accent1"/>
+              </a:buClr>
+              <a:buSzPct val="100000"/>
+              <a:buFont typeface="Arial" pitchFamily="34" charset="0"/>
+              <a:buChar char="•"/>
+              <a:defRPr sz="1600" kern="1200">
+                <a:solidFill>
+                  <a:schemeClr val="tx1"/>
+                </a:solidFill>
+                <a:latin typeface="+mn-lt"/>
+                <a:ea typeface="+mn-ea"/>
+                <a:cs typeface="+mn-cs"/>
+              </a:defRPr>
+            </a:lvl5pPr>
+            <a:lvl6pPr marL="1207008" indent="-173736" algn="l" defTabSz="914400" rtl="0" eaLnBrk="1" latinLnBrk="0" hangingPunct="1">
+              <a:spcBef>
+                <a:spcPts val="600"/>
+              </a:spcBef>
+              <a:buClr>
+                <a:schemeClr val="accent1"/>
+              </a:buClr>
+              <a:buFont typeface="Arial" pitchFamily="34" charset="0"/>
+              <a:buChar char="•"/>
+              <a:defRPr sz="1600" kern="1200">
+                <a:solidFill>
+                  <a:schemeClr val="tx1"/>
+                </a:solidFill>
+                <a:latin typeface="+mn-lt"/>
+                <a:ea typeface="+mn-ea"/>
+                <a:cs typeface="+mn-cs"/>
+              </a:defRPr>
+            </a:lvl6pPr>
+            <a:lvl7pPr marL="1380744" indent="-173736" algn="l" defTabSz="914400" rtl="0" eaLnBrk="1" latinLnBrk="0" hangingPunct="1">
+              <a:spcBef>
+                <a:spcPts val="600"/>
+              </a:spcBef>
+              <a:buClr>
+                <a:schemeClr val="accent1"/>
+              </a:buClr>
+              <a:buFont typeface="Arial" pitchFamily="34" charset="0"/>
+              <a:buChar char="•"/>
+              <a:defRPr sz="1600" kern="1200">
+                <a:solidFill>
+                  <a:schemeClr val="tx1"/>
+                </a:solidFill>
+                <a:latin typeface="+mn-lt"/>
+                <a:ea typeface="+mn-ea"/>
+                <a:cs typeface="+mn-cs"/>
+              </a:defRPr>
+            </a:lvl7pPr>
+            <a:lvl8pPr marL="1554480" indent="-173736" algn="l" defTabSz="914400" rtl="0" eaLnBrk="1" latinLnBrk="0" hangingPunct="1">
+              <a:spcBef>
+                <a:spcPts val="600"/>
+              </a:spcBef>
+              <a:buClr>
+                <a:schemeClr val="accent1"/>
+              </a:buClr>
+              <a:buFont typeface="Arial" pitchFamily="34" charset="0"/>
+              <a:buChar char="•"/>
+              <a:defRPr sz="1600" kern="1200">
+                <a:solidFill>
+                  <a:schemeClr val="tx1"/>
+                </a:solidFill>
+                <a:latin typeface="+mn-lt"/>
+                <a:ea typeface="+mn-ea"/>
+                <a:cs typeface="+mn-cs"/>
+              </a:defRPr>
+            </a:lvl8pPr>
+            <a:lvl9pPr marL="1728216" indent="-173736" algn="l" defTabSz="914400" rtl="0" eaLnBrk="1" latinLnBrk="0" hangingPunct="1">
+              <a:spcBef>
+                <a:spcPts val="600"/>
+              </a:spcBef>
+              <a:buClr>
+                <a:schemeClr val="accent1"/>
+              </a:buClr>
+              <a:buFont typeface="Arial" pitchFamily="34" charset="0"/>
+              <a:buChar char="•"/>
+              <a:defRPr sz="1600" kern="1200">
+                <a:solidFill>
+                  <a:schemeClr val="tx1"/>
+                </a:solidFill>
+                <a:latin typeface="+mn-lt"/>
+                <a:ea typeface="+mn-ea"/>
+                <a:cs typeface="+mn-cs"/>
+              </a:defRPr>
+            </a:lvl9pPr>
+          </a:lstStyle>
+          <a:p>
+            <a:pPr>
+              <a:buFont typeface="Courier New" panose="02070309020205020404" pitchFamily="49" charset="0"/>
+              <a:buChar char="o"/>
+            </a:pPr>
+            <a:endParaRPr lang="en-US" sz="2000" dirty="0"/>
+          </a:p>
+        </p:txBody>
+      </p:sp>
+      <p:pic>
+        <p:nvPicPr>
+          <p:cNvPr id="5" name="Picture 4"/>
+          <p:cNvPicPr>
+            <a:picLocks noChangeAspect="1"/>
+          </p:cNvPicPr>
+          <p:nvPr/>
+        </p:nvPicPr>
+        <p:blipFill>
+          <a:blip r:embed="rId2">
+            <a:extLst>
+              <a:ext uri="{28A0092B-C50C-407E-A947-70E740481C1C}">
+                <a14:useLocalDpi xmlns:a14="http://schemas.microsoft.com/office/drawing/2010/main" val="0"/>
+              </a:ext>
+            </a:extLst>
+          </a:blip>
+          <a:stretch>
+            <a:fillRect/>
+          </a:stretch>
+        </p:blipFill>
+        <p:spPr>
+          <a:xfrm>
+            <a:off x="2665412" y="1066800"/>
+            <a:ext cx="5410200" cy="2881060"/>
+          </a:xfrm>
+          <a:prstGeom prst="rect">
+            <a:avLst/>
+          </a:prstGeom>
+        </p:spPr>
+      </p:pic>
+    </p:spTree>
+    <p:extLst>
+      <p:ext uri="{BB962C8B-B14F-4D97-AF65-F5344CB8AC3E}">
+        <p14:creationId xmlns:p14="http://schemas.microsoft.com/office/powerpoint/2010/main" val="3717279627"/>
+      </p:ext>
+    </p:extLst>
+  </p:cSld>
+  <p:clrMapOvr>
+    <a:masterClrMapping/>
+  </p:clrMapOvr>
+  <mc:AlternateContent xmlns:mc="http://schemas.openxmlformats.org/markup-compatibility/2006" xmlns:p14="http://schemas.microsoft.com/office/powerpoint/2010/main">
+    <mc:Choice Requires="p14">
+      <p:transition spd="med" p14:dur="700">
+        <p:fade/>
+      </p:transition>
+    </mc:Choice>
+    <mc:Fallback xmlns="">
+      <p:transition spd="med">
+        <p:fade/>
+      </p:transition>
+    </mc:Fallback>
+  </mc:AlternateContent>
+</p:sld>
+</file>
+
+<file path=ppt/slides/slide12.xml><?xml version="1.0" encoding="utf-8"?>
+<p:sld xmlns:a="http://schemas.openxmlformats.org/drawingml/2006/main" xmlns:r="http://schemas.openxmlformats.org/officeDocument/2006/relationships" xmlns:p="http://schemas.openxmlformats.org/presentationml/2006/main">
+  <p:cSld>
+    <p:spTree>
+      <p:nvGrpSpPr>
+        <p:cNvPr id="1" name=""/>
+        <p:cNvGrpSpPr/>
+        <p:nvPr/>
+      </p:nvGrpSpPr>
+      <p:grpSpPr>
+        <a:xfrm>
+          <a:off x="0" y="0"/>
+          <a:ext cx="0" cy="0"/>
+          <a:chOff x="0" y="0"/>
+          <a:chExt cx="0" cy="0"/>
+        </a:xfrm>
+      </p:grpSpPr>
+      <p:sp>
+        <p:nvSpPr>
+          <p:cNvPr id="2" name="Title 1"/>
+          <p:cNvSpPr>
+            <a:spLocks noGrp="1"/>
+          </p:cNvSpPr>
+          <p:nvPr>
+            <p:ph type="title"/>
+          </p:nvPr>
+        </p:nvSpPr>
+        <p:spPr>
+          <a:xfrm>
+            <a:off x="912813" y="381000"/>
+            <a:ext cx="9753602" cy="838200"/>
+          </a:xfrm>
+        </p:spPr>
+        <p:txBody>
+          <a:bodyPr/>
+          <a:lstStyle/>
+          <a:p>
+            <a:pPr marL="45720" indent="0"/>
+            <a:r>
+              <a:rPr lang="en-US" dirty="0"/>
+              <a:t>ICE(</a:t>
+            </a:r>
+            <a:r>
+              <a:rPr lang="en-US" dirty="0" err="1"/>
+              <a:t>Interective</a:t>
+            </a:r>
+            <a:r>
+              <a:rPr lang="en-US" dirty="0"/>
+              <a:t> Connectivity Establishment)</a:t>
+            </a:r>
+          </a:p>
+        </p:txBody>
+      </p:sp>
+      <p:sp>
+        <p:nvSpPr>
+          <p:cNvPr id="3" name="Text Placeholder 3"/>
+          <p:cNvSpPr txBox="1">
+            <a:spLocks/>
+          </p:cNvSpPr>
+          <p:nvPr/>
+        </p:nvSpPr>
+        <p:spPr>
+          <a:xfrm>
+            <a:off x="912812" y="1447800"/>
+            <a:ext cx="10820399" cy="4724400"/>
+          </a:xfrm>
+          <a:prstGeom prst="rect">
+            <a:avLst/>
+          </a:prstGeom>
+        </p:spPr>
+        <p:txBody>
+          <a:bodyPr/>
+          <a:lstStyle>
+            <a:lvl1pPr marL="223838" indent="-223838" algn="l" defTabSz="914400" rtl="0" eaLnBrk="1" latinLnBrk="0" hangingPunct="1">
+              <a:lnSpc>
+                <a:spcPct val="90000"/>
+              </a:lnSpc>
+              <a:spcBef>
+                <a:spcPts val="1800"/>
+              </a:spcBef>
+              <a:buClr>
+                <a:schemeClr val="accent1"/>
+              </a:buClr>
+              <a:buSzPct val="100000"/>
+              <a:buFont typeface="Arial" pitchFamily="34" charset="0"/>
+              <a:buChar char="•"/>
+              <a:defRPr sz="2400" kern="1200">
+                <a:solidFill>
+                  <a:schemeClr val="tx1"/>
+                </a:solidFill>
+                <a:latin typeface="+mn-lt"/>
+                <a:ea typeface="+mn-ea"/>
+                <a:cs typeface="+mn-cs"/>
+              </a:defRPr>
+            </a:lvl1pPr>
+            <a:lvl2pPr marL="463550" indent="-231775" algn="l" defTabSz="914400" rtl="0" eaLnBrk="1" latinLnBrk="0" hangingPunct="1">
+              <a:lnSpc>
+                <a:spcPct val="90000"/>
+              </a:lnSpc>
+              <a:spcBef>
+                <a:spcPts val="1200"/>
+              </a:spcBef>
+              <a:buClr>
+                <a:schemeClr val="accent1"/>
+              </a:buClr>
+              <a:buSzPct val="100000"/>
+              <a:buFont typeface="Arial" pitchFamily="34" charset="0"/>
+              <a:buChar char="•"/>
+              <a:defRPr sz="2000" kern="1200">
+                <a:solidFill>
+                  <a:schemeClr val="tx1"/>
+                </a:solidFill>
+                <a:latin typeface="+mn-lt"/>
+                <a:ea typeface="+mn-ea"/>
+                <a:cs typeface="+mn-cs"/>
+              </a:defRPr>
+            </a:lvl2pPr>
+            <a:lvl3pPr marL="682625" indent="-219075" algn="l" defTabSz="914400" rtl="0" eaLnBrk="1" latinLnBrk="0" hangingPunct="1">
+              <a:lnSpc>
+                <a:spcPct val="90000"/>
+              </a:lnSpc>
+              <a:spcBef>
+                <a:spcPts val="600"/>
+              </a:spcBef>
+              <a:buClr>
+                <a:schemeClr val="accent1"/>
+              </a:buClr>
+              <a:buSzPct val="100000"/>
+              <a:buFont typeface="Arial" pitchFamily="34" charset="0"/>
+              <a:buChar char="•"/>
+              <a:defRPr sz="1800" kern="1200">
+                <a:solidFill>
+                  <a:schemeClr val="tx1"/>
+                </a:solidFill>
+                <a:latin typeface="+mn-lt"/>
+                <a:ea typeface="+mn-ea"/>
+                <a:cs typeface="+mn-cs"/>
+              </a:defRPr>
+            </a:lvl3pPr>
+            <a:lvl4pPr marL="857250" indent="-174625" algn="l" defTabSz="914400" rtl="0" eaLnBrk="1" latinLnBrk="0" hangingPunct="1">
+              <a:lnSpc>
+                <a:spcPct val="90000"/>
+              </a:lnSpc>
+              <a:spcBef>
+                <a:spcPts val="600"/>
+              </a:spcBef>
+              <a:buClr>
+                <a:schemeClr val="accent1"/>
+              </a:buClr>
+              <a:buSzPct val="100000"/>
+              <a:buFont typeface="Arial" pitchFamily="34" charset="0"/>
+              <a:buChar char="•"/>
+              <a:defRPr sz="1600" kern="1200">
+                <a:solidFill>
+                  <a:schemeClr val="tx1"/>
+                </a:solidFill>
+                <a:latin typeface="+mn-lt"/>
+                <a:ea typeface="+mn-ea"/>
+                <a:cs typeface="+mn-cs"/>
+              </a:defRPr>
+            </a:lvl4pPr>
+            <a:lvl5pPr marL="1030288" indent="-173038" algn="l" defTabSz="914400" rtl="0" eaLnBrk="1" latinLnBrk="0" hangingPunct="1">
+              <a:lnSpc>
+                <a:spcPct val="90000"/>
+              </a:lnSpc>
+              <a:spcBef>
+                <a:spcPts val="600"/>
+              </a:spcBef>
+              <a:buClr>
+                <a:schemeClr val="accent1"/>
+              </a:buClr>
+              <a:buSzPct val="100000"/>
+              <a:buFont typeface="Arial" pitchFamily="34" charset="0"/>
+              <a:buChar char="•"/>
+              <a:defRPr sz="1600" kern="1200">
+                <a:solidFill>
+                  <a:schemeClr val="tx1"/>
+                </a:solidFill>
+                <a:latin typeface="+mn-lt"/>
+                <a:ea typeface="+mn-ea"/>
+                <a:cs typeface="+mn-cs"/>
+              </a:defRPr>
+            </a:lvl5pPr>
+            <a:lvl6pPr marL="1207008" indent="-173736" algn="l" defTabSz="914400" rtl="0" eaLnBrk="1" latinLnBrk="0" hangingPunct="1">
+              <a:spcBef>
+                <a:spcPts val="600"/>
+              </a:spcBef>
+              <a:buClr>
+                <a:schemeClr val="accent1"/>
+              </a:buClr>
+              <a:buFont typeface="Arial" pitchFamily="34" charset="0"/>
+              <a:buChar char="•"/>
+              <a:defRPr sz="1600" kern="1200">
+                <a:solidFill>
+                  <a:schemeClr val="tx1"/>
+                </a:solidFill>
+                <a:latin typeface="+mn-lt"/>
+                <a:ea typeface="+mn-ea"/>
+                <a:cs typeface="+mn-cs"/>
+              </a:defRPr>
+            </a:lvl6pPr>
+            <a:lvl7pPr marL="1380744" indent="-173736" algn="l" defTabSz="914400" rtl="0" eaLnBrk="1" latinLnBrk="0" hangingPunct="1">
+              <a:spcBef>
+                <a:spcPts val="600"/>
+              </a:spcBef>
+              <a:buClr>
+                <a:schemeClr val="accent1"/>
+              </a:buClr>
+              <a:buFont typeface="Arial" pitchFamily="34" charset="0"/>
+              <a:buChar char="•"/>
+              <a:defRPr sz="1600" kern="1200">
+                <a:solidFill>
+                  <a:schemeClr val="tx1"/>
+                </a:solidFill>
+                <a:latin typeface="+mn-lt"/>
+                <a:ea typeface="+mn-ea"/>
+                <a:cs typeface="+mn-cs"/>
+              </a:defRPr>
+            </a:lvl7pPr>
+            <a:lvl8pPr marL="1554480" indent="-173736" algn="l" defTabSz="914400" rtl="0" eaLnBrk="1" latinLnBrk="0" hangingPunct="1">
+              <a:spcBef>
+                <a:spcPts val="600"/>
+              </a:spcBef>
+              <a:buClr>
+                <a:schemeClr val="accent1"/>
+              </a:buClr>
+              <a:buFont typeface="Arial" pitchFamily="34" charset="0"/>
+              <a:buChar char="•"/>
+              <a:defRPr sz="1600" kern="1200">
+                <a:solidFill>
+                  <a:schemeClr val="tx1"/>
+                </a:solidFill>
+                <a:latin typeface="+mn-lt"/>
+                <a:ea typeface="+mn-ea"/>
+                <a:cs typeface="+mn-cs"/>
+              </a:defRPr>
+            </a:lvl8pPr>
+            <a:lvl9pPr marL="1728216" indent="-173736" algn="l" defTabSz="914400" rtl="0" eaLnBrk="1" latinLnBrk="0" hangingPunct="1">
+              <a:spcBef>
+                <a:spcPts val="600"/>
+              </a:spcBef>
+              <a:buClr>
+                <a:schemeClr val="accent1"/>
+              </a:buClr>
+              <a:buFont typeface="Arial" pitchFamily="34" charset="0"/>
+              <a:buChar char="•"/>
+              <a:defRPr sz="1600" kern="1200">
+                <a:solidFill>
+                  <a:schemeClr val="tx1"/>
+                </a:solidFill>
+                <a:latin typeface="+mn-lt"/>
+                <a:ea typeface="+mn-ea"/>
+                <a:cs typeface="+mn-cs"/>
+              </a:defRPr>
+            </a:lvl9pPr>
+          </a:lstStyle>
+          <a:p>
+            <a:pPr>
+              <a:buFont typeface="Courier New" panose="02070309020205020404" pitchFamily="49" charset="0"/>
+              <a:buChar char="o"/>
+            </a:pPr>
+            <a:r>
+              <a:rPr lang="en-US" sz="2000" dirty="0"/>
+              <a:t>The internet addressing system is still using IPV4 (Internet Protocol Version 4)  and because of that , most of our devices are behind </a:t>
+            </a:r>
+            <a:r>
+              <a:rPr lang="en-US" sz="2000" dirty="0" err="1"/>
+              <a:t>ine</a:t>
+            </a:r>
+            <a:r>
+              <a:rPr lang="en-US" sz="2000" dirty="0"/>
+              <a:t> or more layers of NAT (Network Address Transmission) NAT is a mechanism of mapping private address to the public addresses to the public addresses changing address information within IP protocols while it is in transmit through the device for routing.</a:t>
+            </a:r>
+          </a:p>
+          <a:p>
+            <a:pPr>
+              <a:buFont typeface="Courier New" panose="02070309020205020404" pitchFamily="49" charset="0"/>
+              <a:buChar char="o"/>
+            </a:pPr>
+            <a:r>
+              <a:rPr lang="en-US" sz="2000" dirty="0" err="1"/>
+              <a:t>WebRTC</a:t>
+            </a:r>
+            <a:r>
+              <a:rPr lang="en-US" sz="2000" dirty="0"/>
+              <a:t> technology developers can use ICE which simplifies the complexity of the internet addressing system. </a:t>
+            </a:r>
+          </a:p>
+          <a:p>
+            <a:pPr>
+              <a:buFont typeface="Courier New" panose="02070309020205020404" pitchFamily="49" charset="0"/>
+              <a:buChar char="o"/>
+            </a:pPr>
+            <a:r>
+              <a:rPr lang="en-US" sz="2000" dirty="0"/>
+              <a:t>After session description set, ICE agent automatically </a:t>
+            </a:r>
+            <a:r>
+              <a:rPr lang="en-US" sz="2000" dirty="0" err="1"/>
+              <a:t>begains</a:t>
+            </a:r>
+            <a:r>
+              <a:rPr lang="en-US" sz="2000" dirty="0"/>
+              <a:t> to find all the possible candidate IP, port for local peer.</a:t>
+            </a:r>
+          </a:p>
+          <a:p>
+            <a:pPr>
+              <a:buFont typeface="Courier New" panose="02070309020205020404" pitchFamily="49" charset="0"/>
+              <a:buChar char="o"/>
+            </a:pPr>
+            <a:r>
+              <a:rPr lang="en-US" sz="2000" dirty="0"/>
+              <a:t>ICE agent queries the operating system for local IP addresses.</a:t>
+            </a:r>
+          </a:p>
+          <a:p>
+            <a:pPr>
+              <a:buFont typeface="Courier New" panose="02070309020205020404" pitchFamily="49" charset="0"/>
+              <a:buChar char="o"/>
+            </a:pPr>
+            <a:r>
+              <a:rPr lang="en-US" sz="2000" dirty="0"/>
+              <a:t>ICE agent queries an external STUN server (id configured) to retrieve the public IP and port.</a:t>
+            </a:r>
+          </a:p>
+          <a:p>
+            <a:pPr>
+              <a:buFont typeface="Courier New" panose="02070309020205020404" pitchFamily="49" charset="0"/>
+              <a:buChar char="o"/>
+            </a:pPr>
+            <a:r>
+              <a:rPr lang="en-US" sz="2000" dirty="0"/>
+              <a:t>If configured, ICE agent add the TURN server as a last resort candidate.</a:t>
+            </a:r>
+          </a:p>
+        </p:txBody>
+      </p:sp>
+    </p:spTree>
+    <p:extLst>
+      <p:ext uri="{BB962C8B-B14F-4D97-AF65-F5344CB8AC3E}">
+        <p14:creationId xmlns:p14="http://schemas.microsoft.com/office/powerpoint/2010/main" val="3235129559"/>
+      </p:ext>
+    </p:extLst>
+  </p:cSld>
+  <p:clrMapOvr>
+    <a:masterClrMapping/>
+  </p:clrMapOvr>
+  <mc:AlternateContent xmlns:mc="http://schemas.openxmlformats.org/markup-compatibility/2006" xmlns:p14="http://schemas.microsoft.com/office/powerpoint/2010/main">
+    <mc:Choice Requires="p14">
+      <p:transition spd="med" p14:dur="700">
+        <p:fade/>
+      </p:transition>
+    </mc:Choice>
+    <mc:Fallback xmlns="">
+      <p:transition spd="med">
+        <p:fade/>
+      </p:transition>
+    </mc:Fallback>
+  </mc:AlternateContent>
+</p:sld>
+</file>
+
+<file path=ppt/slides/slide13.xml><?xml version="1.0" encoding="utf-8"?>
+<p:sld xmlns:a="http://schemas.openxmlformats.org/drawingml/2006/main" xmlns:r="http://schemas.openxmlformats.org/officeDocument/2006/relationships" xmlns:p="http://schemas.openxmlformats.org/presentationml/2006/main">
+  <p:cSld>
+    <p:spTree>
+      <p:nvGrpSpPr>
+        <p:cNvPr id="1" name=""/>
+        <p:cNvGrpSpPr/>
+        <p:nvPr/>
+      </p:nvGrpSpPr>
+      <p:grpSpPr>
+        <a:xfrm>
+          <a:off x="0" y="0"/>
+          <a:ext cx="0" cy="0"/>
+          <a:chOff x="0" y="0"/>
+          <a:chExt cx="0" cy="0"/>
+        </a:xfrm>
+      </p:grpSpPr>
+      <p:pic>
+        <p:nvPicPr>
+          <p:cNvPr id="8" name="Picture 7"/>
+          <p:cNvPicPr>
+            <a:picLocks noChangeAspect="1"/>
+          </p:cNvPicPr>
+          <p:nvPr/>
+        </p:nvPicPr>
+        <p:blipFill>
+          <a:blip r:embed="rId2"/>
+          <a:stretch>
+            <a:fillRect/>
+          </a:stretch>
+        </p:blipFill>
+        <p:spPr>
+          <a:xfrm>
+            <a:off x="608012" y="152400"/>
+            <a:ext cx="9894666" cy="1143000"/>
+          </a:xfrm>
+          <a:prstGeom prst="rect">
+            <a:avLst/>
+          </a:prstGeom>
+        </p:spPr>
+      </p:pic>
+      <p:pic>
+        <p:nvPicPr>
+          <p:cNvPr id="9" name="Picture 8"/>
+          <p:cNvPicPr>
+            <a:picLocks noChangeAspect="1"/>
+          </p:cNvPicPr>
+          <p:nvPr/>
+        </p:nvPicPr>
+        <p:blipFill>
+          <a:blip r:embed="rId3">
+            <a:extLst>
+              <a:ext uri="{28A0092B-C50C-407E-A947-70E740481C1C}">
+                <a14:useLocalDpi xmlns:a14="http://schemas.microsoft.com/office/drawing/2010/main" val="0"/>
+              </a:ext>
+            </a:extLst>
+          </a:blip>
+          <a:stretch>
+            <a:fillRect/>
+          </a:stretch>
+        </p:blipFill>
+        <p:spPr>
+          <a:xfrm>
+            <a:off x="2817812" y="1371600"/>
+            <a:ext cx="4956095" cy="3220319"/>
+          </a:xfrm>
+          <a:prstGeom prst="rect">
+            <a:avLst/>
+          </a:prstGeom>
+        </p:spPr>
+      </p:pic>
+      <p:sp>
+        <p:nvSpPr>
+          <p:cNvPr id="11" name="Text Placeholder 3"/>
+          <p:cNvSpPr txBox="1">
+            <a:spLocks/>
+          </p:cNvSpPr>
+          <p:nvPr/>
+        </p:nvSpPr>
+        <p:spPr>
+          <a:xfrm>
+            <a:off x="912812" y="1447800"/>
+            <a:ext cx="10820399" cy="4724400"/>
+          </a:xfrm>
+          <a:prstGeom prst="rect">
+            <a:avLst/>
+          </a:prstGeom>
+        </p:spPr>
+        <p:txBody>
+          <a:bodyPr/>
+          <a:lstStyle>
+            <a:lvl1pPr marL="223838" indent="-223838" algn="l" defTabSz="914400" rtl="0" eaLnBrk="1" latinLnBrk="0" hangingPunct="1">
+              <a:lnSpc>
+                <a:spcPct val="90000"/>
+              </a:lnSpc>
+              <a:spcBef>
+                <a:spcPts val="1800"/>
+              </a:spcBef>
+              <a:buClr>
+                <a:schemeClr val="accent1"/>
+              </a:buClr>
+              <a:buSzPct val="100000"/>
+              <a:buFont typeface="Arial" pitchFamily="34" charset="0"/>
+              <a:buChar char="•"/>
+              <a:defRPr sz="2400" kern="1200">
+                <a:solidFill>
+                  <a:schemeClr val="tx1"/>
+                </a:solidFill>
+                <a:latin typeface="+mn-lt"/>
+                <a:ea typeface="+mn-ea"/>
+                <a:cs typeface="+mn-cs"/>
+              </a:defRPr>
+            </a:lvl1pPr>
+            <a:lvl2pPr marL="463550" indent="-231775" algn="l" defTabSz="914400" rtl="0" eaLnBrk="1" latinLnBrk="0" hangingPunct="1">
+              <a:lnSpc>
+                <a:spcPct val="90000"/>
+              </a:lnSpc>
+              <a:spcBef>
+                <a:spcPts val="1200"/>
+              </a:spcBef>
+              <a:buClr>
+                <a:schemeClr val="accent1"/>
+              </a:buClr>
+              <a:buSzPct val="100000"/>
+              <a:buFont typeface="Arial" pitchFamily="34" charset="0"/>
+              <a:buChar char="•"/>
+              <a:defRPr sz="2000" kern="1200">
+                <a:solidFill>
+                  <a:schemeClr val="tx1"/>
+                </a:solidFill>
+                <a:latin typeface="+mn-lt"/>
+                <a:ea typeface="+mn-ea"/>
+                <a:cs typeface="+mn-cs"/>
+              </a:defRPr>
+            </a:lvl2pPr>
+            <a:lvl3pPr marL="682625" indent="-219075" algn="l" defTabSz="914400" rtl="0" eaLnBrk="1" latinLnBrk="0" hangingPunct="1">
+              <a:lnSpc>
+                <a:spcPct val="90000"/>
+              </a:lnSpc>
+              <a:spcBef>
+                <a:spcPts val="600"/>
+              </a:spcBef>
+              <a:buClr>
+                <a:schemeClr val="accent1"/>
+              </a:buClr>
+              <a:buSzPct val="100000"/>
+              <a:buFont typeface="Arial" pitchFamily="34" charset="0"/>
+              <a:buChar char="•"/>
+              <a:defRPr sz="1800" kern="1200">
+                <a:solidFill>
+                  <a:schemeClr val="tx1"/>
+                </a:solidFill>
+                <a:latin typeface="+mn-lt"/>
+                <a:ea typeface="+mn-ea"/>
+                <a:cs typeface="+mn-cs"/>
+              </a:defRPr>
+            </a:lvl3pPr>
+            <a:lvl4pPr marL="857250" indent="-174625" algn="l" defTabSz="914400" rtl="0" eaLnBrk="1" latinLnBrk="0" hangingPunct="1">
+              <a:lnSpc>
+                <a:spcPct val="90000"/>
+              </a:lnSpc>
+              <a:spcBef>
+                <a:spcPts val="600"/>
+              </a:spcBef>
+              <a:buClr>
+                <a:schemeClr val="accent1"/>
+              </a:buClr>
+              <a:buSzPct val="100000"/>
+              <a:buFont typeface="Arial" pitchFamily="34" charset="0"/>
+              <a:buChar char="•"/>
+              <a:defRPr sz="1600" kern="1200">
+                <a:solidFill>
+                  <a:schemeClr val="tx1"/>
+                </a:solidFill>
+                <a:latin typeface="+mn-lt"/>
+                <a:ea typeface="+mn-ea"/>
+                <a:cs typeface="+mn-cs"/>
+              </a:defRPr>
+            </a:lvl4pPr>
+            <a:lvl5pPr marL="1030288" indent="-173038" algn="l" defTabSz="914400" rtl="0" eaLnBrk="1" latinLnBrk="0" hangingPunct="1">
+              <a:lnSpc>
+                <a:spcPct val="90000"/>
+              </a:lnSpc>
+              <a:spcBef>
+                <a:spcPts val="600"/>
+              </a:spcBef>
+              <a:buClr>
+                <a:schemeClr val="accent1"/>
+              </a:buClr>
+              <a:buSzPct val="100000"/>
+              <a:buFont typeface="Arial" pitchFamily="34" charset="0"/>
+              <a:buChar char="•"/>
+              <a:defRPr sz="1600" kern="1200">
+                <a:solidFill>
+                  <a:schemeClr val="tx1"/>
+                </a:solidFill>
+                <a:latin typeface="+mn-lt"/>
+                <a:ea typeface="+mn-ea"/>
+                <a:cs typeface="+mn-cs"/>
+              </a:defRPr>
+            </a:lvl5pPr>
+            <a:lvl6pPr marL="1207008" indent="-173736" algn="l" defTabSz="914400" rtl="0" eaLnBrk="1" latinLnBrk="0" hangingPunct="1">
+              <a:spcBef>
+                <a:spcPts val="600"/>
+              </a:spcBef>
+              <a:buClr>
+                <a:schemeClr val="accent1"/>
+              </a:buClr>
+              <a:buFont typeface="Arial" pitchFamily="34" charset="0"/>
+              <a:buChar char="•"/>
+              <a:defRPr sz="1600" kern="1200">
+                <a:solidFill>
+                  <a:schemeClr val="tx1"/>
+                </a:solidFill>
+                <a:latin typeface="+mn-lt"/>
+                <a:ea typeface="+mn-ea"/>
+                <a:cs typeface="+mn-cs"/>
+              </a:defRPr>
+            </a:lvl6pPr>
+            <a:lvl7pPr marL="1380744" indent="-173736" algn="l" defTabSz="914400" rtl="0" eaLnBrk="1" latinLnBrk="0" hangingPunct="1">
+              <a:spcBef>
+                <a:spcPts val="600"/>
+              </a:spcBef>
+              <a:buClr>
+                <a:schemeClr val="accent1"/>
+              </a:buClr>
+              <a:buFont typeface="Arial" pitchFamily="34" charset="0"/>
+              <a:buChar char="•"/>
+              <a:defRPr sz="1600" kern="1200">
+                <a:solidFill>
+                  <a:schemeClr val="tx1"/>
+                </a:solidFill>
+                <a:latin typeface="+mn-lt"/>
+                <a:ea typeface="+mn-ea"/>
+                <a:cs typeface="+mn-cs"/>
+              </a:defRPr>
+            </a:lvl7pPr>
+            <a:lvl8pPr marL="1554480" indent="-173736" algn="l" defTabSz="914400" rtl="0" eaLnBrk="1" latinLnBrk="0" hangingPunct="1">
+              <a:spcBef>
+                <a:spcPts val="600"/>
+              </a:spcBef>
+              <a:buClr>
+                <a:schemeClr val="accent1"/>
+              </a:buClr>
+              <a:buFont typeface="Arial" pitchFamily="34" charset="0"/>
+              <a:buChar char="•"/>
+              <a:defRPr sz="1600" kern="1200">
+                <a:solidFill>
+                  <a:schemeClr val="tx1"/>
+                </a:solidFill>
+                <a:latin typeface="+mn-lt"/>
+                <a:ea typeface="+mn-ea"/>
+                <a:cs typeface="+mn-cs"/>
+              </a:defRPr>
+            </a:lvl8pPr>
+            <a:lvl9pPr marL="1728216" indent="-173736" algn="l" defTabSz="914400" rtl="0" eaLnBrk="1" latinLnBrk="0" hangingPunct="1">
+              <a:spcBef>
+                <a:spcPts val="600"/>
+              </a:spcBef>
+              <a:buClr>
+                <a:schemeClr val="accent1"/>
+              </a:buClr>
+              <a:buFont typeface="Arial" pitchFamily="34" charset="0"/>
+              <a:buChar char="•"/>
+              <a:defRPr sz="1600" kern="1200">
+                <a:solidFill>
+                  <a:schemeClr val="tx1"/>
+                </a:solidFill>
+                <a:latin typeface="+mn-lt"/>
+                <a:ea typeface="+mn-ea"/>
+                <a:cs typeface="+mn-cs"/>
+              </a:defRPr>
+            </a:lvl9pPr>
+          </a:lstStyle>
+          <a:p>
+            <a:pPr>
+              <a:buFont typeface="Courier New" panose="02070309020205020404" pitchFamily="49" charset="0"/>
+              <a:buChar char="o"/>
+            </a:pPr>
+            <a:endParaRPr lang="en-US" sz="2000" dirty="0"/>
+          </a:p>
+        </p:txBody>
+      </p:sp>
+      <p:sp>
+        <p:nvSpPr>
+          <p:cNvPr id="12" name="Text Placeholder 3"/>
+          <p:cNvSpPr txBox="1">
+            <a:spLocks/>
+          </p:cNvSpPr>
+          <p:nvPr/>
+        </p:nvSpPr>
+        <p:spPr>
+          <a:xfrm>
+            <a:off x="912812" y="1143000"/>
+            <a:ext cx="9677401" cy="3876675"/>
+          </a:xfrm>
+          <a:prstGeom prst="rect">
+            <a:avLst/>
+          </a:prstGeom>
+        </p:spPr>
+        <p:txBody>
+          <a:bodyPr/>
+          <a:lstStyle>
+            <a:lvl1pPr marL="223838" indent="-223838" algn="l" defTabSz="914400" rtl="0" eaLnBrk="1" latinLnBrk="0" hangingPunct="1">
+              <a:lnSpc>
+                <a:spcPct val="90000"/>
+              </a:lnSpc>
+              <a:spcBef>
+                <a:spcPts val="1800"/>
+              </a:spcBef>
+              <a:buClr>
+                <a:schemeClr val="accent1"/>
+              </a:buClr>
+              <a:buSzPct val="100000"/>
+              <a:buFont typeface="Arial" pitchFamily="34" charset="0"/>
+              <a:buChar char="•"/>
+              <a:defRPr sz="2400" kern="1200">
+                <a:solidFill>
+                  <a:schemeClr val="tx1"/>
+                </a:solidFill>
+                <a:latin typeface="+mn-lt"/>
+                <a:ea typeface="+mn-ea"/>
+                <a:cs typeface="+mn-cs"/>
+              </a:defRPr>
+            </a:lvl1pPr>
+            <a:lvl2pPr marL="463550" indent="-231775" algn="l" defTabSz="914400" rtl="0" eaLnBrk="1" latinLnBrk="0" hangingPunct="1">
+              <a:lnSpc>
+                <a:spcPct val="90000"/>
+              </a:lnSpc>
+              <a:spcBef>
+                <a:spcPts val="1200"/>
+              </a:spcBef>
+              <a:buClr>
+                <a:schemeClr val="accent1"/>
+              </a:buClr>
+              <a:buSzPct val="100000"/>
+              <a:buFont typeface="Arial" pitchFamily="34" charset="0"/>
+              <a:buChar char="•"/>
+              <a:defRPr sz="2000" kern="1200">
+                <a:solidFill>
+                  <a:schemeClr val="tx1"/>
+                </a:solidFill>
+                <a:latin typeface="+mn-lt"/>
+                <a:ea typeface="+mn-ea"/>
+                <a:cs typeface="+mn-cs"/>
+              </a:defRPr>
+            </a:lvl2pPr>
+            <a:lvl3pPr marL="682625" indent="-219075" algn="l" defTabSz="914400" rtl="0" eaLnBrk="1" latinLnBrk="0" hangingPunct="1">
+              <a:lnSpc>
+                <a:spcPct val="90000"/>
+              </a:lnSpc>
+              <a:spcBef>
+                <a:spcPts val="600"/>
+              </a:spcBef>
+              <a:buClr>
+                <a:schemeClr val="accent1"/>
+              </a:buClr>
+              <a:buSzPct val="100000"/>
+              <a:buFont typeface="Arial" pitchFamily="34" charset="0"/>
+              <a:buChar char="•"/>
+              <a:defRPr sz="1800" kern="1200">
+                <a:solidFill>
+                  <a:schemeClr val="tx1"/>
+                </a:solidFill>
+                <a:latin typeface="+mn-lt"/>
+                <a:ea typeface="+mn-ea"/>
+                <a:cs typeface="+mn-cs"/>
+              </a:defRPr>
+            </a:lvl3pPr>
+            <a:lvl4pPr marL="857250" indent="-174625" algn="l" defTabSz="914400" rtl="0" eaLnBrk="1" latinLnBrk="0" hangingPunct="1">
+              <a:lnSpc>
+                <a:spcPct val="90000"/>
+              </a:lnSpc>
+              <a:spcBef>
+                <a:spcPts val="600"/>
+              </a:spcBef>
+              <a:buClr>
+                <a:schemeClr val="accent1"/>
+              </a:buClr>
+              <a:buSzPct val="100000"/>
+              <a:buFont typeface="Arial" pitchFamily="34" charset="0"/>
+              <a:buChar char="•"/>
+              <a:defRPr sz="1600" kern="1200">
+                <a:solidFill>
+                  <a:schemeClr val="tx1"/>
+                </a:solidFill>
+                <a:latin typeface="+mn-lt"/>
+                <a:ea typeface="+mn-ea"/>
+                <a:cs typeface="+mn-cs"/>
+              </a:defRPr>
+            </a:lvl4pPr>
+            <a:lvl5pPr marL="1030288" indent="-173038" algn="l" defTabSz="914400" rtl="0" eaLnBrk="1" latinLnBrk="0" hangingPunct="1">
+              <a:lnSpc>
+                <a:spcPct val="90000"/>
+              </a:lnSpc>
+              <a:spcBef>
+                <a:spcPts val="600"/>
+              </a:spcBef>
+              <a:buClr>
+                <a:schemeClr val="accent1"/>
+              </a:buClr>
+              <a:buSzPct val="100000"/>
+              <a:buFont typeface="Arial" pitchFamily="34" charset="0"/>
+              <a:buChar char="•"/>
+              <a:defRPr sz="1600" kern="1200">
+                <a:solidFill>
+                  <a:schemeClr val="tx1"/>
+                </a:solidFill>
+                <a:latin typeface="+mn-lt"/>
+                <a:ea typeface="+mn-ea"/>
+                <a:cs typeface="+mn-cs"/>
+              </a:defRPr>
+            </a:lvl5pPr>
+            <a:lvl6pPr marL="1207008" indent="-173736" algn="l" defTabSz="914400" rtl="0" eaLnBrk="1" latinLnBrk="0" hangingPunct="1">
+              <a:spcBef>
+                <a:spcPts val="600"/>
+              </a:spcBef>
+              <a:buClr>
+                <a:schemeClr val="accent1"/>
+              </a:buClr>
+              <a:buFont typeface="Arial" pitchFamily="34" charset="0"/>
+              <a:buChar char="•"/>
+              <a:defRPr sz="1600" kern="1200">
+                <a:solidFill>
+                  <a:schemeClr val="tx1"/>
+                </a:solidFill>
+                <a:latin typeface="+mn-lt"/>
+                <a:ea typeface="+mn-ea"/>
+                <a:cs typeface="+mn-cs"/>
+              </a:defRPr>
+            </a:lvl6pPr>
+            <a:lvl7pPr marL="1380744" indent="-173736" algn="l" defTabSz="914400" rtl="0" eaLnBrk="1" latinLnBrk="0" hangingPunct="1">
+              <a:spcBef>
+                <a:spcPts val="600"/>
+              </a:spcBef>
+              <a:buClr>
+                <a:schemeClr val="accent1"/>
+              </a:buClr>
+              <a:buFont typeface="Arial" pitchFamily="34" charset="0"/>
+              <a:buChar char="•"/>
+              <a:defRPr sz="1600" kern="1200">
+                <a:solidFill>
+                  <a:schemeClr val="tx1"/>
+                </a:solidFill>
+                <a:latin typeface="+mn-lt"/>
+                <a:ea typeface="+mn-ea"/>
+                <a:cs typeface="+mn-cs"/>
+              </a:defRPr>
+            </a:lvl7pPr>
+            <a:lvl8pPr marL="1554480" indent="-173736" algn="l" defTabSz="914400" rtl="0" eaLnBrk="1" latinLnBrk="0" hangingPunct="1">
+              <a:spcBef>
+                <a:spcPts val="600"/>
+              </a:spcBef>
+              <a:buClr>
+                <a:schemeClr val="accent1"/>
+              </a:buClr>
+              <a:buFont typeface="Arial" pitchFamily="34" charset="0"/>
+              <a:buChar char="•"/>
+              <a:defRPr sz="1600" kern="1200">
+                <a:solidFill>
+                  <a:schemeClr val="tx1"/>
+                </a:solidFill>
+                <a:latin typeface="+mn-lt"/>
+                <a:ea typeface="+mn-ea"/>
+                <a:cs typeface="+mn-cs"/>
+              </a:defRPr>
+            </a:lvl8pPr>
+            <a:lvl9pPr marL="1728216" indent="-173736" algn="l" defTabSz="914400" rtl="0" eaLnBrk="1" latinLnBrk="0" hangingPunct="1">
+              <a:spcBef>
+                <a:spcPts val="600"/>
+              </a:spcBef>
+              <a:buClr>
+                <a:schemeClr val="accent1"/>
+              </a:buClr>
+              <a:buFont typeface="Arial" pitchFamily="34" charset="0"/>
+              <a:buChar char="•"/>
+              <a:defRPr sz="1600" kern="1200">
+                <a:solidFill>
+                  <a:schemeClr val="tx1"/>
+                </a:solidFill>
+                <a:latin typeface="+mn-lt"/>
+                <a:ea typeface="+mn-ea"/>
+                <a:cs typeface="+mn-cs"/>
+              </a:defRPr>
+            </a:lvl9pPr>
+          </a:lstStyle>
+          <a:p>
+            <a:endParaRPr lang="en-US" sz="2000" dirty="0"/>
+          </a:p>
+        </p:txBody>
+      </p:sp>
+      <p:sp>
+        <p:nvSpPr>
+          <p:cNvPr id="3" name="TextBox 2">
+            <a:extLst>
+              <a:ext uri="{FF2B5EF4-FFF2-40B4-BE49-F238E27FC236}">
+                <a16:creationId xmlns:a16="http://schemas.microsoft.com/office/drawing/2014/main" id="{991F252E-7B50-3CC5-4B12-A27BF4AD854D}"/>
+              </a:ext>
+            </a:extLst>
+          </p:cNvPr>
+          <p:cNvSpPr txBox="1"/>
+          <p:nvPr/>
+        </p:nvSpPr>
+        <p:spPr>
+          <a:xfrm>
+            <a:off x="2508044" y="3843278"/>
+            <a:ext cx="6094602" cy="2862322"/>
+          </a:xfrm>
+          <a:prstGeom prst="rect">
+            <a:avLst/>
+          </a:prstGeom>
+          <a:noFill/>
+        </p:spPr>
+        <p:txBody>
+          <a:bodyPr wrap="square">
+            <a:spAutoFit/>
+          </a:bodyPr>
+          <a:lstStyle/>
+          <a:p>
+            <a:r>
+              <a:rPr lang="en-US" sz="1800" dirty="0"/>
+              <a:t>Developers need to pass ICE server URLs to the peer connection for establishing a connection between two peers.</a:t>
+            </a:r>
+          </a:p>
+          <a:p>
+            <a:r>
+              <a:rPr lang="en-US" sz="1800" dirty="0"/>
+              <a:t>ICE (Interactive Connectivity Establishment) finds the best path to connect two peers using STUN and TURN servers.</a:t>
+            </a:r>
+          </a:p>
+          <a:p>
+            <a:r>
+              <a:rPr lang="en-US" sz="1800" dirty="0"/>
+              <a:t>STUN (Session Traversal Utilities for NAT) server is used by ICE to determine the external address of a peer.</a:t>
+            </a:r>
+          </a:p>
+          <a:p>
+            <a:r>
+              <a:rPr lang="en-US" sz="1800" dirty="0"/>
+              <a:t>If STUN server fails, ICE routes the traffic through a TURN (Traversal Using Relays around NAT) server.</a:t>
+            </a:r>
+          </a:p>
+          <a:p>
+            <a:r>
+              <a:rPr lang="en-US" sz="1800" dirty="0"/>
+              <a:t>Every TURN server supports STUN, which means it has added relaying functionality built-in.</a:t>
+            </a:r>
+          </a:p>
+        </p:txBody>
+      </p:sp>
+    </p:spTree>
+    <p:extLst>
+      <p:ext uri="{BB962C8B-B14F-4D97-AF65-F5344CB8AC3E}">
+        <p14:creationId xmlns:p14="http://schemas.microsoft.com/office/powerpoint/2010/main" val="555010206"/>
+      </p:ext>
+    </p:extLst>
+  </p:cSld>
+  <p:clrMapOvr>
+    <a:masterClrMapping/>
+  </p:clrMapOvr>
+  <mc:AlternateContent xmlns:mc="http://schemas.openxmlformats.org/markup-compatibility/2006" xmlns:p14="http://schemas.microsoft.com/office/powerpoint/2010/main">
+    <mc:Choice Requires="p14">
+      <p:transition spd="med" p14:dur="700">
+        <p:fade/>
+      </p:transition>
+    </mc:Choice>
+    <mc:Fallback xmlns="">
+      <p:transition spd="med">
+        <p:fade/>
+      </p:transition>
+    </mc:Fallback>
+  </mc:AlternateContent>
+</p:sld>
+</file>
+
+<file path=ppt/slides/slide14.xml><?xml version="1.0" encoding="utf-8"?>
+<p:sld xmlns:a="http://schemas.openxmlformats.org/drawingml/2006/main" xmlns:r="http://schemas.openxmlformats.org/officeDocument/2006/relationships" xmlns:p="http://schemas.openxmlformats.org/presentationml/2006/main">
+  <p:cSld>
+    <p:spTree>
+      <p:nvGrpSpPr>
+        <p:cNvPr id="1" name=""/>
+        <p:cNvGrpSpPr/>
+        <p:nvPr/>
+      </p:nvGrpSpPr>
+      <p:grpSpPr>
+        <a:xfrm>
+          <a:off x="0" y="0"/>
+          <a:ext cx="0" cy="0"/>
+          <a:chOff x="0" y="0"/>
+          <a:chExt cx="0" cy="0"/>
+        </a:xfrm>
+      </p:grpSpPr>
+      <p:sp>
+        <p:nvSpPr>
           <p:cNvPr id="4" name="Text Placeholder 3"/>
           <p:cNvSpPr>
             <a:spLocks noGrp="1"/>
@@ -4241,7 +5856,7 @@
             </a:pPr>
             <a:r>
               <a:rPr lang="en-US" sz="4800" dirty="0"/>
-              <a:t>Future Work</a:t>
+              <a:t>How to scale?</a:t>
             </a:r>
           </a:p>
         </p:txBody>
@@ -4271,7 +5886,948 @@
 </p:sld>
 </file>
 
-<file path=ppt/slides/slide11.xml><?xml version="1.0" encoding="utf-8"?>
+<file path=ppt/slides/slide15.xml><?xml version="1.0" encoding="utf-8"?>
+<p:sld xmlns:a="http://schemas.openxmlformats.org/drawingml/2006/main" xmlns:r="http://schemas.openxmlformats.org/officeDocument/2006/relationships" xmlns:p="http://schemas.openxmlformats.org/presentationml/2006/main">
+  <p:cSld>
+    <p:spTree>
+      <p:nvGrpSpPr>
+        <p:cNvPr id="1" name=""/>
+        <p:cNvGrpSpPr/>
+        <p:nvPr/>
+      </p:nvGrpSpPr>
+      <p:grpSpPr>
+        <a:xfrm>
+          <a:off x="0" y="0"/>
+          <a:ext cx="0" cy="0"/>
+          <a:chOff x="0" y="0"/>
+          <a:chExt cx="0" cy="0"/>
+        </a:xfrm>
+      </p:grpSpPr>
+      <p:sp>
+        <p:nvSpPr>
+          <p:cNvPr id="2" name="Title 1"/>
+          <p:cNvSpPr>
+            <a:spLocks noGrp="1"/>
+          </p:cNvSpPr>
+          <p:nvPr>
+            <p:ph type="title"/>
+          </p:nvPr>
+        </p:nvSpPr>
+        <p:spPr>
+          <a:xfrm>
+            <a:off x="912813" y="381000"/>
+            <a:ext cx="9753602" cy="838200"/>
+          </a:xfrm>
+        </p:spPr>
+        <p:txBody>
+          <a:bodyPr/>
+          <a:lstStyle/>
+          <a:p>
+            <a:r>
+              <a:rPr lang="en-US" dirty="0"/>
+              <a:t>Uses of Web RTC</a:t>
+            </a:r>
+          </a:p>
+        </p:txBody>
+      </p:sp>
+      <p:sp>
+        <p:nvSpPr>
+          <p:cNvPr id="3" name="Text Placeholder 3"/>
+          <p:cNvSpPr txBox="1">
+            <a:spLocks/>
+          </p:cNvSpPr>
+          <p:nvPr/>
+        </p:nvSpPr>
+        <p:spPr>
+          <a:xfrm>
+            <a:off x="760412" y="1828800"/>
+            <a:ext cx="10820399" cy="3886200"/>
+          </a:xfrm>
+          <a:prstGeom prst="rect">
+            <a:avLst/>
+          </a:prstGeom>
+        </p:spPr>
+        <p:txBody>
+          <a:bodyPr/>
+          <a:lstStyle>
+            <a:lvl1pPr marL="223838" indent="-223838" algn="l" defTabSz="914400" rtl="0" eaLnBrk="1" latinLnBrk="0" hangingPunct="1">
+              <a:lnSpc>
+                <a:spcPct val="90000"/>
+              </a:lnSpc>
+              <a:spcBef>
+                <a:spcPts val="1800"/>
+              </a:spcBef>
+              <a:buClr>
+                <a:schemeClr val="accent1"/>
+              </a:buClr>
+              <a:buSzPct val="100000"/>
+              <a:buFont typeface="Arial" pitchFamily="34" charset="0"/>
+              <a:buChar char="•"/>
+              <a:defRPr sz="2400" kern="1200">
+                <a:solidFill>
+                  <a:schemeClr val="tx1"/>
+                </a:solidFill>
+                <a:latin typeface="+mn-lt"/>
+                <a:ea typeface="+mn-ea"/>
+                <a:cs typeface="+mn-cs"/>
+              </a:defRPr>
+            </a:lvl1pPr>
+            <a:lvl2pPr marL="463550" indent="-231775" algn="l" defTabSz="914400" rtl="0" eaLnBrk="1" latinLnBrk="0" hangingPunct="1">
+              <a:lnSpc>
+                <a:spcPct val="90000"/>
+              </a:lnSpc>
+              <a:spcBef>
+                <a:spcPts val="1200"/>
+              </a:spcBef>
+              <a:buClr>
+                <a:schemeClr val="accent1"/>
+              </a:buClr>
+              <a:buSzPct val="100000"/>
+              <a:buFont typeface="Arial" pitchFamily="34" charset="0"/>
+              <a:buChar char="•"/>
+              <a:defRPr sz="2000" kern="1200">
+                <a:solidFill>
+                  <a:schemeClr val="tx1"/>
+                </a:solidFill>
+                <a:latin typeface="+mn-lt"/>
+                <a:ea typeface="+mn-ea"/>
+                <a:cs typeface="+mn-cs"/>
+              </a:defRPr>
+            </a:lvl2pPr>
+            <a:lvl3pPr marL="682625" indent="-219075" algn="l" defTabSz="914400" rtl="0" eaLnBrk="1" latinLnBrk="0" hangingPunct="1">
+              <a:lnSpc>
+                <a:spcPct val="90000"/>
+              </a:lnSpc>
+              <a:spcBef>
+                <a:spcPts val="600"/>
+              </a:spcBef>
+              <a:buClr>
+                <a:schemeClr val="accent1"/>
+              </a:buClr>
+              <a:buSzPct val="100000"/>
+              <a:buFont typeface="Arial" pitchFamily="34" charset="0"/>
+              <a:buChar char="•"/>
+              <a:defRPr sz="1800" kern="1200">
+                <a:solidFill>
+                  <a:schemeClr val="tx1"/>
+                </a:solidFill>
+                <a:latin typeface="+mn-lt"/>
+                <a:ea typeface="+mn-ea"/>
+                <a:cs typeface="+mn-cs"/>
+              </a:defRPr>
+            </a:lvl3pPr>
+            <a:lvl4pPr marL="857250" indent="-174625" algn="l" defTabSz="914400" rtl="0" eaLnBrk="1" latinLnBrk="0" hangingPunct="1">
+              <a:lnSpc>
+                <a:spcPct val="90000"/>
+              </a:lnSpc>
+              <a:spcBef>
+                <a:spcPts val="600"/>
+              </a:spcBef>
+              <a:buClr>
+                <a:schemeClr val="accent1"/>
+              </a:buClr>
+              <a:buSzPct val="100000"/>
+              <a:buFont typeface="Arial" pitchFamily="34" charset="0"/>
+              <a:buChar char="•"/>
+              <a:defRPr sz="1600" kern="1200">
+                <a:solidFill>
+                  <a:schemeClr val="tx1"/>
+                </a:solidFill>
+                <a:latin typeface="+mn-lt"/>
+                <a:ea typeface="+mn-ea"/>
+                <a:cs typeface="+mn-cs"/>
+              </a:defRPr>
+            </a:lvl4pPr>
+            <a:lvl5pPr marL="1030288" indent="-173038" algn="l" defTabSz="914400" rtl="0" eaLnBrk="1" latinLnBrk="0" hangingPunct="1">
+              <a:lnSpc>
+                <a:spcPct val="90000"/>
+              </a:lnSpc>
+              <a:spcBef>
+                <a:spcPts val="600"/>
+              </a:spcBef>
+              <a:buClr>
+                <a:schemeClr val="accent1"/>
+              </a:buClr>
+              <a:buSzPct val="100000"/>
+              <a:buFont typeface="Arial" pitchFamily="34" charset="0"/>
+              <a:buChar char="•"/>
+              <a:defRPr sz="1600" kern="1200">
+                <a:solidFill>
+                  <a:schemeClr val="tx1"/>
+                </a:solidFill>
+                <a:latin typeface="+mn-lt"/>
+                <a:ea typeface="+mn-ea"/>
+                <a:cs typeface="+mn-cs"/>
+              </a:defRPr>
+            </a:lvl5pPr>
+            <a:lvl6pPr marL="1207008" indent="-173736" algn="l" defTabSz="914400" rtl="0" eaLnBrk="1" latinLnBrk="0" hangingPunct="1">
+              <a:spcBef>
+                <a:spcPts val="600"/>
+              </a:spcBef>
+              <a:buClr>
+                <a:schemeClr val="accent1"/>
+              </a:buClr>
+              <a:buFont typeface="Arial" pitchFamily="34" charset="0"/>
+              <a:buChar char="•"/>
+              <a:defRPr sz="1600" kern="1200">
+                <a:solidFill>
+                  <a:schemeClr val="tx1"/>
+                </a:solidFill>
+                <a:latin typeface="+mn-lt"/>
+                <a:ea typeface="+mn-ea"/>
+                <a:cs typeface="+mn-cs"/>
+              </a:defRPr>
+            </a:lvl6pPr>
+            <a:lvl7pPr marL="1380744" indent="-173736" algn="l" defTabSz="914400" rtl="0" eaLnBrk="1" latinLnBrk="0" hangingPunct="1">
+              <a:spcBef>
+                <a:spcPts val="600"/>
+              </a:spcBef>
+              <a:buClr>
+                <a:schemeClr val="accent1"/>
+              </a:buClr>
+              <a:buFont typeface="Arial" pitchFamily="34" charset="0"/>
+              <a:buChar char="•"/>
+              <a:defRPr sz="1600" kern="1200">
+                <a:solidFill>
+                  <a:schemeClr val="tx1"/>
+                </a:solidFill>
+                <a:latin typeface="+mn-lt"/>
+                <a:ea typeface="+mn-ea"/>
+                <a:cs typeface="+mn-cs"/>
+              </a:defRPr>
+            </a:lvl7pPr>
+            <a:lvl8pPr marL="1554480" indent="-173736" algn="l" defTabSz="914400" rtl="0" eaLnBrk="1" latinLnBrk="0" hangingPunct="1">
+              <a:spcBef>
+                <a:spcPts val="600"/>
+              </a:spcBef>
+              <a:buClr>
+                <a:schemeClr val="accent1"/>
+              </a:buClr>
+              <a:buFont typeface="Arial" pitchFamily="34" charset="0"/>
+              <a:buChar char="•"/>
+              <a:defRPr sz="1600" kern="1200">
+                <a:solidFill>
+                  <a:schemeClr val="tx1"/>
+                </a:solidFill>
+                <a:latin typeface="+mn-lt"/>
+                <a:ea typeface="+mn-ea"/>
+                <a:cs typeface="+mn-cs"/>
+              </a:defRPr>
+            </a:lvl8pPr>
+            <a:lvl9pPr marL="1728216" indent="-173736" algn="l" defTabSz="914400" rtl="0" eaLnBrk="1" latinLnBrk="0" hangingPunct="1">
+              <a:spcBef>
+                <a:spcPts val="600"/>
+              </a:spcBef>
+              <a:buClr>
+                <a:schemeClr val="accent1"/>
+              </a:buClr>
+              <a:buFont typeface="Arial" pitchFamily="34" charset="0"/>
+              <a:buChar char="•"/>
+              <a:defRPr sz="1600" kern="1200">
+                <a:solidFill>
+                  <a:schemeClr val="tx1"/>
+                </a:solidFill>
+                <a:latin typeface="+mn-lt"/>
+                <a:ea typeface="+mn-ea"/>
+                <a:cs typeface="+mn-cs"/>
+              </a:defRPr>
+            </a:lvl9pPr>
+          </a:lstStyle>
+          <a:p>
+            <a:pPr marL="0" indent="0">
+              <a:buNone/>
+            </a:pPr>
+            <a:endParaRPr lang="en-US" sz="2000" dirty="0"/>
+          </a:p>
+        </p:txBody>
+      </p:sp>
+      <p:sp>
+        <p:nvSpPr>
+          <p:cNvPr id="4" name="Text Placeholder 3"/>
+          <p:cNvSpPr txBox="1">
+            <a:spLocks/>
+          </p:cNvSpPr>
+          <p:nvPr/>
+        </p:nvSpPr>
+        <p:spPr>
+          <a:xfrm>
+            <a:off x="760412" y="1524000"/>
+            <a:ext cx="10820399" cy="4495800"/>
+          </a:xfrm>
+          <a:prstGeom prst="rect">
+            <a:avLst/>
+          </a:prstGeom>
+        </p:spPr>
+        <p:txBody>
+          <a:bodyPr/>
+          <a:lstStyle>
+            <a:lvl1pPr marL="223838" indent="-223838" algn="l" defTabSz="914400" rtl="0" eaLnBrk="1" latinLnBrk="0" hangingPunct="1">
+              <a:lnSpc>
+                <a:spcPct val="90000"/>
+              </a:lnSpc>
+              <a:spcBef>
+                <a:spcPts val="1800"/>
+              </a:spcBef>
+              <a:buClr>
+                <a:schemeClr val="accent1"/>
+              </a:buClr>
+              <a:buSzPct val="100000"/>
+              <a:buFont typeface="Arial" pitchFamily="34" charset="0"/>
+              <a:buChar char="•"/>
+              <a:defRPr sz="2400" kern="1200">
+                <a:solidFill>
+                  <a:schemeClr val="tx1"/>
+                </a:solidFill>
+                <a:latin typeface="+mn-lt"/>
+                <a:ea typeface="+mn-ea"/>
+                <a:cs typeface="+mn-cs"/>
+              </a:defRPr>
+            </a:lvl1pPr>
+            <a:lvl2pPr marL="463550" indent="-231775" algn="l" defTabSz="914400" rtl="0" eaLnBrk="1" latinLnBrk="0" hangingPunct="1">
+              <a:lnSpc>
+                <a:spcPct val="90000"/>
+              </a:lnSpc>
+              <a:spcBef>
+                <a:spcPts val="1200"/>
+              </a:spcBef>
+              <a:buClr>
+                <a:schemeClr val="accent1"/>
+              </a:buClr>
+              <a:buSzPct val="100000"/>
+              <a:buFont typeface="Arial" pitchFamily="34" charset="0"/>
+              <a:buChar char="•"/>
+              <a:defRPr sz="2000" kern="1200">
+                <a:solidFill>
+                  <a:schemeClr val="tx1"/>
+                </a:solidFill>
+                <a:latin typeface="+mn-lt"/>
+                <a:ea typeface="+mn-ea"/>
+                <a:cs typeface="+mn-cs"/>
+              </a:defRPr>
+            </a:lvl2pPr>
+            <a:lvl3pPr marL="682625" indent="-219075" algn="l" defTabSz="914400" rtl="0" eaLnBrk="1" latinLnBrk="0" hangingPunct="1">
+              <a:lnSpc>
+                <a:spcPct val="90000"/>
+              </a:lnSpc>
+              <a:spcBef>
+                <a:spcPts val="600"/>
+              </a:spcBef>
+              <a:buClr>
+                <a:schemeClr val="accent1"/>
+              </a:buClr>
+              <a:buSzPct val="100000"/>
+              <a:buFont typeface="Arial" pitchFamily="34" charset="0"/>
+              <a:buChar char="•"/>
+              <a:defRPr sz="1800" kern="1200">
+                <a:solidFill>
+                  <a:schemeClr val="tx1"/>
+                </a:solidFill>
+                <a:latin typeface="+mn-lt"/>
+                <a:ea typeface="+mn-ea"/>
+                <a:cs typeface="+mn-cs"/>
+              </a:defRPr>
+            </a:lvl3pPr>
+            <a:lvl4pPr marL="857250" indent="-174625" algn="l" defTabSz="914400" rtl="0" eaLnBrk="1" latinLnBrk="0" hangingPunct="1">
+              <a:lnSpc>
+                <a:spcPct val="90000"/>
+              </a:lnSpc>
+              <a:spcBef>
+                <a:spcPts val="600"/>
+              </a:spcBef>
+              <a:buClr>
+                <a:schemeClr val="accent1"/>
+              </a:buClr>
+              <a:buSzPct val="100000"/>
+              <a:buFont typeface="Arial" pitchFamily="34" charset="0"/>
+              <a:buChar char="•"/>
+              <a:defRPr sz="1600" kern="1200">
+                <a:solidFill>
+                  <a:schemeClr val="tx1"/>
+                </a:solidFill>
+                <a:latin typeface="+mn-lt"/>
+                <a:ea typeface="+mn-ea"/>
+                <a:cs typeface="+mn-cs"/>
+              </a:defRPr>
+            </a:lvl4pPr>
+            <a:lvl5pPr marL="1030288" indent="-173038" algn="l" defTabSz="914400" rtl="0" eaLnBrk="1" latinLnBrk="0" hangingPunct="1">
+              <a:lnSpc>
+                <a:spcPct val="90000"/>
+              </a:lnSpc>
+              <a:spcBef>
+                <a:spcPts val="600"/>
+              </a:spcBef>
+              <a:buClr>
+                <a:schemeClr val="accent1"/>
+              </a:buClr>
+              <a:buSzPct val="100000"/>
+              <a:buFont typeface="Arial" pitchFamily="34" charset="0"/>
+              <a:buChar char="•"/>
+              <a:defRPr sz="1600" kern="1200">
+                <a:solidFill>
+                  <a:schemeClr val="tx1"/>
+                </a:solidFill>
+                <a:latin typeface="+mn-lt"/>
+                <a:ea typeface="+mn-ea"/>
+                <a:cs typeface="+mn-cs"/>
+              </a:defRPr>
+            </a:lvl5pPr>
+            <a:lvl6pPr marL="1207008" indent="-173736" algn="l" defTabSz="914400" rtl="0" eaLnBrk="1" latinLnBrk="0" hangingPunct="1">
+              <a:spcBef>
+                <a:spcPts val="600"/>
+              </a:spcBef>
+              <a:buClr>
+                <a:schemeClr val="accent1"/>
+              </a:buClr>
+              <a:buFont typeface="Arial" pitchFamily="34" charset="0"/>
+              <a:buChar char="•"/>
+              <a:defRPr sz="1600" kern="1200">
+                <a:solidFill>
+                  <a:schemeClr val="tx1"/>
+                </a:solidFill>
+                <a:latin typeface="+mn-lt"/>
+                <a:ea typeface="+mn-ea"/>
+                <a:cs typeface="+mn-cs"/>
+              </a:defRPr>
+            </a:lvl6pPr>
+            <a:lvl7pPr marL="1380744" indent="-173736" algn="l" defTabSz="914400" rtl="0" eaLnBrk="1" latinLnBrk="0" hangingPunct="1">
+              <a:spcBef>
+                <a:spcPts val="600"/>
+              </a:spcBef>
+              <a:buClr>
+                <a:schemeClr val="accent1"/>
+              </a:buClr>
+              <a:buFont typeface="Arial" pitchFamily="34" charset="0"/>
+              <a:buChar char="•"/>
+              <a:defRPr sz="1600" kern="1200">
+                <a:solidFill>
+                  <a:schemeClr val="tx1"/>
+                </a:solidFill>
+                <a:latin typeface="+mn-lt"/>
+                <a:ea typeface="+mn-ea"/>
+                <a:cs typeface="+mn-cs"/>
+              </a:defRPr>
+            </a:lvl7pPr>
+            <a:lvl8pPr marL="1554480" indent="-173736" algn="l" defTabSz="914400" rtl="0" eaLnBrk="1" latinLnBrk="0" hangingPunct="1">
+              <a:spcBef>
+                <a:spcPts val="600"/>
+              </a:spcBef>
+              <a:buClr>
+                <a:schemeClr val="accent1"/>
+              </a:buClr>
+              <a:buFont typeface="Arial" pitchFamily="34" charset="0"/>
+              <a:buChar char="•"/>
+              <a:defRPr sz="1600" kern="1200">
+                <a:solidFill>
+                  <a:schemeClr val="tx1"/>
+                </a:solidFill>
+                <a:latin typeface="+mn-lt"/>
+                <a:ea typeface="+mn-ea"/>
+                <a:cs typeface="+mn-cs"/>
+              </a:defRPr>
+            </a:lvl8pPr>
+            <a:lvl9pPr marL="1728216" indent="-173736" algn="l" defTabSz="914400" rtl="0" eaLnBrk="1" latinLnBrk="0" hangingPunct="1">
+              <a:spcBef>
+                <a:spcPts val="600"/>
+              </a:spcBef>
+              <a:buClr>
+                <a:schemeClr val="accent1"/>
+              </a:buClr>
+              <a:buFont typeface="Arial" pitchFamily="34" charset="0"/>
+              <a:buChar char="•"/>
+              <a:defRPr sz="1600" kern="1200">
+                <a:solidFill>
+                  <a:schemeClr val="tx1"/>
+                </a:solidFill>
+                <a:latin typeface="+mn-lt"/>
+                <a:ea typeface="+mn-ea"/>
+                <a:cs typeface="+mn-cs"/>
+              </a:defRPr>
+            </a:lvl9pPr>
+          </a:lstStyle>
+          <a:p>
+            <a:pPr marL="0" indent="0">
+              <a:buNone/>
+            </a:pPr>
+            <a:endParaRPr lang="en-US" sz="1900" dirty="0"/>
+          </a:p>
+        </p:txBody>
+      </p:sp>
+      <p:sp>
+        <p:nvSpPr>
+          <p:cNvPr id="6" name="Text Placeholder 3"/>
+          <p:cNvSpPr txBox="1">
+            <a:spLocks/>
+          </p:cNvSpPr>
+          <p:nvPr/>
+        </p:nvSpPr>
+        <p:spPr>
+          <a:xfrm>
+            <a:off x="912812" y="1295400"/>
+            <a:ext cx="10820399" cy="4876800"/>
+          </a:xfrm>
+          <a:prstGeom prst="rect">
+            <a:avLst/>
+          </a:prstGeom>
+        </p:spPr>
+        <p:txBody>
+          <a:bodyPr/>
+          <a:lstStyle>
+            <a:lvl1pPr marL="223838" indent="-223838" algn="l" defTabSz="914400" rtl="0" eaLnBrk="1" latinLnBrk="0" hangingPunct="1">
+              <a:lnSpc>
+                <a:spcPct val="90000"/>
+              </a:lnSpc>
+              <a:spcBef>
+                <a:spcPts val="1800"/>
+              </a:spcBef>
+              <a:buClr>
+                <a:schemeClr val="accent1"/>
+              </a:buClr>
+              <a:buSzPct val="100000"/>
+              <a:buFont typeface="Arial" pitchFamily="34" charset="0"/>
+              <a:buChar char="•"/>
+              <a:defRPr sz="2400" kern="1200">
+                <a:solidFill>
+                  <a:schemeClr val="tx1"/>
+                </a:solidFill>
+                <a:latin typeface="+mn-lt"/>
+                <a:ea typeface="+mn-ea"/>
+                <a:cs typeface="+mn-cs"/>
+              </a:defRPr>
+            </a:lvl1pPr>
+            <a:lvl2pPr marL="463550" indent="-231775" algn="l" defTabSz="914400" rtl="0" eaLnBrk="1" latinLnBrk="0" hangingPunct="1">
+              <a:lnSpc>
+                <a:spcPct val="90000"/>
+              </a:lnSpc>
+              <a:spcBef>
+                <a:spcPts val="1200"/>
+              </a:spcBef>
+              <a:buClr>
+                <a:schemeClr val="accent1"/>
+              </a:buClr>
+              <a:buSzPct val="100000"/>
+              <a:buFont typeface="Arial" pitchFamily="34" charset="0"/>
+              <a:buChar char="•"/>
+              <a:defRPr sz="2000" kern="1200">
+                <a:solidFill>
+                  <a:schemeClr val="tx1"/>
+                </a:solidFill>
+                <a:latin typeface="+mn-lt"/>
+                <a:ea typeface="+mn-ea"/>
+                <a:cs typeface="+mn-cs"/>
+              </a:defRPr>
+            </a:lvl2pPr>
+            <a:lvl3pPr marL="682625" indent="-219075" algn="l" defTabSz="914400" rtl="0" eaLnBrk="1" latinLnBrk="0" hangingPunct="1">
+              <a:lnSpc>
+                <a:spcPct val="90000"/>
+              </a:lnSpc>
+              <a:spcBef>
+                <a:spcPts val="600"/>
+              </a:spcBef>
+              <a:buClr>
+                <a:schemeClr val="accent1"/>
+              </a:buClr>
+              <a:buSzPct val="100000"/>
+              <a:buFont typeface="Arial" pitchFamily="34" charset="0"/>
+              <a:buChar char="•"/>
+              <a:defRPr sz="1800" kern="1200">
+                <a:solidFill>
+                  <a:schemeClr val="tx1"/>
+                </a:solidFill>
+                <a:latin typeface="+mn-lt"/>
+                <a:ea typeface="+mn-ea"/>
+                <a:cs typeface="+mn-cs"/>
+              </a:defRPr>
+            </a:lvl3pPr>
+            <a:lvl4pPr marL="857250" indent="-174625" algn="l" defTabSz="914400" rtl="0" eaLnBrk="1" latinLnBrk="0" hangingPunct="1">
+              <a:lnSpc>
+                <a:spcPct val="90000"/>
+              </a:lnSpc>
+              <a:spcBef>
+                <a:spcPts val="600"/>
+              </a:spcBef>
+              <a:buClr>
+                <a:schemeClr val="accent1"/>
+              </a:buClr>
+              <a:buSzPct val="100000"/>
+              <a:buFont typeface="Arial" pitchFamily="34" charset="0"/>
+              <a:buChar char="•"/>
+              <a:defRPr sz="1600" kern="1200">
+                <a:solidFill>
+                  <a:schemeClr val="tx1"/>
+                </a:solidFill>
+                <a:latin typeface="+mn-lt"/>
+                <a:ea typeface="+mn-ea"/>
+                <a:cs typeface="+mn-cs"/>
+              </a:defRPr>
+            </a:lvl4pPr>
+            <a:lvl5pPr marL="1030288" indent="-173038" algn="l" defTabSz="914400" rtl="0" eaLnBrk="1" latinLnBrk="0" hangingPunct="1">
+              <a:lnSpc>
+                <a:spcPct val="90000"/>
+              </a:lnSpc>
+              <a:spcBef>
+                <a:spcPts val="600"/>
+              </a:spcBef>
+              <a:buClr>
+                <a:schemeClr val="accent1"/>
+              </a:buClr>
+              <a:buSzPct val="100000"/>
+              <a:buFont typeface="Arial" pitchFamily="34" charset="0"/>
+              <a:buChar char="•"/>
+              <a:defRPr sz="1600" kern="1200">
+                <a:solidFill>
+                  <a:schemeClr val="tx1"/>
+                </a:solidFill>
+                <a:latin typeface="+mn-lt"/>
+                <a:ea typeface="+mn-ea"/>
+                <a:cs typeface="+mn-cs"/>
+              </a:defRPr>
+            </a:lvl5pPr>
+            <a:lvl6pPr marL="1207008" indent="-173736" algn="l" defTabSz="914400" rtl="0" eaLnBrk="1" latinLnBrk="0" hangingPunct="1">
+              <a:spcBef>
+                <a:spcPts val="600"/>
+              </a:spcBef>
+              <a:buClr>
+                <a:schemeClr val="accent1"/>
+              </a:buClr>
+              <a:buFont typeface="Arial" pitchFamily="34" charset="0"/>
+              <a:buChar char="•"/>
+              <a:defRPr sz="1600" kern="1200">
+                <a:solidFill>
+                  <a:schemeClr val="tx1"/>
+                </a:solidFill>
+                <a:latin typeface="+mn-lt"/>
+                <a:ea typeface="+mn-ea"/>
+                <a:cs typeface="+mn-cs"/>
+              </a:defRPr>
+            </a:lvl6pPr>
+            <a:lvl7pPr marL="1380744" indent="-173736" algn="l" defTabSz="914400" rtl="0" eaLnBrk="1" latinLnBrk="0" hangingPunct="1">
+              <a:spcBef>
+                <a:spcPts val="600"/>
+              </a:spcBef>
+              <a:buClr>
+                <a:schemeClr val="accent1"/>
+              </a:buClr>
+              <a:buFont typeface="Arial" pitchFamily="34" charset="0"/>
+              <a:buChar char="•"/>
+              <a:defRPr sz="1600" kern="1200">
+                <a:solidFill>
+                  <a:schemeClr val="tx1"/>
+                </a:solidFill>
+                <a:latin typeface="+mn-lt"/>
+                <a:ea typeface="+mn-ea"/>
+                <a:cs typeface="+mn-cs"/>
+              </a:defRPr>
+            </a:lvl7pPr>
+            <a:lvl8pPr marL="1554480" indent="-173736" algn="l" defTabSz="914400" rtl="0" eaLnBrk="1" latinLnBrk="0" hangingPunct="1">
+              <a:spcBef>
+                <a:spcPts val="600"/>
+              </a:spcBef>
+              <a:buClr>
+                <a:schemeClr val="accent1"/>
+              </a:buClr>
+              <a:buFont typeface="Arial" pitchFamily="34" charset="0"/>
+              <a:buChar char="•"/>
+              <a:defRPr sz="1600" kern="1200">
+                <a:solidFill>
+                  <a:schemeClr val="tx1"/>
+                </a:solidFill>
+                <a:latin typeface="+mn-lt"/>
+                <a:ea typeface="+mn-ea"/>
+                <a:cs typeface="+mn-cs"/>
+              </a:defRPr>
+            </a:lvl8pPr>
+            <a:lvl9pPr marL="1728216" indent="-173736" algn="l" defTabSz="914400" rtl="0" eaLnBrk="1" latinLnBrk="0" hangingPunct="1">
+              <a:spcBef>
+                <a:spcPts val="600"/>
+              </a:spcBef>
+              <a:buClr>
+                <a:schemeClr val="accent1"/>
+              </a:buClr>
+              <a:buFont typeface="Arial" pitchFamily="34" charset="0"/>
+              <a:buChar char="•"/>
+              <a:defRPr sz="1600" kern="1200">
+                <a:solidFill>
+                  <a:schemeClr val="tx1"/>
+                </a:solidFill>
+                <a:latin typeface="+mn-lt"/>
+                <a:ea typeface="+mn-ea"/>
+                <a:cs typeface="+mn-cs"/>
+              </a:defRPr>
+            </a:lvl9pPr>
+          </a:lstStyle>
+          <a:p>
+            <a:pPr marL="0" indent="0">
+              <a:buNone/>
+            </a:pPr>
+            <a:r>
+              <a:rPr lang="en-US" sz="1900" dirty="0" err="1"/>
+              <a:t>WebRTC</a:t>
+            </a:r>
+            <a:r>
+              <a:rPr lang="en-US" sz="1900" dirty="0"/>
+              <a:t> can be used in a variety to enable real-time communication and collaboration features. Here are some common uses of </a:t>
+            </a:r>
+            <a:r>
+              <a:rPr lang="en-US" sz="1900" dirty="0" err="1"/>
+              <a:t>WebRTC</a:t>
+            </a:r>
+            <a:r>
+              <a:rPr lang="en-US" sz="1900" dirty="0"/>
+              <a:t> :</a:t>
+            </a:r>
+          </a:p>
+          <a:p>
+            <a:pPr marL="514350" indent="-514350">
+              <a:buFont typeface="+mj-lt"/>
+              <a:buAutoNum type="romanUcPeriod"/>
+            </a:pPr>
+            <a:r>
+              <a:rPr lang="en-US" sz="1900" dirty="0"/>
+              <a:t>Video conferencing:. Users can join a virtual meeting room and communicate with each other in real-time, with support for high-quality audio and video streams.</a:t>
+            </a:r>
+          </a:p>
+          <a:p>
+            <a:pPr marL="514350" indent="-514350">
+              <a:buFont typeface="+mj-lt"/>
+              <a:buAutoNum type="romanUcPeriod"/>
+            </a:pPr>
+            <a:r>
+              <a:rPr lang="en-US" sz="1900" dirty="0"/>
+              <a:t>Live streaming :Users can broadcast live events, concerts, or webinars, and viewers can join the stream and interact with each other in real-time.</a:t>
+            </a:r>
+          </a:p>
+          <a:p>
+            <a:pPr marL="514350" indent="-514350">
+              <a:buFont typeface="+mj-lt"/>
+              <a:buAutoNum type="romanUcPeriod"/>
+            </a:pPr>
+            <a:r>
+              <a:rPr lang="en-US" sz="1900" dirty="0"/>
+              <a:t>Gaming : Users can play multiplayer games with each other in real-time, with support for low latency and high-quality audio and video streams.</a:t>
+            </a:r>
+          </a:p>
+          <a:p>
+            <a:pPr marL="514350" indent="-514350">
+              <a:buFont typeface="+mj-lt"/>
+              <a:buAutoNum type="romanUcPeriod"/>
+            </a:pPr>
+            <a:r>
+              <a:rPr lang="en-US" sz="1900" dirty="0"/>
+              <a:t> E-learning : Users can attend virtual classes, seminars, or workshops, and interact with each other and the instructor in real-time.</a:t>
+            </a:r>
+          </a:p>
+          <a:p>
+            <a:pPr marL="514350" indent="-514350">
+              <a:buFont typeface="+mj-lt"/>
+              <a:buAutoNum type="romanUcPeriod"/>
+            </a:pPr>
+            <a:r>
+              <a:rPr lang="en-US" sz="1900" dirty="0"/>
+              <a:t>Customer support : Users can join a virtual helpdesk and communicate with customer support agents in real-time, with support for audio, video, and data exchange.</a:t>
+            </a:r>
+          </a:p>
+          <a:p>
+            <a:pPr marL="514350" indent="-514350">
+              <a:buFont typeface="+mj-lt"/>
+              <a:buAutoNum type="romanUcPeriod"/>
+            </a:pPr>
+            <a:r>
+              <a:rPr lang="en-US" sz="1900" dirty="0"/>
+              <a:t>Remote collaboration : Users can collaborate on projects, documents, or code, and communicate with each other in real-time using audio, video, and data exchange.</a:t>
+            </a:r>
+          </a:p>
+          <a:p>
+            <a:pPr marL="0" indent="0">
+              <a:buNone/>
+            </a:pPr>
+            <a:endParaRPr lang="en-US" sz="1900" dirty="0"/>
+          </a:p>
+        </p:txBody>
+      </p:sp>
+    </p:spTree>
+    <p:extLst>
+      <p:ext uri="{BB962C8B-B14F-4D97-AF65-F5344CB8AC3E}">
+        <p14:creationId xmlns:p14="http://schemas.microsoft.com/office/powerpoint/2010/main" val="2775051601"/>
+      </p:ext>
+    </p:extLst>
+  </p:cSld>
+  <p:clrMapOvr>
+    <a:masterClrMapping/>
+  </p:clrMapOvr>
+  <mc:AlternateContent xmlns:mc="http://schemas.openxmlformats.org/markup-compatibility/2006" xmlns:p14="http://schemas.microsoft.com/office/powerpoint/2010/main">
+    <mc:Choice Requires="p14">
+      <p:transition spd="med" p14:dur="700">
+        <p:fade/>
+      </p:transition>
+    </mc:Choice>
+    <mc:Fallback xmlns="">
+      <p:transition spd="med">
+        <p:fade/>
+      </p:transition>
+    </mc:Fallback>
+  </mc:AlternateContent>
+</p:sld>
+</file>
+
+<file path=ppt/slides/slide16.xml><?xml version="1.0" encoding="utf-8"?>
+<p:sld xmlns:a="http://schemas.openxmlformats.org/drawingml/2006/main" xmlns:r="http://schemas.openxmlformats.org/officeDocument/2006/relationships" xmlns:p="http://schemas.openxmlformats.org/presentationml/2006/main">
+  <p:cSld>
+    <p:spTree>
+      <p:nvGrpSpPr>
+        <p:cNvPr id="1" name=""/>
+        <p:cNvGrpSpPr/>
+        <p:nvPr/>
+      </p:nvGrpSpPr>
+      <p:grpSpPr>
+        <a:xfrm>
+          <a:off x="0" y="0"/>
+          <a:ext cx="0" cy="0"/>
+          <a:chOff x="0" y="0"/>
+          <a:chExt cx="0" cy="0"/>
+        </a:xfrm>
+      </p:grpSpPr>
+      <p:sp>
+        <p:nvSpPr>
+          <p:cNvPr id="2" name="Title 1"/>
+          <p:cNvSpPr txBox="1">
+            <a:spLocks/>
+          </p:cNvSpPr>
+          <p:nvPr/>
+        </p:nvSpPr>
+        <p:spPr>
+          <a:xfrm>
+            <a:off x="912813" y="533400"/>
+            <a:ext cx="9753602" cy="1219200"/>
+          </a:xfrm>
+          <a:prstGeom prst="rect">
+            <a:avLst/>
+          </a:prstGeom>
+        </p:spPr>
+        <p:txBody>
+          <a:bodyPr/>
+          <a:lstStyle>
+            <a:lvl1pPr algn="l" defTabSz="914400" rtl="0" eaLnBrk="1" latinLnBrk="0" hangingPunct="1">
+              <a:lnSpc>
+                <a:spcPct val="90000"/>
+              </a:lnSpc>
+              <a:spcBef>
+                <a:spcPct val="0"/>
+              </a:spcBef>
+              <a:buNone/>
+              <a:defRPr sz="3600" kern="1200" spc="100" baseline="0">
+                <a:solidFill>
+                  <a:schemeClr val="tx1"/>
+                </a:solidFill>
+                <a:latin typeface="+mj-lt"/>
+                <a:ea typeface="+mj-ea"/>
+                <a:cs typeface="+mj-cs"/>
+              </a:defRPr>
+            </a:lvl1pPr>
+          </a:lstStyle>
+          <a:p>
+            <a:pPr marL="45720"/>
+            <a:r>
+              <a:rPr lang="en-US" dirty="0"/>
+              <a:t>Advantages and disadvantages of  Web RTC</a:t>
+            </a:r>
+          </a:p>
+        </p:txBody>
+      </p:sp>
+    </p:spTree>
+    <p:extLst>
+      <p:ext uri="{BB962C8B-B14F-4D97-AF65-F5344CB8AC3E}">
+        <p14:creationId xmlns:p14="http://schemas.microsoft.com/office/powerpoint/2010/main" val="1735722345"/>
+      </p:ext>
+    </p:extLst>
+  </p:cSld>
+  <p:clrMapOvr>
+    <a:masterClrMapping/>
+  </p:clrMapOvr>
+  <mc:AlternateContent xmlns:mc="http://schemas.openxmlformats.org/markup-compatibility/2006" xmlns:p14="http://schemas.microsoft.com/office/powerpoint/2010/main">
+    <mc:Choice Requires="p14">
+      <p:transition spd="med" p14:dur="700">
+        <p:fade/>
+      </p:transition>
+    </mc:Choice>
+    <mc:Fallback xmlns="">
+      <p:transition spd="med">
+        <p:fade/>
+      </p:transition>
+    </mc:Fallback>
+  </mc:AlternateContent>
+</p:sld>
+</file>
+
+<file path=ppt/slides/slide17.xml><?xml version="1.0" encoding="utf-8"?>
+<p:sld xmlns:a="http://schemas.openxmlformats.org/drawingml/2006/main" xmlns:r="http://schemas.openxmlformats.org/officeDocument/2006/relationships" xmlns:p="http://schemas.openxmlformats.org/presentationml/2006/main">
+  <p:cSld>
+    <p:spTree>
+      <p:nvGrpSpPr>
+        <p:cNvPr id="1" name=""/>
+        <p:cNvGrpSpPr/>
+        <p:nvPr/>
+      </p:nvGrpSpPr>
+      <p:grpSpPr>
+        <a:xfrm>
+          <a:off x="0" y="0"/>
+          <a:ext cx="0" cy="0"/>
+          <a:chOff x="0" y="0"/>
+          <a:chExt cx="0" cy="0"/>
+        </a:xfrm>
+      </p:grpSpPr>
+      <p:sp>
+        <p:nvSpPr>
+          <p:cNvPr id="2" name="Title 1"/>
+          <p:cNvSpPr>
+            <a:spLocks noGrp="1"/>
+          </p:cNvSpPr>
+          <p:nvPr>
+            <p:ph type="title"/>
+          </p:nvPr>
+        </p:nvSpPr>
+        <p:spPr>
+          <a:xfrm>
+            <a:off x="836613" y="381000"/>
+            <a:ext cx="9829802" cy="1066800"/>
+          </a:xfrm>
+        </p:spPr>
+        <p:txBody>
+          <a:bodyPr/>
+          <a:lstStyle/>
+          <a:p>
+            <a:r>
+              <a:rPr lang="en-US" dirty="0"/>
+              <a:t>Web RTC alternatives</a:t>
+            </a:r>
+          </a:p>
+        </p:txBody>
+      </p:sp>
+    </p:spTree>
+    <p:extLst>
+      <p:ext uri="{BB962C8B-B14F-4D97-AF65-F5344CB8AC3E}">
+        <p14:creationId xmlns:p14="http://schemas.microsoft.com/office/powerpoint/2010/main" val="164322057"/>
+      </p:ext>
+    </p:extLst>
+  </p:cSld>
+  <p:clrMapOvr>
+    <a:masterClrMapping/>
+  </p:clrMapOvr>
+  <mc:AlternateContent xmlns:mc="http://schemas.openxmlformats.org/markup-compatibility/2006" xmlns:p14="http://schemas.microsoft.com/office/powerpoint/2010/main">
+    <mc:Choice Requires="p14">
+      <p:transition spd="med" p14:dur="700">
+        <p:fade/>
+      </p:transition>
+    </mc:Choice>
+    <mc:Fallback xmlns="">
+      <p:transition spd="med">
+        <p:fade/>
+      </p:transition>
+    </mc:Fallback>
+  </mc:AlternateContent>
+</p:sld>
+</file>
+
+<file path=ppt/slides/slide18.xml><?xml version="1.0" encoding="utf-8"?>
 <p:sld xmlns:a="http://schemas.openxmlformats.org/drawingml/2006/main" xmlns:r="http://schemas.openxmlformats.org/officeDocument/2006/relationships" xmlns:p="http://schemas.openxmlformats.org/presentationml/2006/main">
   <p:cSld>
     <p:spTree>
@@ -4571,7 +7127,7 @@
             </a:pPr>
             <a:r>
               <a:rPr lang="en-US" dirty="0"/>
-              <a:t>5.GetMediaStream()</a:t>
+              <a:t>5.GetUserMedia ()</a:t>
             </a:r>
           </a:p>
           <a:p>
@@ -4840,7 +7396,15 @@
             </a:pPr>
             <a:r>
               <a:rPr lang="en-US" dirty="0"/>
-              <a:t>9. How to scale for millions of users</a:t>
+              <a:t>9. ICE(</a:t>
+            </a:r>
+            <a:r>
+              <a:rPr lang="en-US" dirty="0" err="1"/>
+              <a:t>Interective</a:t>
+            </a:r>
+            <a:r>
+              <a:rPr lang="en-US" dirty="0"/>
+              <a:t> Connectivity Establishment)</a:t>
             </a:r>
           </a:p>
           <a:p>
@@ -4849,7 +7413,7 @@
             </a:pPr>
             <a:r>
               <a:rPr lang="en-US" dirty="0"/>
-              <a:t>10. Uses of WebRTC</a:t>
+              <a:t>10.How to scale for millions of users</a:t>
             </a:r>
           </a:p>
           <a:p>
@@ -4858,7 +7422,7 @@
             </a:pPr>
             <a:r>
               <a:rPr lang="en-US" dirty="0"/>
-              <a:t>11. Web RTC alternatives</a:t>
+              <a:t>11. Uses of WebRTC</a:t>
             </a:r>
           </a:p>
           <a:p>
@@ -4867,7 +7431,7 @@
             </a:pPr>
             <a:r>
               <a:rPr lang="en-US" dirty="0"/>
-              <a:t>12  . Advantages and disadvantages of  Web RTC</a:t>
+              <a:t>12. Web RTC alternatives</a:t>
             </a:r>
           </a:p>
           <a:p>
@@ -4876,7 +7440,16 @@
             </a:pPr>
             <a:r>
               <a:rPr lang="en-US" dirty="0"/>
-              <a:t>13. Conclusion</a:t>
+              <a:t>13  . Advantages and disadvantages of  Web RTC</a:t>
+            </a:r>
+          </a:p>
+          <a:p>
+            <a:pPr marL="45720" indent="0">
+              <a:buNone/>
+            </a:pPr>
+            <a:r>
+              <a:rPr lang="en-US" dirty="0"/>
+              <a:t>14. Conclusion</a:t>
             </a:r>
           </a:p>
           <a:p>
@@ -5807,9 +8380,10 @@
           <a:bodyPr/>
           <a:lstStyle/>
           <a:p>
+            <a:pPr marL="45720"/>
             <a:r>
               <a:rPr lang="en-US" dirty="0"/>
-              <a:t>How Web RTC works</a:t>
+              <a:t>What is a signaling server?</a:t>
             </a:r>
           </a:p>
         </p:txBody>
@@ -6021,101 +8595,162 @@
             <a:pPr marL="0" indent="0">
               <a:buNone/>
             </a:pPr>
-            <a:r>
-              <a:rPr lang="en-US" sz="1900" dirty="0"/>
-              <a:t>Here is a high-level overview of how </a:t>
-            </a:r>
-            <a:r>
-              <a:rPr lang="en-US" sz="1900" dirty="0" err="1"/>
+            <a:endParaRPr lang="en-US" sz="1900" dirty="0"/>
+          </a:p>
+        </p:txBody>
+      </p:sp>
+      <p:sp>
+        <p:nvSpPr>
+          <p:cNvPr id="5" name="TextBox 4"/>
+          <p:cNvSpPr txBox="1"/>
+          <p:nvPr/>
+        </p:nvSpPr>
+        <p:spPr>
+          <a:xfrm>
+            <a:off x="760412" y="1524000"/>
+            <a:ext cx="10515599" cy="4985980"/>
+          </a:xfrm>
+          <a:prstGeom prst="rect">
+            <a:avLst/>
+          </a:prstGeom>
+          <a:noFill/>
+        </p:spPr>
+        <p:txBody>
+          <a:bodyPr wrap="square" rtlCol="0">
+            <a:spAutoFit/>
+          </a:bodyPr>
+          <a:lstStyle/>
+          <a:p>
+            <a:pPr marL="342900" indent="-342900">
+              <a:buFont typeface="Wingdings" panose="05000000000000000000" pitchFamily="2" charset="2"/>
+              <a:buChar char="q"/>
+            </a:pPr>
+            <a:r>
+              <a:rPr lang="en-US" sz="2000" dirty="0" err="1"/>
+              <a:t>Signalling</a:t>
+            </a:r>
+            <a:r>
+              <a:rPr lang="en-US" sz="2000" dirty="0"/>
+              <a:t> is the process of setting up, controlling and terminating a communication session between the clients.</a:t>
+            </a:r>
+          </a:p>
+          <a:p>
+            <a:pPr marL="342900" indent="-342900">
+              <a:buFont typeface="Wingdings" panose="05000000000000000000" pitchFamily="2" charset="2"/>
+              <a:buChar char="q"/>
+            </a:pPr>
+            <a:r>
+              <a:rPr lang="en-US" sz="2000" dirty="0"/>
+              <a:t>To communicate between 2 end point major 3 process needs to happen:</a:t>
+            </a:r>
+          </a:p>
+          <a:p>
+            <a:r>
+              <a:rPr lang="en-US" sz="2000" dirty="0"/>
+              <a:t>      </a:t>
+            </a:r>
+          </a:p>
+          <a:p>
+            <a:pPr marL="342900" indent="-342900">
+              <a:buFont typeface="Wingdings" panose="05000000000000000000" pitchFamily="2" charset="2"/>
+              <a:buChar char="Ø"/>
+            </a:pPr>
+            <a:r>
+              <a:rPr lang="en-US" sz="2000" dirty="0"/>
+              <a:t>     Session control information</a:t>
+            </a:r>
+          </a:p>
+          <a:p>
+            <a:pPr marL="342900" indent="-342900">
+              <a:buFont typeface="Wingdings" panose="05000000000000000000" pitchFamily="2" charset="2"/>
+              <a:buChar char="Ø"/>
+            </a:pPr>
+            <a:r>
+              <a:rPr lang="en-US" sz="2000" dirty="0"/>
+              <a:t>Exchange IP address and port related information</a:t>
+            </a:r>
+          </a:p>
+          <a:p>
+            <a:pPr marL="342900" indent="-342900">
+              <a:buFont typeface="Wingdings" panose="05000000000000000000" pitchFamily="2" charset="2"/>
+              <a:buChar char="Ø"/>
+            </a:pPr>
+            <a:r>
+              <a:rPr lang="en-US" sz="2000" dirty="0"/>
+              <a:t>Exchange codes and media type of the end user.</a:t>
+            </a:r>
+          </a:p>
+          <a:p>
+            <a:r>
+              <a:rPr lang="en-US" sz="2000" dirty="0"/>
+              <a:t>These configuration (metadata) are exchange via (Session Description Protocol).</a:t>
+            </a:r>
+          </a:p>
+          <a:p>
+            <a:endParaRPr lang="en-US" sz="2000" dirty="0"/>
+          </a:p>
+          <a:p>
+            <a:pPr marL="342900" indent="-342900">
+              <a:buFont typeface="Wingdings" panose="05000000000000000000" pitchFamily="2" charset="2"/>
+              <a:buChar char="q"/>
+            </a:pPr>
+            <a:r>
+              <a:rPr lang="en-US" sz="2000" dirty="0"/>
+              <a:t> So there should be a server to exchange the user data initially to setup </a:t>
+            </a:r>
+            <a:r>
+              <a:rPr lang="en-US" sz="2000" dirty="0" err="1"/>
               <a:t>WebRTC</a:t>
             </a:r>
             <a:r>
-              <a:rPr lang="en-US" sz="1900" dirty="0"/>
-              <a:t> works:</a:t>
-            </a:r>
-          </a:p>
-          <a:p>
-            <a:pPr>
+              <a:rPr lang="en-US" sz="2000" dirty="0"/>
+              <a:t> connection.</a:t>
+            </a:r>
+          </a:p>
+          <a:p>
+            <a:pPr marL="342900" indent="-342900">
               <a:buFont typeface="Wingdings" panose="05000000000000000000" pitchFamily="2" charset="2"/>
-              <a:buChar char="§"/>
+              <a:buChar char="q"/>
             </a:pPr>
             <a:r>
-              <a:rPr lang="en-US" sz="1900" dirty="0"/>
-              <a:t>Two browsers can communicate with each other, they need to exchange signaling information.</a:t>
-            </a:r>
-          </a:p>
-          <a:p>
-            <a:pPr>
+              <a:rPr lang="en-US" sz="2000" dirty="0"/>
+              <a:t>After the signaling process, all the media and data will be exchanges via RTC </a:t>
+            </a:r>
+            <a:r>
+              <a:rPr lang="en-US" sz="2000" dirty="0" err="1"/>
+              <a:t>peerconnection</a:t>
+            </a:r>
+            <a:r>
+              <a:rPr lang="en-US" sz="2000" dirty="0"/>
+              <a:t> od WebRTC.</a:t>
+            </a:r>
+          </a:p>
+          <a:p>
+            <a:pPr marL="342900" indent="-342900">
               <a:buFont typeface="Wingdings" panose="05000000000000000000" pitchFamily="2" charset="2"/>
-              <a:buChar char="§"/>
+              <a:buChar char="q"/>
             </a:pPr>
-            <a:r>
-              <a:rPr lang="en-US" sz="1900" dirty="0"/>
-              <a:t>Once the signaling process is complete, the two browsers can establish a peer-to-peer connection using the </a:t>
-            </a:r>
-            <a:r>
-              <a:rPr lang="en-US" sz="1900" dirty="0" err="1"/>
-              <a:t>RTCPeerConnection</a:t>
-            </a:r>
-            <a:r>
-              <a:rPr lang="en-US" sz="1900" dirty="0"/>
-              <a:t> API.</a:t>
-            </a:r>
-          </a:p>
-          <a:p>
-            <a:pPr>
-              <a:buFont typeface="Wingdings" panose="05000000000000000000" pitchFamily="2" charset="2"/>
-              <a:buChar char="§"/>
+            <a:endParaRPr lang="en-US" sz="2000" dirty="0"/>
+          </a:p>
+          <a:p>
+            <a:endParaRPr lang="en-US" sz="2000" dirty="0"/>
+          </a:p>
+          <a:p>
+            <a:endParaRPr lang="en-US" sz="2000" dirty="0"/>
+          </a:p>
+          <a:p>
+            <a:pPr marL="285750" indent="-285750">
+              <a:buFont typeface="Arial" panose="020B0604020202020204" pitchFamily="34" charset="0"/>
+              <a:buChar char="•"/>
             </a:pPr>
-            <a:r>
-              <a:rPr lang="en-US" sz="1900" dirty="0"/>
-              <a:t>Can use the </a:t>
-            </a:r>
-            <a:r>
-              <a:rPr lang="en-US" sz="1900" dirty="0" err="1"/>
-              <a:t>getUserMedia</a:t>
-            </a:r>
-            <a:r>
-              <a:rPr lang="en-US" sz="1900" dirty="0"/>
-              <a:t> API to capture audio and video streams from the user's camera and microphone. </a:t>
-            </a:r>
-          </a:p>
-          <a:p>
-            <a:pPr>
-              <a:buFont typeface="Wingdings" panose="05000000000000000000" pitchFamily="2" charset="2"/>
-              <a:buChar char="§"/>
-            </a:pPr>
-            <a:r>
-              <a:rPr lang="en-US" sz="1900" dirty="0"/>
-              <a:t>The media streams are transmitted over the internet using the Real-Time Transport Protocol (RTP) and the Real-Time Control Protocol (RTCP). </a:t>
-            </a:r>
-          </a:p>
-          <a:p>
-            <a:pPr>
-              <a:buFont typeface="Wingdings" panose="05000000000000000000" pitchFamily="2" charset="2"/>
-              <a:buChar char="§"/>
-            </a:pPr>
-            <a:r>
-              <a:rPr lang="en-US" sz="1900" dirty="0"/>
-              <a:t>The receiving browser processes the incoming media streams using the same codecs as the sender. It then renders the streams on the user's screen .</a:t>
-            </a:r>
-          </a:p>
-          <a:p>
-            <a:pPr>
-              <a:buFont typeface="Wingdings" panose="05000000000000000000" pitchFamily="2" charset="2"/>
-              <a:buChar char="§"/>
-            </a:pPr>
-            <a:r>
-              <a:rPr lang="en-US" sz="1900" dirty="0"/>
-              <a:t>This API allows browsers to exchange any type of data directly, without going through a server.</a:t>
-            </a:r>
+            <a:endParaRPr lang="en-US" dirty="0"/>
           </a:p>
         </p:txBody>
       </p:sp>
     </p:spTree>
     <p:extLst>
       <p:ext uri="{BB962C8B-B14F-4D97-AF65-F5344CB8AC3E}">
-        <p14:creationId xmlns:p14="http://schemas.microsoft.com/office/powerpoint/2010/main" val="2389253953"/>
+        <p14:creationId xmlns:p14="http://schemas.microsoft.com/office/powerpoint/2010/main" val="466772337"/>
       </p:ext>
     </p:extLst>
   </p:cSld>
@@ -6166,229 +8801,23 @@
         </p:nvSpPr>
         <p:spPr>
           <a:xfrm>
-            <a:off x="912813" y="381000"/>
-            <a:ext cx="9753602" cy="838200"/>
+            <a:off x="760412" y="381000"/>
+            <a:ext cx="8991601" cy="914400"/>
           </a:xfrm>
         </p:spPr>
         <p:txBody>
           <a:bodyPr/>
           <a:lstStyle/>
           <a:p>
+            <a:pPr marL="45720"/>
+            <a:r>
+              <a:rPr lang="en-US" dirty="0" err="1"/>
+              <a:t>WebRTC</a:t>
+            </a:r>
             <a:r>
               <a:rPr lang="en-US" dirty="0"/>
-              <a:t>Uses of Web RTC</a:t>
-            </a:r>
-          </a:p>
-        </p:txBody>
-      </p:sp>
-      <p:sp>
-        <p:nvSpPr>
-          <p:cNvPr id="3" name="Text Placeholder 3"/>
-          <p:cNvSpPr txBox="1">
-            <a:spLocks/>
-          </p:cNvSpPr>
-          <p:nvPr/>
-        </p:nvSpPr>
-        <p:spPr>
-          <a:xfrm>
-            <a:off x="760412" y="1828800"/>
-            <a:ext cx="10820399" cy="3886200"/>
-          </a:xfrm>
-          <a:prstGeom prst="rect">
-            <a:avLst/>
-          </a:prstGeom>
-        </p:spPr>
-        <p:txBody>
-          <a:bodyPr/>
-          <a:lstStyle>
-            <a:lvl1pPr marL="223838" indent="-223838" algn="l" defTabSz="914400" rtl="0" eaLnBrk="1" latinLnBrk="0" hangingPunct="1">
-              <a:lnSpc>
-                <a:spcPct val="90000"/>
-              </a:lnSpc>
-              <a:spcBef>
-                <a:spcPts val="1800"/>
-              </a:spcBef>
-              <a:buClr>
-                <a:schemeClr val="accent1"/>
-              </a:buClr>
-              <a:buSzPct val="100000"/>
-              <a:buFont typeface="Arial" pitchFamily="34" charset="0"/>
-              <a:buChar char="•"/>
-              <a:defRPr sz="2400" kern="1200">
-                <a:solidFill>
-                  <a:schemeClr val="tx1"/>
-                </a:solidFill>
-                <a:latin typeface="+mn-lt"/>
-                <a:ea typeface="+mn-ea"/>
-                <a:cs typeface="+mn-cs"/>
-              </a:defRPr>
-            </a:lvl1pPr>
-            <a:lvl2pPr marL="463550" indent="-231775" algn="l" defTabSz="914400" rtl="0" eaLnBrk="1" latinLnBrk="0" hangingPunct="1">
-              <a:lnSpc>
-                <a:spcPct val="90000"/>
-              </a:lnSpc>
-              <a:spcBef>
-                <a:spcPts val="1200"/>
-              </a:spcBef>
-              <a:buClr>
-                <a:schemeClr val="accent1"/>
-              </a:buClr>
-              <a:buSzPct val="100000"/>
-              <a:buFont typeface="Arial" pitchFamily="34" charset="0"/>
-              <a:buChar char="•"/>
-              <a:defRPr sz="2000" kern="1200">
-                <a:solidFill>
-                  <a:schemeClr val="tx1"/>
-                </a:solidFill>
-                <a:latin typeface="+mn-lt"/>
-                <a:ea typeface="+mn-ea"/>
-                <a:cs typeface="+mn-cs"/>
-              </a:defRPr>
-            </a:lvl2pPr>
-            <a:lvl3pPr marL="682625" indent="-219075" algn="l" defTabSz="914400" rtl="0" eaLnBrk="1" latinLnBrk="0" hangingPunct="1">
-              <a:lnSpc>
-                <a:spcPct val="90000"/>
-              </a:lnSpc>
-              <a:spcBef>
-                <a:spcPts val="600"/>
-              </a:spcBef>
-              <a:buClr>
-                <a:schemeClr val="accent1"/>
-              </a:buClr>
-              <a:buSzPct val="100000"/>
-              <a:buFont typeface="Arial" pitchFamily="34" charset="0"/>
-              <a:buChar char="•"/>
-              <a:defRPr sz="1800" kern="1200">
-                <a:solidFill>
-                  <a:schemeClr val="tx1"/>
-                </a:solidFill>
-                <a:latin typeface="+mn-lt"/>
-                <a:ea typeface="+mn-ea"/>
-                <a:cs typeface="+mn-cs"/>
-              </a:defRPr>
-            </a:lvl3pPr>
-            <a:lvl4pPr marL="857250" indent="-174625" algn="l" defTabSz="914400" rtl="0" eaLnBrk="1" latinLnBrk="0" hangingPunct="1">
-              <a:lnSpc>
-                <a:spcPct val="90000"/>
-              </a:lnSpc>
-              <a:spcBef>
-                <a:spcPts val="600"/>
-              </a:spcBef>
-              <a:buClr>
-                <a:schemeClr val="accent1"/>
-              </a:buClr>
-              <a:buSzPct val="100000"/>
-              <a:buFont typeface="Arial" pitchFamily="34" charset="0"/>
-              <a:buChar char="•"/>
-              <a:defRPr sz="1600" kern="1200">
-                <a:solidFill>
-                  <a:schemeClr val="tx1"/>
-                </a:solidFill>
-                <a:latin typeface="+mn-lt"/>
-                <a:ea typeface="+mn-ea"/>
-                <a:cs typeface="+mn-cs"/>
-              </a:defRPr>
-            </a:lvl4pPr>
-            <a:lvl5pPr marL="1030288" indent="-173038" algn="l" defTabSz="914400" rtl="0" eaLnBrk="1" latinLnBrk="0" hangingPunct="1">
-              <a:lnSpc>
-                <a:spcPct val="90000"/>
-              </a:lnSpc>
-              <a:spcBef>
-                <a:spcPts val="600"/>
-              </a:spcBef>
-              <a:buClr>
-                <a:schemeClr val="accent1"/>
-              </a:buClr>
-              <a:buSzPct val="100000"/>
-              <a:buFont typeface="Arial" pitchFamily="34" charset="0"/>
-              <a:buChar char="•"/>
-              <a:defRPr sz="1600" kern="1200">
-                <a:solidFill>
-                  <a:schemeClr val="tx1"/>
-                </a:solidFill>
-                <a:latin typeface="+mn-lt"/>
-                <a:ea typeface="+mn-ea"/>
-                <a:cs typeface="+mn-cs"/>
-              </a:defRPr>
-            </a:lvl5pPr>
-            <a:lvl6pPr marL="1207008" indent="-173736" algn="l" defTabSz="914400" rtl="0" eaLnBrk="1" latinLnBrk="0" hangingPunct="1">
-              <a:spcBef>
-                <a:spcPts val="600"/>
-              </a:spcBef>
-              <a:buClr>
-                <a:schemeClr val="accent1"/>
-              </a:buClr>
-              <a:buFont typeface="Arial" pitchFamily="34" charset="0"/>
-              <a:buChar char="•"/>
-              <a:defRPr sz="1600" kern="1200">
-                <a:solidFill>
-                  <a:schemeClr val="tx1"/>
-                </a:solidFill>
-                <a:latin typeface="+mn-lt"/>
-                <a:ea typeface="+mn-ea"/>
-                <a:cs typeface="+mn-cs"/>
-              </a:defRPr>
-            </a:lvl6pPr>
-            <a:lvl7pPr marL="1380744" indent="-173736" algn="l" defTabSz="914400" rtl="0" eaLnBrk="1" latinLnBrk="0" hangingPunct="1">
-              <a:spcBef>
-                <a:spcPts val="600"/>
-              </a:spcBef>
-              <a:buClr>
-                <a:schemeClr val="accent1"/>
-              </a:buClr>
-              <a:buFont typeface="Arial" pitchFamily="34" charset="0"/>
-              <a:buChar char="•"/>
-              <a:defRPr sz="1600" kern="1200">
-                <a:solidFill>
-                  <a:schemeClr val="tx1"/>
-                </a:solidFill>
-                <a:latin typeface="+mn-lt"/>
-                <a:ea typeface="+mn-ea"/>
-                <a:cs typeface="+mn-cs"/>
-              </a:defRPr>
-            </a:lvl7pPr>
-            <a:lvl8pPr marL="1554480" indent="-173736" algn="l" defTabSz="914400" rtl="0" eaLnBrk="1" latinLnBrk="0" hangingPunct="1">
-              <a:spcBef>
-                <a:spcPts val="600"/>
-              </a:spcBef>
-              <a:buClr>
-                <a:schemeClr val="accent1"/>
-              </a:buClr>
-              <a:buFont typeface="Arial" pitchFamily="34" charset="0"/>
-              <a:buChar char="•"/>
-              <a:defRPr sz="1600" kern="1200">
-                <a:solidFill>
-                  <a:schemeClr val="tx1"/>
-                </a:solidFill>
-                <a:latin typeface="+mn-lt"/>
-                <a:ea typeface="+mn-ea"/>
-                <a:cs typeface="+mn-cs"/>
-              </a:defRPr>
-            </a:lvl8pPr>
-            <a:lvl9pPr marL="1728216" indent="-173736" algn="l" defTabSz="914400" rtl="0" eaLnBrk="1" latinLnBrk="0" hangingPunct="1">
-              <a:spcBef>
-                <a:spcPts val="600"/>
-              </a:spcBef>
-              <a:buClr>
-                <a:schemeClr val="accent1"/>
-              </a:buClr>
-              <a:buFont typeface="Arial" pitchFamily="34" charset="0"/>
-              <a:buChar char="•"/>
-              <a:defRPr sz="1600" kern="1200">
-                <a:solidFill>
-                  <a:schemeClr val="tx1"/>
-                </a:solidFill>
-                <a:latin typeface="+mn-lt"/>
-                <a:ea typeface="+mn-ea"/>
-                <a:cs typeface="+mn-cs"/>
-              </a:defRPr>
-            </a:lvl9pPr>
-          </a:lstStyle>
-          <a:p>
-            <a:pPr marL="0" indent="0">
-              <a:buNone/>
-            </a:pPr>
-            <a:endParaRPr lang="en-US" sz="2000" dirty="0"/>
+              <a:t>  APIs</a:t>
+            </a:r>
           </a:p>
         </p:txBody>
       </p:sp>
@@ -6599,306 +9028,110 @@
             <a:pPr marL="0" indent="0">
               <a:buNone/>
             </a:pPr>
+            <a:r>
+              <a:rPr lang="en-US" sz="1900" dirty="0"/>
+              <a:t>It is important to know that </a:t>
+            </a:r>
+            <a:r>
+              <a:rPr lang="en-US" sz="1900" dirty="0" err="1"/>
+              <a:t>WebRTC</a:t>
+            </a:r>
+            <a:r>
+              <a:rPr lang="en-US" sz="1900" dirty="0"/>
+              <a:t> is not just a single API , but it is a collection of APIs. And protocols defined by various working groups such as W3C and IETF (Internet Engineering Task Force).</a:t>
+            </a:r>
+          </a:p>
+          <a:p>
+            <a:pPr marL="0" indent="0">
+              <a:buNone/>
+            </a:pPr>
             <a:endParaRPr lang="en-US" sz="1900" dirty="0"/>
           </a:p>
         </p:txBody>
       </p:sp>
-      <p:sp>
-        <p:nvSpPr>
-          <p:cNvPr id="6" name="Text Placeholder 3"/>
-          <p:cNvSpPr txBox="1">
-            <a:spLocks/>
-          </p:cNvSpPr>
+      <p:pic>
+        <p:nvPicPr>
+          <p:cNvPr id="3" name="Picture 2"/>
+          <p:cNvPicPr>
+            <a:picLocks noChangeAspect="1"/>
+          </p:cNvPicPr>
           <p:nvPr/>
-        </p:nvSpPr>
+        </p:nvPicPr>
+        <p:blipFill>
+          <a:blip r:embed="rId2">
+            <a:extLst>
+              <a:ext uri="{28A0092B-C50C-407E-A947-70E740481C1C}">
+                <a14:useLocalDpi xmlns:a14="http://schemas.microsoft.com/office/drawing/2010/main" val="0"/>
+              </a:ext>
+            </a:extLst>
+          </a:blip>
+          <a:stretch>
+            <a:fillRect/>
+          </a:stretch>
+        </p:blipFill>
         <p:spPr>
           <a:xfrm>
-            <a:off x="912812" y="1295400"/>
-            <a:ext cx="10820399" cy="4876800"/>
+            <a:off x="2932111" y="2286000"/>
+            <a:ext cx="6477000" cy="3344391"/>
           </a:xfrm>
           <a:prstGeom prst="rect">
             <a:avLst/>
           </a:prstGeom>
         </p:spPr>
-        <p:txBody>
-          <a:bodyPr/>
+      </p:pic>
+      <p:sp>
+        <p:nvSpPr>
+          <p:cNvPr id="5" name="Title 1"/>
+          <p:cNvSpPr txBox="1">
+            <a:spLocks/>
+          </p:cNvSpPr>
+          <p:nvPr/>
+        </p:nvSpPr>
+        <p:spPr>
+          <a:xfrm>
+            <a:off x="4341812" y="5928660"/>
+            <a:ext cx="3124200" cy="457200"/>
+          </a:xfrm>
+          <a:prstGeom prst="rect">
+            <a:avLst/>
+          </a:prstGeom>
+        </p:spPr>
+        <p:txBody>
+          <a:bodyPr vert="horz" lIns="91440" tIns="45720" rIns="91440" bIns="45720" rtlCol="0" anchor="b">
+            <a:normAutofit/>
+          </a:bodyPr>
           <a:lstStyle>
-            <a:lvl1pPr marL="223838" indent="-223838" algn="l" defTabSz="914400" rtl="0" eaLnBrk="1" latinLnBrk="0" hangingPunct="1">
+            <a:lvl1pPr algn="l" defTabSz="914400" rtl="0" eaLnBrk="1" latinLnBrk="0" hangingPunct="1">
               <a:lnSpc>
-                <a:spcPct val="90000"/>
+                <a:spcPct val="80000"/>
               </a:lnSpc>
               <a:spcBef>
-                <a:spcPts val="1800"/>
-              </a:spcBef>
-              <a:buClr>
-                <a:schemeClr val="accent1"/>
-              </a:buClr>
-              <a:buSzPct val="100000"/>
-              <a:buFont typeface="Arial" pitchFamily="34" charset="0"/>
-              <a:buChar char="•"/>
-              <a:defRPr sz="2400" kern="1200">
-                <a:solidFill>
-                  <a:schemeClr val="tx1"/>
-                </a:solidFill>
-                <a:latin typeface="+mn-lt"/>
-                <a:ea typeface="+mn-ea"/>
-                <a:cs typeface="+mn-cs"/>
+                <a:spcPct val="0"/>
+              </a:spcBef>
+              <a:buNone/>
+              <a:defRPr sz="4800" b="0" kern="1200" cap="none" spc="100" baseline="0">
+                <a:solidFill>
+                  <a:schemeClr val="tx1"/>
+                </a:solidFill>
+                <a:latin typeface="+mj-lt"/>
+                <a:ea typeface="+mj-ea"/>
+                <a:cs typeface="+mj-cs"/>
               </a:defRPr>
             </a:lvl1pPr>
-            <a:lvl2pPr marL="463550" indent="-231775" algn="l" defTabSz="914400" rtl="0" eaLnBrk="1" latinLnBrk="0" hangingPunct="1">
-              <a:lnSpc>
-                <a:spcPct val="90000"/>
-              </a:lnSpc>
-              <a:spcBef>
-                <a:spcPts val="1200"/>
-              </a:spcBef>
-              <a:buClr>
-                <a:schemeClr val="accent1"/>
-              </a:buClr>
-              <a:buSzPct val="100000"/>
-              <a:buFont typeface="Arial" pitchFamily="34" charset="0"/>
-              <a:buChar char="•"/>
-              <a:defRPr sz="2000" kern="1200">
-                <a:solidFill>
-                  <a:schemeClr val="tx1"/>
-                </a:solidFill>
-                <a:latin typeface="+mn-lt"/>
-                <a:ea typeface="+mn-ea"/>
-                <a:cs typeface="+mn-cs"/>
-              </a:defRPr>
-            </a:lvl2pPr>
-            <a:lvl3pPr marL="682625" indent="-219075" algn="l" defTabSz="914400" rtl="0" eaLnBrk="1" latinLnBrk="0" hangingPunct="1">
-              <a:lnSpc>
-                <a:spcPct val="90000"/>
-              </a:lnSpc>
-              <a:spcBef>
-                <a:spcPts val="600"/>
-              </a:spcBef>
-              <a:buClr>
-                <a:schemeClr val="accent1"/>
-              </a:buClr>
-              <a:buSzPct val="100000"/>
-              <a:buFont typeface="Arial" pitchFamily="34" charset="0"/>
-              <a:buChar char="•"/>
-              <a:defRPr sz="1800" kern="1200">
-                <a:solidFill>
-                  <a:schemeClr val="tx1"/>
-                </a:solidFill>
-                <a:latin typeface="+mn-lt"/>
-                <a:ea typeface="+mn-ea"/>
-                <a:cs typeface="+mn-cs"/>
-              </a:defRPr>
-            </a:lvl3pPr>
-            <a:lvl4pPr marL="857250" indent="-174625" algn="l" defTabSz="914400" rtl="0" eaLnBrk="1" latinLnBrk="0" hangingPunct="1">
-              <a:lnSpc>
-                <a:spcPct val="90000"/>
-              </a:lnSpc>
-              <a:spcBef>
-                <a:spcPts val="600"/>
-              </a:spcBef>
-              <a:buClr>
-                <a:schemeClr val="accent1"/>
-              </a:buClr>
-              <a:buSzPct val="100000"/>
-              <a:buFont typeface="Arial" pitchFamily="34" charset="0"/>
-              <a:buChar char="•"/>
-              <a:defRPr sz="1600" kern="1200">
-                <a:solidFill>
-                  <a:schemeClr val="tx1"/>
-                </a:solidFill>
-                <a:latin typeface="+mn-lt"/>
-                <a:ea typeface="+mn-ea"/>
-                <a:cs typeface="+mn-cs"/>
-              </a:defRPr>
-            </a:lvl4pPr>
-            <a:lvl5pPr marL="1030288" indent="-173038" algn="l" defTabSz="914400" rtl="0" eaLnBrk="1" latinLnBrk="0" hangingPunct="1">
-              <a:lnSpc>
-                <a:spcPct val="90000"/>
-              </a:lnSpc>
-              <a:spcBef>
-                <a:spcPts val="600"/>
-              </a:spcBef>
-              <a:buClr>
-                <a:schemeClr val="accent1"/>
-              </a:buClr>
-              <a:buSzPct val="100000"/>
-              <a:buFont typeface="Arial" pitchFamily="34" charset="0"/>
-              <a:buChar char="•"/>
-              <a:defRPr sz="1600" kern="1200">
-                <a:solidFill>
-                  <a:schemeClr val="tx1"/>
-                </a:solidFill>
-                <a:latin typeface="+mn-lt"/>
-                <a:ea typeface="+mn-ea"/>
-                <a:cs typeface="+mn-cs"/>
-              </a:defRPr>
-            </a:lvl5pPr>
-            <a:lvl6pPr marL="1207008" indent="-173736" algn="l" defTabSz="914400" rtl="0" eaLnBrk="1" latinLnBrk="0" hangingPunct="1">
-              <a:spcBef>
-                <a:spcPts val="600"/>
-              </a:spcBef>
-              <a:buClr>
-                <a:schemeClr val="accent1"/>
-              </a:buClr>
-              <a:buFont typeface="Arial" pitchFamily="34" charset="0"/>
-              <a:buChar char="•"/>
-              <a:defRPr sz="1600" kern="1200">
-                <a:solidFill>
-                  <a:schemeClr val="tx1"/>
-                </a:solidFill>
-                <a:latin typeface="+mn-lt"/>
-                <a:ea typeface="+mn-ea"/>
-                <a:cs typeface="+mn-cs"/>
-              </a:defRPr>
-            </a:lvl6pPr>
-            <a:lvl7pPr marL="1380744" indent="-173736" algn="l" defTabSz="914400" rtl="0" eaLnBrk="1" latinLnBrk="0" hangingPunct="1">
-              <a:spcBef>
-                <a:spcPts val="600"/>
-              </a:spcBef>
-              <a:buClr>
-                <a:schemeClr val="accent1"/>
-              </a:buClr>
-              <a:buFont typeface="Arial" pitchFamily="34" charset="0"/>
-              <a:buChar char="•"/>
-              <a:defRPr sz="1600" kern="1200">
-                <a:solidFill>
-                  <a:schemeClr val="tx1"/>
-                </a:solidFill>
-                <a:latin typeface="+mn-lt"/>
-                <a:ea typeface="+mn-ea"/>
-                <a:cs typeface="+mn-cs"/>
-              </a:defRPr>
-            </a:lvl7pPr>
-            <a:lvl8pPr marL="1554480" indent="-173736" algn="l" defTabSz="914400" rtl="0" eaLnBrk="1" latinLnBrk="0" hangingPunct="1">
-              <a:spcBef>
-                <a:spcPts val="600"/>
-              </a:spcBef>
-              <a:buClr>
-                <a:schemeClr val="accent1"/>
-              </a:buClr>
-              <a:buFont typeface="Arial" pitchFamily="34" charset="0"/>
-              <a:buChar char="•"/>
-              <a:defRPr sz="1600" kern="1200">
-                <a:solidFill>
-                  <a:schemeClr val="tx1"/>
-                </a:solidFill>
-                <a:latin typeface="+mn-lt"/>
-                <a:ea typeface="+mn-ea"/>
-                <a:cs typeface="+mn-cs"/>
-              </a:defRPr>
-            </a:lvl8pPr>
-            <a:lvl9pPr marL="1728216" indent="-173736" algn="l" defTabSz="914400" rtl="0" eaLnBrk="1" latinLnBrk="0" hangingPunct="1">
-              <a:spcBef>
-                <a:spcPts val="600"/>
-              </a:spcBef>
-              <a:buClr>
-                <a:schemeClr val="accent1"/>
-              </a:buClr>
-              <a:buFont typeface="Arial" pitchFamily="34" charset="0"/>
-              <a:buChar char="•"/>
-              <a:defRPr sz="1600" kern="1200">
-                <a:solidFill>
-                  <a:schemeClr val="tx1"/>
-                </a:solidFill>
-                <a:latin typeface="+mn-lt"/>
-                <a:ea typeface="+mn-ea"/>
-                <a:cs typeface="+mn-cs"/>
-              </a:defRPr>
-            </a:lvl9pPr>
           </a:lstStyle>
           <a:p>
-            <a:pPr marL="0" indent="0">
-              <a:buNone/>
-            </a:pPr>
-            <a:r>
-              <a:rPr lang="en-US" sz="1900" dirty="0" err="1"/>
-              <a:t>WebRTC</a:t>
-            </a:r>
-            <a:r>
-              <a:rPr lang="en-US" sz="1900" dirty="0"/>
-              <a:t> can be used in a variety to enable real-time communication and collaboration features. Here are some common uses of </a:t>
-            </a:r>
-            <a:r>
-              <a:rPr lang="en-US" sz="1900" dirty="0" err="1"/>
-              <a:t>WebRTC</a:t>
-            </a:r>
-            <a:r>
-              <a:rPr lang="en-US" sz="1900" dirty="0"/>
-              <a:t> :</a:t>
-            </a:r>
-          </a:p>
-          <a:p>
-            <a:pPr marL="514350" indent="-514350">
-              <a:buFont typeface="+mj-lt"/>
-              <a:buAutoNum type="romanUcPeriod"/>
-            </a:pPr>
-            <a:r>
-              <a:rPr lang="en-US" sz="1900" dirty="0"/>
-              <a:t>Video conferencing:. Users can join a virtual meeting room and communicate with each other in real-time, with support for high-quality audio and video streams.</a:t>
-            </a:r>
-          </a:p>
-          <a:p>
-            <a:pPr marL="514350" indent="-514350">
-              <a:buFont typeface="+mj-lt"/>
-              <a:buAutoNum type="romanUcPeriod"/>
-            </a:pPr>
-            <a:r>
-              <a:rPr lang="en-US" sz="1900" dirty="0"/>
-              <a:t>Live streaming :Users can broadcast live events, concerts, or webinars, and viewers can join the stream and interact with each other in real-time.</a:t>
-            </a:r>
-          </a:p>
-          <a:p>
-            <a:pPr marL="514350" indent="-514350">
-              <a:buFont typeface="+mj-lt"/>
-              <a:buAutoNum type="romanUcPeriod"/>
-            </a:pPr>
-            <a:r>
-              <a:rPr lang="en-US" sz="1900" dirty="0"/>
-              <a:t>Gaming : Users can play multiplayer games with each other in real-time, with support for low latency and high-quality audio and video streams.</a:t>
-            </a:r>
-          </a:p>
-          <a:p>
-            <a:pPr marL="514350" indent="-514350">
-              <a:buFont typeface="+mj-lt"/>
-              <a:buAutoNum type="romanUcPeriod"/>
-            </a:pPr>
-            <a:r>
-              <a:rPr lang="en-US" sz="1900" dirty="0"/>
-              <a:t> E-learning : Users can attend virtual classes, seminars, or workshops, and interact with each other and the instructor in real-time.</a:t>
-            </a:r>
-          </a:p>
-          <a:p>
-            <a:pPr marL="514350" indent="-514350">
-              <a:buFont typeface="+mj-lt"/>
-              <a:buAutoNum type="romanUcPeriod"/>
-            </a:pPr>
-            <a:r>
-              <a:rPr lang="en-US" sz="1900" dirty="0"/>
-              <a:t>Customer support : Users can join a virtual helpdesk and communicate with customer support agents in real-time, with support for audio, video, and data exchange.</a:t>
-            </a:r>
-          </a:p>
-          <a:p>
-            <a:pPr marL="514350" indent="-514350">
-              <a:buFont typeface="+mj-lt"/>
-              <a:buAutoNum type="romanUcPeriod"/>
-            </a:pPr>
-            <a:r>
-              <a:rPr lang="en-US" sz="1900" dirty="0"/>
-              <a:t>Remote collaboration : Users can collaborate on projects, documents, or code, and communicate with each other in real-time using audio, video, and data exchange.</a:t>
-            </a:r>
-          </a:p>
-          <a:p>
-            <a:pPr marL="0" indent="0">
-              <a:buNone/>
-            </a:pPr>
-            <a:endParaRPr lang="en-US" sz="1900" dirty="0"/>
+            <a:pPr marL="45720"/>
+            <a:r>
+              <a:rPr lang="en-US" sz="2000" dirty="0"/>
+              <a:t>                     Fig: 1</a:t>
+            </a:r>
           </a:p>
         </p:txBody>
       </p:sp>
     </p:spTree>
     <p:extLst>
       <p:ext uri="{BB962C8B-B14F-4D97-AF65-F5344CB8AC3E}">
-        <p14:creationId xmlns:p14="http://schemas.microsoft.com/office/powerpoint/2010/main" val="2775051601"/>
+        <p14:creationId xmlns:p14="http://schemas.microsoft.com/office/powerpoint/2010/main" val="2389253953"/>
       </p:ext>
     </p:extLst>
   </p:cSld>
@@ -6940,34 +9173,426 @@
       <p:sp>
         <p:nvSpPr>
           <p:cNvPr id="2" name="Title 1"/>
-          <p:cNvSpPr>
-            <a:spLocks noGrp="1"/>
-          </p:cNvSpPr>
-          <p:nvPr>
-            <p:ph type="title"/>
-          </p:nvPr>
+          <p:cNvSpPr txBox="1">
+            <a:spLocks/>
+          </p:cNvSpPr>
+          <p:nvPr/>
         </p:nvSpPr>
         <p:spPr>
           <a:xfrm>
-            <a:off x="836613" y="381000"/>
-            <a:ext cx="9829802" cy="1066800"/>
+            <a:off x="760412" y="381000"/>
+            <a:ext cx="8991601" cy="914400"/>
           </a:xfrm>
+          <a:prstGeom prst="rect">
+            <a:avLst/>
+          </a:prstGeom>
         </p:spPr>
         <p:txBody>
           <a:bodyPr/>
+          <a:lstStyle>
+            <a:lvl1pPr algn="l" defTabSz="914400" rtl="0" eaLnBrk="1" latinLnBrk="0" hangingPunct="1">
+              <a:lnSpc>
+                <a:spcPct val="90000"/>
+              </a:lnSpc>
+              <a:spcBef>
+                <a:spcPct val="0"/>
+              </a:spcBef>
+              <a:buNone/>
+              <a:defRPr sz="3600" kern="1200" spc="100" baseline="0">
+                <a:solidFill>
+                  <a:schemeClr val="tx1"/>
+                </a:solidFill>
+                <a:latin typeface="+mj-lt"/>
+                <a:ea typeface="+mj-ea"/>
+                <a:cs typeface="+mj-cs"/>
+              </a:defRPr>
+            </a:lvl1pPr>
+          </a:lstStyle>
+          <a:p>
+            <a:pPr marL="45720"/>
+            <a:r>
+              <a:rPr lang="en-US" dirty="0" err="1"/>
+              <a:t>GetUserMedia</a:t>
+            </a:r>
+            <a:r>
+              <a:rPr lang="en-US" dirty="0"/>
+              <a:t> ()</a:t>
+            </a:r>
+          </a:p>
+        </p:txBody>
+      </p:sp>
+      <p:sp>
+        <p:nvSpPr>
+          <p:cNvPr id="3" name="Text Placeholder 3"/>
+          <p:cNvSpPr txBox="1">
+            <a:spLocks/>
+          </p:cNvSpPr>
+          <p:nvPr/>
+        </p:nvSpPr>
+        <p:spPr>
+          <a:xfrm>
+            <a:off x="912812" y="1295400"/>
+            <a:ext cx="10820399" cy="4876800"/>
+          </a:xfrm>
+          <a:prstGeom prst="rect">
+            <a:avLst/>
+          </a:prstGeom>
+        </p:spPr>
+        <p:txBody>
+          <a:bodyPr/>
+          <a:lstStyle>
+            <a:lvl1pPr marL="223838" indent="-223838" algn="l" defTabSz="914400" rtl="0" eaLnBrk="1" latinLnBrk="0" hangingPunct="1">
+              <a:lnSpc>
+                <a:spcPct val="90000"/>
+              </a:lnSpc>
+              <a:spcBef>
+                <a:spcPts val="1800"/>
+              </a:spcBef>
+              <a:buClr>
+                <a:schemeClr val="accent1"/>
+              </a:buClr>
+              <a:buSzPct val="100000"/>
+              <a:buFont typeface="Arial" pitchFamily="34" charset="0"/>
+              <a:buChar char="•"/>
+              <a:defRPr sz="2400" kern="1200">
+                <a:solidFill>
+                  <a:schemeClr val="tx1"/>
+                </a:solidFill>
+                <a:latin typeface="+mn-lt"/>
+                <a:ea typeface="+mn-ea"/>
+                <a:cs typeface="+mn-cs"/>
+              </a:defRPr>
+            </a:lvl1pPr>
+            <a:lvl2pPr marL="463550" indent="-231775" algn="l" defTabSz="914400" rtl="0" eaLnBrk="1" latinLnBrk="0" hangingPunct="1">
+              <a:lnSpc>
+                <a:spcPct val="90000"/>
+              </a:lnSpc>
+              <a:spcBef>
+                <a:spcPts val="1200"/>
+              </a:spcBef>
+              <a:buClr>
+                <a:schemeClr val="accent1"/>
+              </a:buClr>
+              <a:buSzPct val="100000"/>
+              <a:buFont typeface="Arial" pitchFamily="34" charset="0"/>
+              <a:buChar char="•"/>
+              <a:defRPr sz="2000" kern="1200">
+                <a:solidFill>
+                  <a:schemeClr val="tx1"/>
+                </a:solidFill>
+                <a:latin typeface="+mn-lt"/>
+                <a:ea typeface="+mn-ea"/>
+                <a:cs typeface="+mn-cs"/>
+              </a:defRPr>
+            </a:lvl2pPr>
+            <a:lvl3pPr marL="682625" indent="-219075" algn="l" defTabSz="914400" rtl="0" eaLnBrk="1" latinLnBrk="0" hangingPunct="1">
+              <a:lnSpc>
+                <a:spcPct val="90000"/>
+              </a:lnSpc>
+              <a:spcBef>
+                <a:spcPts val="600"/>
+              </a:spcBef>
+              <a:buClr>
+                <a:schemeClr val="accent1"/>
+              </a:buClr>
+              <a:buSzPct val="100000"/>
+              <a:buFont typeface="Arial" pitchFamily="34" charset="0"/>
+              <a:buChar char="•"/>
+              <a:defRPr sz="1800" kern="1200">
+                <a:solidFill>
+                  <a:schemeClr val="tx1"/>
+                </a:solidFill>
+                <a:latin typeface="+mn-lt"/>
+                <a:ea typeface="+mn-ea"/>
+                <a:cs typeface="+mn-cs"/>
+              </a:defRPr>
+            </a:lvl3pPr>
+            <a:lvl4pPr marL="857250" indent="-174625" algn="l" defTabSz="914400" rtl="0" eaLnBrk="1" latinLnBrk="0" hangingPunct="1">
+              <a:lnSpc>
+                <a:spcPct val="90000"/>
+              </a:lnSpc>
+              <a:spcBef>
+                <a:spcPts val="600"/>
+              </a:spcBef>
+              <a:buClr>
+                <a:schemeClr val="accent1"/>
+              </a:buClr>
+              <a:buSzPct val="100000"/>
+              <a:buFont typeface="Arial" pitchFamily="34" charset="0"/>
+              <a:buChar char="•"/>
+              <a:defRPr sz="1600" kern="1200">
+                <a:solidFill>
+                  <a:schemeClr val="tx1"/>
+                </a:solidFill>
+                <a:latin typeface="+mn-lt"/>
+                <a:ea typeface="+mn-ea"/>
+                <a:cs typeface="+mn-cs"/>
+              </a:defRPr>
+            </a:lvl4pPr>
+            <a:lvl5pPr marL="1030288" indent="-173038" algn="l" defTabSz="914400" rtl="0" eaLnBrk="1" latinLnBrk="0" hangingPunct="1">
+              <a:lnSpc>
+                <a:spcPct val="90000"/>
+              </a:lnSpc>
+              <a:spcBef>
+                <a:spcPts val="600"/>
+              </a:spcBef>
+              <a:buClr>
+                <a:schemeClr val="accent1"/>
+              </a:buClr>
+              <a:buSzPct val="100000"/>
+              <a:buFont typeface="Arial" pitchFamily="34" charset="0"/>
+              <a:buChar char="•"/>
+              <a:defRPr sz="1600" kern="1200">
+                <a:solidFill>
+                  <a:schemeClr val="tx1"/>
+                </a:solidFill>
+                <a:latin typeface="+mn-lt"/>
+                <a:ea typeface="+mn-ea"/>
+                <a:cs typeface="+mn-cs"/>
+              </a:defRPr>
+            </a:lvl5pPr>
+            <a:lvl6pPr marL="1207008" indent="-173736" algn="l" defTabSz="914400" rtl="0" eaLnBrk="1" latinLnBrk="0" hangingPunct="1">
+              <a:spcBef>
+                <a:spcPts val="600"/>
+              </a:spcBef>
+              <a:buClr>
+                <a:schemeClr val="accent1"/>
+              </a:buClr>
+              <a:buFont typeface="Arial" pitchFamily="34" charset="0"/>
+              <a:buChar char="•"/>
+              <a:defRPr sz="1600" kern="1200">
+                <a:solidFill>
+                  <a:schemeClr val="tx1"/>
+                </a:solidFill>
+                <a:latin typeface="+mn-lt"/>
+                <a:ea typeface="+mn-ea"/>
+                <a:cs typeface="+mn-cs"/>
+              </a:defRPr>
+            </a:lvl6pPr>
+            <a:lvl7pPr marL="1380744" indent="-173736" algn="l" defTabSz="914400" rtl="0" eaLnBrk="1" latinLnBrk="0" hangingPunct="1">
+              <a:spcBef>
+                <a:spcPts val="600"/>
+              </a:spcBef>
+              <a:buClr>
+                <a:schemeClr val="accent1"/>
+              </a:buClr>
+              <a:buFont typeface="Arial" pitchFamily="34" charset="0"/>
+              <a:buChar char="•"/>
+              <a:defRPr sz="1600" kern="1200">
+                <a:solidFill>
+                  <a:schemeClr val="tx1"/>
+                </a:solidFill>
+                <a:latin typeface="+mn-lt"/>
+                <a:ea typeface="+mn-ea"/>
+                <a:cs typeface="+mn-cs"/>
+              </a:defRPr>
+            </a:lvl7pPr>
+            <a:lvl8pPr marL="1554480" indent="-173736" algn="l" defTabSz="914400" rtl="0" eaLnBrk="1" latinLnBrk="0" hangingPunct="1">
+              <a:spcBef>
+                <a:spcPts val="600"/>
+              </a:spcBef>
+              <a:buClr>
+                <a:schemeClr val="accent1"/>
+              </a:buClr>
+              <a:buFont typeface="Arial" pitchFamily="34" charset="0"/>
+              <a:buChar char="•"/>
+              <a:defRPr sz="1600" kern="1200">
+                <a:solidFill>
+                  <a:schemeClr val="tx1"/>
+                </a:solidFill>
+                <a:latin typeface="+mn-lt"/>
+                <a:ea typeface="+mn-ea"/>
+                <a:cs typeface="+mn-cs"/>
+              </a:defRPr>
+            </a:lvl8pPr>
+            <a:lvl9pPr marL="1728216" indent="-173736" algn="l" defTabSz="914400" rtl="0" eaLnBrk="1" latinLnBrk="0" hangingPunct="1">
+              <a:spcBef>
+                <a:spcPts val="600"/>
+              </a:spcBef>
+              <a:buClr>
+                <a:schemeClr val="accent1"/>
+              </a:buClr>
+              <a:buFont typeface="Arial" pitchFamily="34" charset="0"/>
+              <a:buChar char="•"/>
+              <a:defRPr sz="1600" kern="1200">
+                <a:solidFill>
+                  <a:schemeClr val="tx1"/>
+                </a:solidFill>
+                <a:latin typeface="+mn-lt"/>
+                <a:ea typeface="+mn-ea"/>
+                <a:cs typeface="+mn-cs"/>
+              </a:defRPr>
+            </a:lvl9pPr>
+          </a:lstStyle>
+          <a:p>
+            <a:pPr>
+              <a:buFont typeface="Wingdings" panose="05000000000000000000" pitchFamily="2" charset="2"/>
+              <a:buChar char="§"/>
+            </a:pPr>
+            <a:r>
+              <a:rPr lang="en-US" sz="1900" dirty="0"/>
+              <a:t>Provide access to multimedia stream (video, audio or both) from local devices.</a:t>
+            </a:r>
+          </a:p>
+          <a:p>
+            <a:pPr>
+              <a:buFont typeface="Wingdings" panose="05000000000000000000" pitchFamily="2" charset="2"/>
+              <a:buChar char="§"/>
+            </a:pPr>
+            <a:r>
+              <a:rPr lang="en-US" sz="1900" dirty="0"/>
+              <a:t>Two main components in the MediaStream API are the MediaStream track and MediaStream interface.</a:t>
+            </a:r>
+          </a:p>
+          <a:p>
+            <a:pPr>
+              <a:buFont typeface="Wingdings" panose="05000000000000000000" pitchFamily="2" charset="2"/>
+              <a:buChar char="§"/>
+            </a:pPr>
+            <a:endParaRPr lang="en-US" sz="1900" dirty="0"/>
+          </a:p>
+          <a:p>
+            <a:pPr>
+              <a:buFont typeface="Wingdings" panose="05000000000000000000" pitchFamily="2" charset="2"/>
+              <a:buChar char="§"/>
+            </a:pPr>
+            <a:endParaRPr lang="en-US" sz="1900" dirty="0"/>
+          </a:p>
+          <a:p>
+            <a:pPr>
+              <a:buFont typeface="Wingdings" panose="05000000000000000000" pitchFamily="2" charset="2"/>
+              <a:buChar char="§"/>
+            </a:pPr>
+            <a:endParaRPr lang="en-US" sz="1900" dirty="0"/>
+          </a:p>
+          <a:p>
+            <a:pPr marL="0" indent="0">
+              <a:buNone/>
+            </a:pPr>
+            <a:endParaRPr lang="en-US" sz="1900" dirty="0"/>
+          </a:p>
+          <a:p>
+            <a:pPr>
+              <a:buFont typeface="Wingdings" panose="05000000000000000000" pitchFamily="2" charset="2"/>
+              <a:buChar char="§"/>
+            </a:pPr>
+            <a:endParaRPr lang="en-US" sz="1900" dirty="0"/>
+          </a:p>
+          <a:p>
+            <a:pPr>
+              <a:buFont typeface="Wingdings" panose="05000000000000000000" pitchFamily="2" charset="2"/>
+              <a:buChar char="§"/>
+            </a:pPr>
+            <a:endParaRPr lang="en-US" sz="1900" dirty="0"/>
+          </a:p>
+          <a:p>
+            <a:pPr marL="0" indent="0">
+              <a:buNone/>
+            </a:pPr>
+            <a:r>
+              <a:rPr lang="en-US" sz="1900" dirty="0"/>
+              <a:t>                                                                                           </a:t>
+            </a:r>
+            <a:r>
+              <a:rPr lang="en-US" sz="1800" dirty="0"/>
+              <a:t>Fig:2</a:t>
+            </a:r>
+          </a:p>
+          <a:p>
+            <a:pPr>
+              <a:buFont typeface="Wingdings" panose="05000000000000000000" pitchFamily="2" charset="2"/>
+              <a:buChar char="§"/>
+            </a:pPr>
+            <a:r>
+              <a:rPr lang="en-US" sz="1900" dirty="0"/>
+              <a:t>MediaStream track represents a type of media that have been obtained from the input source.</a:t>
+            </a:r>
+          </a:p>
+          <a:p>
+            <a:pPr>
+              <a:buFont typeface="Wingdings" panose="05000000000000000000" pitchFamily="2" charset="2"/>
+              <a:buChar char="§"/>
+            </a:pPr>
+            <a:r>
+              <a:rPr lang="en-US" sz="1900" dirty="0"/>
+              <a:t>The output can be forwarded as video element or PeerConnection.</a:t>
+            </a:r>
+          </a:p>
+        </p:txBody>
+      </p:sp>
+      <p:sp>
+        <p:nvSpPr>
+          <p:cNvPr id="4" name="AutoShape 2" descr="blob:https://web.whatsapp.com/1a9bbb2a-a9f2-4af2-b313-f9aff94b07e2"/>
+          <p:cNvSpPr>
+            <a:spLocks noChangeAspect="1" noChangeArrowheads="1"/>
+          </p:cNvSpPr>
+          <p:nvPr/>
+        </p:nvSpPr>
+        <p:spPr bwMode="auto">
+          <a:xfrm>
+            <a:off x="155575" y="-144463"/>
+            <a:ext cx="304800" cy="304801"/>
+          </a:xfrm>
+          <a:prstGeom prst="rect">
+            <a:avLst/>
+          </a:prstGeom>
+          <a:noFill/>
+          <a:extLst>
+            <a:ext uri="{909E8E84-426E-40DD-AFC4-6F175D3DCCD1}">
+              <a14:hiddenFill xmlns:a14="http://schemas.microsoft.com/office/drawing/2010/main">
+                <a:solidFill>
+                  <a:srgbClr val="FFFFFF"/>
+                </a:solidFill>
+              </a14:hiddenFill>
+            </a:ext>
+          </a:extLst>
+        </p:spPr>
+        <p:txBody>
+          <a:bodyPr vert="horz" wrap="square" lIns="91440" tIns="45720" rIns="91440" bIns="45720" numCol="1" anchor="t" anchorCtr="0" compatLnSpc="1">
+            <a:prstTxWarp prst="textNoShape">
+              <a:avLst/>
+            </a:prstTxWarp>
+          </a:bodyPr>
           <a:lstStyle/>
           <a:p>
-            <a:r>
-              <a:rPr lang="en-US" dirty="0"/>
-              <a:t>Web RTC alternatives</a:t>
-            </a:r>
-          </a:p>
-        </p:txBody>
-      </p:sp>
+            <a:endParaRPr lang="en-US"/>
+          </a:p>
+        </p:txBody>
+      </p:sp>
+      <p:pic>
+        <p:nvPicPr>
+          <p:cNvPr id="5" name="Picture 4"/>
+          <p:cNvPicPr>
+            <a:picLocks noChangeAspect="1"/>
+          </p:cNvPicPr>
+          <p:nvPr/>
+        </p:nvPicPr>
+        <p:blipFill>
+          <a:blip r:embed="rId2">
+            <a:extLst>
+              <a:ext uri="{28A0092B-C50C-407E-A947-70E740481C1C}">
+                <a14:useLocalDpi xmlns:a14="http://schemas.microsoft.com/office/drawing/2010/main" val="0"/>
+              </a:ext>
+            </a:extLst>
+          </a:blip>
+          <a:stretch>
+            <a:fillRect/>
+          </a:stretch>
+        </p:blipFill>
+        <p:spPr>
+          <a:xfrm>
+            <a:off x="1903412" y="2447925"/>
+            <a:ext cx="7953375" cy="2571750"/>
+          </a:xfrm>
+          <a:prstGeom prst="rect">
+            <a:avLst/>
+          </a:prstGeom>
+        </p:spPr>
+      </p:pic>
     </p:spTree>
     <p:extLst>
       <p:ext uri="{BB962C8B-B14F-4D97-AF65-F5344CB8AC3E}">
-        <p14:creationId xmlns:p14="http://schemas.microsoft.com/office/powerpoint/2010/main" val="164322057"/>
+        <p14:creationId xmlns:p14="http://schemas.microsoft.com/office/powerpoint/2010/main" val="3584231392"/>
       </p:ext>
     </p:extLst>
   </p:cSld>
@@ -7009,6 +9634,41 @@
       <p:sp>
         <p:nvSpPr>
           <p:cNvPr id="2" name="Title 1"/>
+          <p:cNvSpPr>
+            <a:spLocks noGrp="1"/>
+          </p:cNvSpPr>
+          <p:nvPr>
+            <p:ph type="title"/>
+          </p:nvPr>
+        </p:nvSpPr>
+        <p:spPr>
+          <a:xfrm>
+            <a:off x="836612" y="381000"/>
+            <a:ext cx="9829803" cy="1371600"/>
+          </a:xfrm>
+        </p:spPr>
+        <p:txBody>
+          <a:bodyPr/>
+          <a:lstStyle/>
+          <a:p>
+            <a:r>
+              <a:rPr lang="en-US" dirty="0" err="1"/>
+              <a:t>RTCPeerConnection</a:t>
+            </a:r>
+            <a:r>
+              <a:rPr lang="en-US" dirty="0"/>
+              <a:t>()</a:t>
+            </a:r>
+            <a:br>
+              <a:rPr lang="en-US" dirty="0"/>
+            </a:br>
+            <a:endParaRPr lang="en-US" dirty="0"/>
+          </a:p>
+        </p:txBody>
+      </p:sp>
+      <p:sp>
+        <p:nvSpPr>
+          <p:cNvPr id="4" name="Text Placeholder 3"/>
           <p:cNvSpPr txBox="1">
             <a:spLocks/>
           </p:cNvSpPr>
@@ -7016,8 +9676,8 @@
         </p:nvSpPr>
         <p:spPr>
           <a:xfrm>
-            <a:off x="912813" y="533400"/>
-            <a:ext cx="9753602" cy="1219200"/>
+            <a:off x="912812" y="1447800"/>
+            <a:ext cx="10820399" cy="4724400"/>
           </a:xfrm>
           <a:prstGeom prst="rect">
             <a:avLst/>
@@ -7026,29 +9686,251 @@
         <p:txBody>
           <a:bodyPr/>
           <a:lstStyle>
-            <a:lvl1pPr algn="l" defTabSz="914400" rtl="0" eaLnBrk="1" latinLnBrk="0" hangingPunct="1">
+            <a:lvl1pPr marL="223838" indent="-223838" algn="l" defTabSz="914400" rtl="0" eaLnBrk="1" latinLnBrk="0" hangingPunct="1">
               <a:lnSpc>
                 <a:spcPct val="90000"/>
               </a:lnSpc>
               <a:spcBef>
-                <a:spcPct val="0"/>
-              </a:spcBef>
-              <a:buNone/>
-              <a:defRPr sz="3600" kern="1200" spc="100" baseline="0">
-                <a:solidFill>
-                  <a:schemeClr val="tx1"/>
-                </a:solidFill>
-                <a:latin typeface="+mj-lt"/>
-                <a:ea typeface="+mj-ea"/>
-                <a:cs typeface="+mj-cs"/>
+                <a:spcPts val="1800"/>
+              </a:spcBef>
+              <a:buClr>
+                <a:schemeClr val="accent1"/>
+              </a:buClr>
+              <a:buSzPct val="100000"/>
+              <a:buFont typeface="Arial" pitchFamily="34" charset="0"/>
+              <a:buChar char="•"/>
+              <a:defRPr sz="2400" kern="1200">
+                <a:solidFill>
+                  <a:schemeClr val="tx1"/>
+                </a:solidFill>
+                <a:latin typeface="+mn-lt"/>
+                <a:ea typeface="+mn-ea"/>
+                <a:cs typeface="+mn-cs"/>
               </a:defRPr>
             </a:lvl1pPr>
+            <a:lvl2pPr marL="463550" indent="-231775" algn="l" defTabSz="914400" rtl="0" eaLnBrk="1" latinLnBrk="0" hangingPunct="1">
+              <a:lnSpc>
+                <a:spcPct val="90000"/>
+              </a:lnSpc>
+              <a:spcBef>
+                <a:spcPts val="1200"/>
+              </a:spcBef>
+              <a:buClr>
+                <a:schemeClr val="accent1"/>
+              </a:buClr>
+              <a:buSzPct val="100000"/>
+              <a:buFont typeface="Arial" pitchFamily="34" charset="0"/>
+              <a:buChar char="•"/>
+              <a:defRPr sz="2000" kern="1200">
+                <a:solidFill>
+                  <a:schemeClr val="tx1"/>
+                </a:solidFill>
+                <a:latin typeface="+mn-lt"/>
+                <a:ea typeface="+mn-ea"/>
+                <a:cs typeface="+mn-cs"/>
+              </a:defRPr>
+            </a:lvl2pPr>
+            <a:lvl3pPr marL="682625" indent="-219075" algn="l" defTabSz="914400" rtl="0" eaLnBrk="1" latinLnBrk="0" hangingPunct="1">
+              <a:lnSpc>
+                <a:spcPct val="90000"/>
+              </a:lnSpc>
+              <a:spcBef>
+                <a:spcPts val="600"/>
+              </a:spcBef>
+              <a:buClr>
+                <a:schemeClr val="accent1"/>
+              </a:buClr>
+              <a:buSzPct val="100000"/>
+              <a:buFont typeface="Arial" pitchFamily="34" charset="0"/>
+              <a:buChar char="•"/>
+              <a:defRPr sz="1800" kern="1200">
+                <a:solidFill>
+                  <a:schemeClr val="tx1"/>
+                </a:solidFill>
+                <a:latin typeface="+mn-lt"/>
+                <a:ea typeface="+mn-ea"/>
+                <a:cs typeface="+mn-cs"/>
+              </a:defRPr>
+            </a:lvl3pPr>
+            <a:lvl4pPr marL="857250" indent="-174625" algn="l" defTabSz="914400" rtl="0" eaLnBrk="1" latinLnBrk="0" hangingPunct="1">
+              <a:lnSpc>
+                <a:spcPct val="90000"/>
+              </a:lnSpc>
+              <a:spcBef>
+                <a:spcPts val="600"/>
+              </a:spcBef>
+              <a:buClr>
+                <a:schemeClr val="accent1"/>
+              </a:buClr>
+              <a:buSzPct val="100000"/>
+              <a:buFont typeface="Arial" pitchFamily="34" charset="0"/>
+              <a:buChar char="•"/>
+              <a:defRPr sz="1600" kern="1200">
+                <a:solidFill>
+                  <a:schemeClr val="tx1"/>
+                </a:solidFill>
+                <a:latin typeface="+mn-lt"/>
+                <a:ea typeface="+mn-ea"/>
+                <a:cs typeface="+mn-cs"/>
+              </a:defRPr>
+            </a:lvl4pPr>
+            <a:lvl5pPr marL="1030288" indent="-173038" algn="l" defTabSz="914400" rtl="0" eaLnBrk="1" latinLnBrk="0" hangingPunct="1">
+              <a:lnSpc>
+                <a:spcPct val="90000"/>
+              </a:lnSpc>
+              <a:spcBef>
+                <a:spcPts val="600"/>
+              </a:spcBef>
+              <a:buClr>
+                <a:schemeClr val="accent1"/>
+              </a:buClr>
+              <a:buSzPct val="100000"/>
+              <a:buFont typeface="Arial" pitchFamily="34" charset="0"/>
+              <a:buChar char="•"/>
+              <a:defRPr sz="1600" kern="1200">
+                <a:solidFill>
+                  <a:schemeClr val="tx1"/>
+                </a:solidFill>
+                <a:latin typeface="+mn-lt"/>
+                <a:ea typeface="+mn-ea"/>
+                <a:cs typeface="+mn-cs"/>
+              </a:defRPr>
+            </a:lvl5pPr>
+            <a:lvl6pPr marL="1207008" indent="-173736" algn="l" defTabSz="914400" rtl="0" eaLnBrk="1" latinLnBrk="0" hangingPunct="1">
+              <a:spcBef>
+                <a:spcPts val="600"/>
+              </a:spcBef>
+              <a:buClr>
+                <a:schemeClr val="accent1"/>
+              </a:buClr>
+              <a:buFont typeface="Arial" pitchFamily="34" charset="0"/>
+              <a:buChar char="•"/>
+              <a:defRPr sz="1600" kern="1200">
+                <a:solidFill>
+                  <a:schemeClr val="tx1"/>
+                </a:solidFill>
+                <a:latin typeface="+mn-lt"/>
+                <a:ea typeface="+mn-ea"/>
+                <a:cs typeface="+mn-cs"/>
+              </a:defRPr>
+            </a:lvl6pPr>
+            <a:lvl7pPr marL="1380744" indent="-173736" algn="l" defTabSz="914400" rtl="0" eaLnBrk="1" latinLnBrk="0" hangingPunct="1">
+              <a:spcBef>
+                <a:spcPts val="600"/>
+              </a:spcBef>
+              <a:buClr>
+                <a:schemeClr val="accent1"/>
+              </a:buClr>
+              <a:buFont typeface="Arial" pitchFamily="34" charset="0"/>
+              <a:buChar char="•"/>
+              <a:defRPr sz="1600" kern="1200">
+                <a:solidFill>
+                  <a:schemeClr val="tx1"/>
+                </a:solidFill>
+                <a:latin typeface="+mn-lt"/>
+                <a:ea typeface="+mn-ea"/>
+                <a:cs typeface="+mn-cs"/>
+              </a:defRPr>
+            </a:lvl7pPr>
+            <a:lvl8pPr marL="1554480" indent="-173736" algn="l" defTabSz="914400" rtl="0" eaLnBrk="1" latinLnBrk="0" hangingPunct="1">
+              <a:spcBef>
+                <a:spcPts val="600"/>
+              </a:spcBef>
+              <a:buClr>
+                <a:schemeClr val="accent1"/>
+              </a:buClr>
+              <a:buFont typeface="Arial" pitchFamily="34" charset="0"/>
+              <a:buChar char="•"/>
+              <a:defRPr sz="1600" kern="1200">
+                <a:solidFill>
+                  <a:schemeClr val="tx1"/>
+                </a:solidFill>
+                <a:latin typeface="+mn-lt"/>
+                <a:ea typeface="+mn-ea"/>
+                <a:cs typeface="+mn-cs"/>
+              </a:defRPr>
+            </a:lvl8pPr>
+            <a:lvl9pPr marL="1728216" indent="-173736" algn="l" defTabSz="914400" rtl="0" eaLnBrk="1" latinLnBrk="0" hangingPunct="1">
+              <a:spcBef>
+                <a:spcPts val="600"/>
+              </a:spcBef>
+              <a:buClr>
+                <a:schemeClr val="accent1"/>
+              </a:buClr>
+              <a:buFont typeface="Arial" pitchFamily="34" charset="0"/>
+              <a:buChar char="•"/>
+              <a:defRPr sz="1600" kern="1200">
+                <a:solidFill>
+                  <a:schemeClr val="tx1"/>
+                </a:solidFill>
+                <a:latin typeface="+mn-lt"/>
+                <a:ea typeface="+mn-ea"/>
+                <a:cs typeface="+mn-cs"/>
+              </a:defRPr>
+            </a:lvl9pPr>
           </a:lstStyle>
           <a:p>
-            <a:pPr marL="45720"/>
-            <a:r>
-              <a:rPr lang="en-US" dirty="0"/>
-              <a:t>Advantages and disadvantages of  Web RTC</a:t>
+            <a:pPr>
+              <a:buFont typeface="Wingdings" panose="05000000000000000000" pitchFamily="2" charset="2"/>
+              <a:buChar char="v"/>
+            </a:pPr>
+            <a:r>
+              <a:rPr lang="en-US" sz="1900" dirty="0"/>
+              <a:t>The </a:t>
+            </a:r>
+            <a:r>
+              <a:rPr lang="en-US" sz="1900" dirty="0" err="1"/>
+              <a:t>RTCPeerConnection</a:t>
+            </a:r>
+            <a:r>
+              <a:rPr lang="en-US" sz="1900" dirty="0"/>
+              <a:t> API represents a </a:t>
+            </a:r>
+            <a:r>
+              <a:rPr lang="en-US" sz="1900" dirty="0" err="1"/>
+              <a:t>WebRTC</a:t>
+            </a:r>
+            <a:r>
+              <a:rPr lang="en-US" sz="1900" dirty="0"/>
+              <a:t> connection between the local computer and remote peer.</a:t>
+            </a:r>
+          </a:p>
+          <a:p>
+            <a:pPr>
+              <a:buFont typeface="Wingdings" panose="05000000000000000000" pitchFamily="2" charset="2"/>
+              <a:buChar char="v"/>
+            </a:pPr>
+            <a:r>
+              <a:rPr lang="en-US" sz="1900" dirty="0"/>
+              <a:t>Core part of the </a:t>
+            </a:r>
+            <a:r>
+              <a:rPr lang="en-US" sz="1900" dirty="0" err="1"/>
+              <a:t>WebRTC</a:t>
+            </a:r>
+            <a:r>
+              <a:rPr lang="en-US" sz="1900" dirty="0"/>
+              <a:t> connection.</a:t>
+            </a:r>
+          </a:p>
+          <a:p>
+            <a:pPr>
+              <a:buFont typeface="Wingdings" panose="05000000000000000000" pitchFamily="2" charset="2"/>
+              <a:buChar char="v"/>
+            </a:pPr>
+            <a:r>
+              <a:rPr lang="en-US" sz="1900" dirty="0"/>
+              <a:t>It provides methods- connect to a remote peer, maintain and monitor the connection , and close the connection. </a:t>
+            </a:r>
+          </a:p>
+          <a:p>
+            <a:pPr>
+              <a:buFont typeface="Wingdings" panose="05000000000000000000" pitchFamily="2" charset="2"/>
+              <a:buChar char="v"/>
+            </a:pPr>
+            <a:r>
+              <a:rPr lang="en-US" sz="1900" dirty="0"/>
+              <a:t>This API is responsible for managing the full life cycle of each peer-to-peer connection.</a:t>
             </a:r>
           </a:p>
         </p:txBody>
@@ -7056,7 +9938,7 @@
     </p:spTree>
     <p:extLst>
       <p:ext uri="{BB962C8B-B14F-4D97-AF65-F5344CB8AC3E}">
-        <p14:creationId xmlns:p14="http://schemas.microsoft.com/office/powerpoint/2010/main" val="1735722345"/>
+        <p14:creationId xmlns:p14="http://schemas.microsoft.com/office/powerpoint/2010/main" val="1568877091"/>
       </p:ext>
     </p:extLst>
   </p:cSld>

--- a/Presentation/About WebRTC.pptx
+++ b/Presentation/About WebRTC.pptx
@@ -5,37 +5,36 @@
     <p:sldMasterId id="2147483761" r:id="rId1"/>
   </p:sldMasterIdLst>
   <p:notesMasterIdLst>
-    <p:notesMasterId r:id="rId22"/>
+    <p:notesMasterId r:id="rId21"/>
   </p:notesMasterIdLst>
   <p:handoutMasterIdLst>
-    <p:handoutMasterId r:id="rId23"/>
+    <p:handoutMasterId r:id="rId22"/>
   </p:handoutMasterIdLst>
   <p:sldIdLst>
     <p:sldId id="265" r:id="rId2"/>
     <p:sldId id="310" r:id="rId3"/>
     <p:sldId id="320" r:id="rId4"/>
-    <p:sldId id="321" r:id="rId5"/>
-    <p:sldId id="316" r:id="rId6"/>
-    <p:sldId id="336" r:id="rId7"/>
-    <p:sldId id="328" r:id="rId8"/>
-    <p:sldId id="327" r:id="rId9"/>
-    <p:sldId id="329" r:id="rId10"/>
-    <p:sldId id="330" r:id="rId11"/>
-    <p:sldId id="331" r:id="rId12"/>
-    <p:sldId id="333" r:id="rId13"/>
-    <p:sldId id="334" r:id="rId14"/>
-    <p:sldId id="332" r:id="rId15"/>
-    <p:sldId id="335" r:id="rId16"/>
-    <p:sldId id="318" r:id="rId17"/>
-    <p:sldId id="325" r:id="rId18"/>
-    <p:sldId id="317" r:id="rId19"/>
-    <p:sldId id="326" r:id="rId20"/>
-    <p:sldId id="319" r:id="rId21"/>
+    <p:sldId id="316" r:id="rId5"/>
+    <p:sldId id="336" r:id="rId6"/>
+    <p:sldId id="328" r:id="rId7"/>
+    <p:sldId id="327" r:id="rId8"/>
+    <p:sldId id="329" r:id="rId9"/>
+    <p:sldId id="330" r:id="rId10"/>
+    <p:sldId id="331" r:id="rId11"/>
+    <p:sldId id="333" r:id="rId12"/>
+    <p:sldId id="334" r:id="rId13"/>
+    <p:sldId id="332" r:id="rId14"/>
+    <p:sldId id="335" r:id="rId15"/>
+    <p:sldId id="318" r:id="rId16"/>
+    <p:sldId id="325" r:id="rId17"/>
+    <p:sldId id="317" r:id="rId18"/>
+    <p:sldId id="326" r:id="rId19"/>
+    <p:sldId id="319" r:id="rId20"/>
   </p:sldIdLst>
   <p:sldSz cx="12188825" cy="6858000"/>
   <p:notesSz cx="6858000" cy="9144000"/>
   <p:custDataLst>
-    <p:tags r:id="rId24"/>
+    <p:tags r:id="rId23"/>
   </p:custDataLst>
   <p:defaultTextStyle>
     <a:defPPr>
@@ -236,7 +235,7 @@
           <a:p>
             <a:fld id="{59088EAF-6ECA-4616-85EF-35AA19C641F3}" type="datetimeFigureOut">
               <a:rPr lang="en-US"/>
-              <a:t>5/13/2023</a:t>
+              <a:t>5/14/2023</a:t>
             </a:fld>
             <a:endParaRPr/>
           </a:p>
@@ -6714,352 +6713,6 @@
         </p:nvSpPr>
         <p:spPr>
           <a:xfrm>
-            <a:off x="836612" y="381000"/>
-            <a:ext cx="9829803" cy="1371600"/>
-          </a:xfrm>
-        </p:spPr>
-        <p:txBody>
-          <a:bodyPr/>
-          <a:lstStyle/>
-          <a:p>
-            <a:r>
-              <a:rPr lang="en-US" dirty="0" err="1"/>
-              <a:t>RTCPeerConnection</a:t>
-            </a:r>
-            <a:r>
-              <a:rPr lang="en-US" dirty="0"/>
-              <a:t>()</a:t>
-            </a:r>
-            <a:br>
-              <a:rPr lang="en-US" dirty="0"/>
-            </a:br>
-            <a:endParaRPr lang="en-US" dirty="0"/>
-          </a:p>
-        </p:txBody>
-      </p:sp>
-      <p:sp>
-        <p:nvSpPr>
-          <p:cNvPr id="4" name="Text Placeholder 3"/>
-          <p:cNvSpPr txBox="1">
-            <a:spLocks/>
-          </p:cNvSpPr>
-          <p:nvPr/>
-        </p:nvSpPr>
-        <p:spPr>
-          <a:xfrm>
-            <a:off x="912812" y="1447800"/>
-            <a:ext cx="10820399" cy="4724400"/>
-          </a:xfrm>
-          <a:prstGeom prst="rect">
-            <a:avLst/>
-          </a:prstGeom>
-        </p:spPr>
-        <p:txBody>
-          <a:bodyPr/>
-          <a:lstStyle>
-            <a:lvl1pPr marL="223838" indent="-223838" algn="l" defTabSz="914400" rtl="0" eaLnBrk="1" latinLnBrk="0" hangingPunct="1">
-              <a:lnSpc>
-                <a:spcPct val="90000"/>
-              </a:lnSpc>
-              <a:spcBef>
-                <a:spcPts val="1800"/>
-              </a:spcBef>
-              <a:buClr>
-                <a:schemeClr val="accent1"/>
-              </a:buClr>
-              <a:buSzPct val="100000"/>
-              <a:buFont typeface="Arial" pitchFamily="34" charset="0"/>
-              <a:buChar char="•"/>
-              <a:defRPr sz="2400" kern="1200">
-                <a:solidFill>
-                  <a:schemeClr val="tx1"/>
-                </a:solidFill>
-                <a:latin typeface="+mn-lt"/>
-                <a:ea typeface="+mn-ea"/>
-                <a:cs typeface="+mn-cs"/>
-              </a:defRPr>
-            </a:lvl1pPr>
-            <a:lvl2pPr marL="463550" indent="-231775" algn="l" defTabSz="914400" rtl="0" eaLnBrk="1" latinLnBrk="0" hangingPunct="1">
-              <a:lnSpc>
-                <a:spcPct val="90000"/>
-              </a:lnSpc>
-              <a:spcBef>
-                <a:spcPts val="1200"/>
-              </a:spcBef>
-              <a:buClr>
-                <a:schemeClr val="accent1"/>
-              </a:buClr>
-              <a:buSzPct val="100000"/>
-              <a:buFont typeface="Arial" pitchFamily="34" charset="0"/>
-              <a:buChar char="•"/>
-              <a:defRPr sz="2000" kern="1200">
-                <a:solidFill>
-                  <a:schemeClr val="tx1"/>
-                </a:solidFill>
-                <a:latin typeface="+mn-lt"/>
-                <a:ea typeface="+mn-ea"/>
-                <a:cs typeface="+mn-cs"/>
-              </a:defRPr>
-            </a:lvl2pPr>
-            <a:lvl3pPr marL="682625" indent="-219075" algn="l" defTabSz="914400" rtl="0" eaLnBrk="1" latinLnBrk="0" hangingPunct="1">
-              <a:lnSpc>
-                <a:spcPct val="90000"/>
-              </a:lnSpc>
-              <a:spcBef>
-                <a:spcPts val="600"/>
-              </a:spcBef>
-              <a:buClr>
-                <a:schemeClr val="accent1"/>
-              </a:buClr>
-              <a:buSzPct val="100000"/>
-              <a:buFont typeface="Arial" pitchFamily="34" charset="0"/>
-              <a:buChar char="•"/>
-              <a:defRPr sz="1800" kern="1200">
-                <a:solidFill>
-                  <a:schemeClr val="tx1"/>
-                </a:solidFill>
-                <a:latin typeface="+mn-lt"/>
-                <a:ea typeface="+mn-ea"/>
-                <a:cs typeface="+mn-cs"/>
-              </a:defRPr>
-            </a:lvl3pPr>
-            <a:lvl4pPr marL="857250" indent="-174625" algn="l" defTabSz="914400" rtl="0" eaLnBrk="1" latinLnBrk="0" hangingPunct="1">
-              <a:lnSpc>
-                <a:spcPct val="90000"/>
-              </a:lnSpc>
-              <a:spcBef>
-                <a:spcPts val="600"/>
-              </a:spcBef>
-              <a:buClr>
-                <a:schemeClr val="accent1"/>
-              </a:buClr>
-              <a:buSzPct val="100000"/>
-              <a:buFont typeface="Arial" pitchFamily="34" charset="0"/>
-              <a:buChar char="•"/>
-              <a:defRPr sz="1600" kern="1200">
-                <a:solidFill>
-                  <a:schemeClr val="tx1"/>
-                </a:solidFill>
-                <a:latin typeface="+mn-lt"/>
-                <a:ea typeface="+mn-ea"/>
-                <a:cs typeface="+mn-cs"/>
-              </a:defRPr>
-            </a:lvl4pPr>
-            <a:lvl5pPr marL="1030288" indent="-173038" algn="l" defTabSz="914400" rtl="0" eaLnBrk="1" latinLnBrk="0" hangingPunct="1">
-              <a:lnSpc>
-                <a:spcPct val="90000"/>
-              </a:lnSpc>
-              <a:spcBef>
-                <a:spcPts val="600"/>
-              </a:spcBef>
-              <a:buClr>
-                <a:schemeClr val="accent1"/>
-              </a:buClr>
-              <a:buSzPct val="100000"/>
-              <a:buFont typeface="Arial" pitchFamily="34" charset="0"/>
-              <a:buChar char="•"/>
-              <a:defRPr sz="1600" kern="1200">
-                <a:solidFill>
-                  <a:schemeClr val="tx1"/>
-                </a:solidFill>
-                <a:latin typeface="+mn-lt"/>
-                <a:ea typeface="+mn-ea"/>
-                <a:cs typeface="+mn-cs"/>
-              </a:defRPr>
-            </a:lvl5pPr>
-            <a:lvl6pPr marL="1207008" indent="-173736" algn="l" defTabSz="914400" rtl="0" eaLnBrk="1" latinLnBrk="0" hangingPunct="1">
-              <a:spcBef>
-                <a:spcPts val="600"/>
-              </a:spcBef>
-              <a:buClr>
-                <a:schemeClr val="accent1"/>
-              </a:buClr>
-              <a:buFont typeface="Arial" pitchFamily="34" charset="0"/>
-              <a:buChar char="•"/>
-              <a:defRPr sz="1600" kern="1200">
-                <a:solidFill>
-                  <a:schemeClr val="tx1"/>
-                </a:solidFill>
-                <a:latin typeface="+mn-lt"/>
-                <a:ea typeface="+mn-ea"/>
-                <a:cs typeface="+mn-cs"/>
-              </a:defRPr>
-            </a:lvl6pPr>
-            <a:lvl7pPr marL="1380744" indent="-173736" algn="l" defTabSz="914400" rtl="0" eaLnBrk="1" latinLnBrk="0" hangingPunct="1">
-              <a:spcBef>
-                <a:spcPts val="600"/>
-              </a:spcBef>
-              <a:buClr>
-                <a:schemeClr val="accent1"/>
-              </a:buClr>
-              <a:buFont typeface="Arial" pitchFamily="34" charset="0"/>
-              <a:buChar char="•"/>
-              <a:defRPr sz="1600" kern="1200">
-                <a:solidFill>
-                  <a:schemeClr val="tx1"/>
-                </a:solidFill>
-                <a:latin typeface="+mn-lt"/>
-                <a:ea typeface="+mn-ea"/>
-                <a:cs typeface="+mn-cs"/>
-              </a:defRPr>
-            </a:lvl7pPr>
-            <a:lvl8pPr marL="1554480" indent="-173736" algn="l" defTabSz="914400" rtl="0" eaLnBrk="1" latinLnBrk="0" hangingPunct="1">
-              <a:spcBef>
-                <a:spcPts val="600"/>
-              </a:spcBef>
-              <a:buClr>
-                <a:schemeClr val="accent1"/>
-              </a:buClr>
-              <a:buFont typeface="Arial" pitchFamily="34" charset="0"/>
-              <a:buChar char="•"/>
-              <a:defRPr sz="1600" kern="1200">
-                <a:solidFill>
-                  <a:schemeClr val="tx1"/>
-                </a:solidFill>
-                <a:latin typeface="+mn-lt"/>
-                <a:ea typeface="+mn-ea"/>
-                <a:cs typeface="+mn-cs"/>
-              </a:defRPr>
-            </a:lvl8pPr>
-            <a:lvl9pPr marL="1728216" indent="-173736" algn="l" defTabSz="914400" rtl="0" eaLnBrk="1" latinLnBrk="0" hangingPunct="1">
-              <a:spcBef>
-                <a:spcPts val="600"/>
-              </a:spcBef>
-              <a:buClr>
-                <a:schemeClr val="accent1"/>
-              </a:buClr>
-              <a:buFont typeface="Arial" pitchFamily="34" charset="0"/>
-              <a:buChar char="•"/>
-              <a:defRPr sz="1600" kern="1200">
-                <a:solidFill>
-                  <a:schemeClr val="tx1"/>
-                </a:solidFill>
-                <a:latin typeface="+mn-lt"/>
-                <a:ea typeface="+mn-ea"/>
-                <a:cs typeface="+mn-cs"/>
-              </a:defRPr>
-            </a:lvl9pPr>
-          </a:lstStyle>
-          <a:p>
-            <a:pPr>
-              <a:buFont typeface="Wingdings" panose="05000000000000000000" pitchFamily="2" charset="2"/>
-              <a:buChar char="v"/>
-            </a:pPr>
-            <a:r>
-              <a:rPr lang="en-US" sz="1900" dirty="0"/>
-              <a:t>The </a:t>
-            </a:r>
-            <a:r>
-              <a:rPr lang="en-US" sz="1900" dirty="0" err="1"/>
-              <a:t>RTCPeerConnection</a:t>
-            </a:r>
-            <a:r>
-              <a:rPr lang="en-US" sz="1900" dirty="0"/>
-              <a:t> API represents a </a:t>
-            </a:r>
-            <a:r>
-              <a:rPr lang="en-US" sz="1900" dirty="0" err="1"/>
-              <a:t>WebRTC</a:t>
-            </a:r>
-            <a:r>
-              <a:rPr lang="en-US" sz="1900" dirty="0"/>
-              <a:t> connection between the local computer and remote peer.</a:t>
-            </a:r>
-          </a:p>
-          <a:p>
-            <a:pPr>
-              <a:buFont typeface="Wingdings" panose="05000000000000000000" pitchFamily="2" charset="2"/>
-              <a:buChar char="v"/>
-            </a:pPr>
-            <a:r>
-              <a:rPr lang="en-US" sz="1900" dirty="0"/>
-              <a:t>Core part of the </a:t>
-            </a:r>
-            <a:r>
-              <a:rPr lang="en-US" sz="1900" dirty="0" err="1"/>
-              <a:t>WebRTC</a:t>
-            </a:r>
-            <a:r>
-              <a:rPr lang="en-US" sz="1900" dirty="0"/>
-              <a:t> connection.</a:t>
-            </a:r>
-          </a:p>
-          <a:p>
-            <a:pPr>
-              <a:buFont typeface="Wingdings" panose="05000000000000000000" pitchFamily="2" charset="2"/>
-              <a:buChar char="v"/>
-            </a:pPr>
-            <a:r>
-              <a:rPr lang="en-US" sz="1900" dirty="0"/>
-              <a:t>It provides methods- connect to a remote peer, maintain and monitor the connection , and close the connection. </a:t>
-            </a:r>
-          </a:p>
-          <a:p>
-            <a:pPr>
-              <a:buFont typeface="Wingdings" panose="05000000000000000000" pitchFamily="2" charset="2"/>
-              <a:buChar char="v"/>
-            </a:pPr>
-            <a:r>
-              <a:rPr lang="en-US" sz="1900" dirty="0"/>
-              <a:t>This API is responsible for managing the full life cycle of each peer-to-peer connection.</a:t>
-            </a:r>
-          </a:p>
-        </p:txBody>
-      </p:sp>
-    </p:spTree>
-    <p:extLst>
-      <p:ext uri="{BB962C8B-B14F-4D97-AF65-F5344CB8AC3E}">
-        <p14:creationId xmlns:p14="http://schemas.microsoft.com/office/powerpoint/2010/main" val="1568877091"/>
-      </p:ext>
-    </p:extLst>
-  </p:cSld>
-  <p:clrMapOvr>
-    <a:masterClrMapping/>
-  </p:clrMapOvr>
-  <mc:AlternateContent xmlns:mc="http://schemas.openxmlformats.org/markup-compatibility/2006" xmlns:p14="http://schemas.microsoft.com/office/powerpoint/2010/main">
-    <mc:Choice Requires="p14">
-      <p:transition spd="med" p14:dur="700">
-        <p:fade/>
-      </p:transition>
-    </mc:Choice>
-    <mc:Fallback xmlns="">
-      <p:transition spd="med">
-        <p:fade/>
-      </p:transition>
-    </mc:Fallback>
-  </mc:AlternateContent>
-</p:sld>
-</file>
-
-<file path=ppt/slides/slide11.xml><?xml version="1.0" encoding="utf-8"?>
-<p:sld xmlns:a="http://schemas.openxmlformats.org/drawingml/2006/main" xmlns:r="http://schemas.openxmlformats.org/officeDocument/2006/relationships" xmlns:p="http://schemas.openxmlformats.org/presentationml/2006/main">
-  <p:cSld>
-    <p:spTree>
-      <p:nvGrpSpPr>
-        <p:cNvPr id="1" name=""/>
-        <p:cNvGrpSpPr/>
-        <p:nvPr/>
-      </p:nvGrpSpPr>
-      <p:grpSpPr>
-        <a:xfrm>
-          <a:off x="0" y="0"/>
-          <a:ext cx="0" cy="0"/>
-          <a:chOff x="0" y="0"/>
-          <a:chExt cx="0" cy="0"/>
-        </a:xfrm>
-      </p:grpSpPr>
-      <p:sp>
-        <p:nvSpPr>
-          <p:cNvPr id="2" name="Title 1"/>
-          <p:cNvSpPr>
-            <a:spLocks noGrp="1"/>
-          </p:cNvSpPr>
-          <p:nvPr>
-            <p:ph type="title"/>
-          </p:nvPr>
-        </p:nvSpPr>
-        <p:spPr>
-          <a:xfrm>
             <a:off x="912812" y="304800"/>
             <a:ext cx="8692399" cy="914400"/>
           </a:xfrm>
@@ -7384,7 +7037,7 @@
 </p:sld>
 </file>
 
-<file path=ppt/slides/slide12.xml><?xml version="1.0" encoding="utf-8"?>
+<file path=ppt/slides/slide11.xml><?xml version="1.0" encoding="utf-8"?>
 <p:sld xmlns:a="http://schemas.openxmlformats.org/drawingml/2006/main" xmlns:r="http://schemas.openxmlformats.org/officeDocument/2006/relationships" xmlns:p="http://schemas.openxmlformats.org/presentationml/2006/main">
   <p:cSld>
     <p:spTree>
@@ -7707,7 +7360,7 @@
 </p:sld>
 </file>
 
-<file path=ppt/slides/slide13.xml><?xml version="1.0" encoding="utf-8"?>
+<file path=ppt/slides/slide12.xml><?xml version="1.0" encoding="utf-8"?>
 <p:sld xmlns:a="http://schemas.openxmlformats.org/drawingml/2006/main" xmlns:r="http://schemas.openxmlformats.org/officeDocument/2006/relationships" xmlns:p="http://schemas.openxmlformats.org/presentationml/2006/main">
   <p:cSld>
     <p:spTree>
@@ -8252,7 +7905,7 @@
 </p:sld>
 </file>
 
-<file path=ppt/slides/slide14.xml><?xml version="1.0" encoding="utf-8"?>
+<file path=ppt/slides/slide13.xml><?xml version="1.0" encoding="utf-8"?>
 <p:sld xmlns:a="http://schemas.openxmlformats.org/drawingml/2006/main" xmlns:r="http://schemas.openxmlformats.org/officeDocument/2006/relationships" xmlns:p="http://schemas.openxmlformats.org/presentationml/2006/main">
   <p:cSld>
     <p:spTree>
@@ -8617,7 +8270,7 @@
 </p:sld>
 </file>
 
-<file path=ppt/slides/slide15.xml><?xml version="1.0" encoding="utf-8"?>
+<file path=ppt/slides/slide14.xml><?xml version="1.0" encoding="utf-8"?>
 <p:sld xmlns:a="http://schemas.openxmlformats.org/drawingml/2006/main" xmlns:r="http://schemas.openxmlformats.org/officeDocument/2006/relationships" xmlns:p="http://schemas.openxmlformats.org/presentationml/2006/main">
   <p:cSld>
     <p:spTree>
@@ -8739,6 +8392,181 @@
 </p:sld>
 </file>
 
+<file path=ppt/slides/slide15.xml><?xml version="1.0" encoding="utf-8"?>
+<p:sld xmlns:a="http://schemas.openxmlformats.org/drawingml/2006/main" xmlns:r="http://schemas.openxmlformats.org/officeDocument/2006/relationships" xmlns:p="http://schemas.openxmlformats.org/presentationml/2006/main">
+  <p:cSld>
+    <p:spTree>
+      <p:nvGrpSpPr>
+        <p:cNvPr id="1" name=""/>
+        <p:cNvGrpSpPr/>
+        <p:nvPr/>
+      </p:nvGrpSpPr>
+      <p:grpSpPr>
+        <a:xfrm>
+          <a:off x="0" y="0"/>
+          <a:ext cx="0" cy="0"/>
+          <a:chOff x="0" y="0"/>
+          <a:chExt cx="0" cy="0"/>
+        </a:xfrm>
+      </p:grpSpPr>
+      <p:sp>
+        <p:nvSpPr>
+          <p:cNvPr id="3" name="Content Placeholder 2"/>
+          <p:cNvSpPr>
+            <a:spLocks noGrp="1"/>
+          </p:cNvSpPr>
+          <p:nvPr>
+            <p:ph idx="1"/>
+          </p:nvPr>
+        </p:nvSpPr>
+        <p:spPr>
+          <a:xfrm>
+            <a:off x="608012" y="685800"/>
+            <a:ext cx="9525000" cy="990600"/>
+          </a:xfrm>
+        </p:spPr>
+        <p:txBody>
+          <a:bodyPr>
+            <a:normAutofit/>
+          </a:bodyPr>
+          <a:lstStyle/>
+          <a:p>
+            <a:pPr marL="0" indent="0">
+              <a:buNone/>
+            </a:pPr>
+            <a:r>
+              <a:rPr lang="en-US" sz="4800" dirty="0"/>
+              <a:t>How to scale?</a:t>
+            </a:r>
+          </a:p>
+        </p:txBody>
+      </p:sp>
+      <p:sp>
+        <p:nvSpPr>
+          <p:cNvPr id="4" name="Text Placeholder 3"/>
+          <p:cNvSpPr>
+            <a:spLocks noGrp="1"/>
+          </p:cNvSpPr>
+          <p:nvPr>
+            <p:ph type="body" sz="half" idx="2"/>
+          </p:nvPr>
+        </p:nvSpPr>
+        <p:spPr>
+          <a:xfrm>
+            <a:off x="760412" y="1524000"/>
+            <a:ext cx="10820399" cy="4495800"/>
+          </a:xfrm>
+        </p:spPr>
+        <p:txBody>
+          <a:bodyPr/>
+          <a:lstStyle/>
+          <a:p>
+            <a:r>
+              <a:rPr lang="en-US" sz="2400" dirty="0"/>
+              <a:t>To Scale the project for millions of users these modifications can be done : </a:t>
+            </a:r>
+          </a:p>
+          <a:p>
+            <a:pPr marL="285750" indent="-285750">
+              <a:buFont typeface="Wingdings" panose="05000000000000000000" pitchFamily="2" charset="2"/>
+              <a:buChar char="q"/>
+            </a:pPr>
+            <a:r>
+              <a:rPr lang="en-US" dirty="0"/>
+              <a:t> </a:t>
+            </a:r>
+            <a:r>
+              <a:rPr lang="en-US" sz="2000" dirty="0"/>
+              <a:t> Use adaptive bitrate streaming,</a:t>
+            </a:r>
+          </a:p>
+          <a:p>
+            <a:pPr marL="342900" indent="-342900">
+              <a:buFont typeface="Wingdings" panose="05000000000000000000" pitchFamily="2" charset="2"/>
+              <a:buChar char="q"/>
+            </a:pPr>
+            <a:r>
+              <a:rPr lang="en-US" sz="2000" dirty="0"/>
+              <a:t> Implementing efficient media codecs , reducing the size of the media streams, minimizing the use of server     resources.</a:t>
+            </a:r>
+          </a:p>
+          <a:p>
+            <a:pPr marL="342900" indent="-342900">
+              <a:buFont typeface="Wingdings" panose="05000000000000000000" pitchFamily="2" charset="2"/>
+              <a:buChar char="q"/>
+            </a:pPr>
+            <a:r>
+              <a:rPr lang="en-US" sz="2000" dirty="0"/>
+              <a:t> Use a signaling server with horizontal scaling</a:t>
+            </a:r>
+          </a:p>
+          <a:p>
+            <a:pPr marL="342900" indent="-342900">
+              <a:buFont typeface="Wingdings" panose="05000000000000000000" pitchFamily="2" charset="2"/>
+              <a:buChar char="q"/>
+            </a:pPr>
+            <a:r>
+              <a:rPr lang="en-US" sz="2000" dirty="0"/>
+              <a:t>Use a media server for media handling</a:t>
+            </a:r>
+          </a:p>
+          <a:p>
+            <a:pPr marL="342900" indent="-342900">
+              <a:buFont typeface="Wingdings" panose="05000000000000000000" pitchFamily="2" charset="2"/>
+              <a:buChar char="q"/>
+            </a:pPr>
+            <a:r>
+              <a:rPr lang="en-US" sz="2000" dirty="0"/>
+              <a:t>Optimize media handling</a:t>
+            </a:r>
+          </a:p>
+          <a:p>
+            <a:pPr marL="342900" indent="-342900">
+              <a:buFont typeface="Wingdings" panose="05000000000000000000" pitchFamily="2" charset="2"/>
+              <a:buChar char="q"/>
+            </a:pPr>
+            <a:r>
+              <a:rPr lang="en-US" sz="2000" dirty="0"/>
+              <a:t>Use a distributed database</a:t>
+            </a:r>
+          </a:p>
+          <a:p>
+            <a:pPr marL="342900" indent="-342900">
+              <a:buFont typeface="Wingdings" panose="05000000000000000000" pitchFamily="2" charset="2"/>
+              <a:buChar char="q"/>
+            </a:pPr>
+            <a:r>
+              <a:rPr lang="en-US" sz="2000" dirty="0"/>
+              <a:t>Optimize client performance</a:t>
+            </a:r>
+          </a:p>
+        </p:txBody>
+      </p:sp>
+    </p:spTree>
+    <p:extLst>
+      <p:ext uri="{BB962C8B-B14F-4D97-AF65-F5344CB8AC3E}">
+        <p14:creationId xmlns:p14="http://schemas.microsoft.com/office/powerpoint/2010/main" val="2765137111"/>
+      </p:ext>
+    </p:extLst>
+  </p:cSld>
+  <p:clrMapOvr>
+    <a:masterClrMapping/>
+  </p:clrMapOvr>
+  <mc:AlternateContent xmlns:mc="http://schemas.openxmlformats.org/markup-compatibility/2006" xmlns:p14="http://schemas.microsoft.com/office/powerpoint/2010/main">
+    <mc:Choice Requires="p14">
+      <p:transition spd="med" p14:dur="700">
+        <p:fade/>
+      </p:transition>
+    </mc:Choice>
+    <mc:Fallback xmlns="">
+      <p:transition spd="med">
+        <p:fade/>
+      </p:transition>
+    </mc:Fallback>
+  </mc:AlternateContent>
+</p:sld>
+</file>
+
 <file path=ppt/slides/slide16.xml><?xml version="1.0" encoding="utf-8"?>
 <p:sld xmlns:a="http://schemas.openxmlformats.org/drawingml/2006/main" xmlns:r="http://schemas.openxmlformats.org/officeDocument/2006/relationships" xmlns:p="http://schemas.openxmlformats.org/presentationml/2006/main">
   <p:cSld>
@@ -8758,141 +8586,749 @@
       </p:grpSpPr>
       <p:sp>
         <p:nvSpPr>
-          <p:cNvPr id="3" name="Content Placeholder 2"/>
+          <p:cNvPr id="2" name="Title 1"/>
           <p:cNvSpPr>
             <a:spLocks noGrp="1"/>
           </p:cNvSpPr>
           <p:nvPr>
-            <p:ph idx="1"/>
+            <p:ph type="title"/>
           </p:nvPr>
         </p:nvSpPr>
         <p:spPr>
           <a:xfrm>
-            <a:off x="608012" y="685800"/>
-            <a:ext cx="9525000" cy="990600"/>
+            <a:off x="912813" y="381000"/>
+            <a:ext cx="9753602" cy="838200"/>
           </a:xfrm>
         </p:spPr>
         <p:txBody>
-          <a:bodyPr>
-            <a:normAutofit/>
-          </a:bodyPr>
+          <a:bodyPr/>
           <a:lstStyle/>
           <a:p>
+            <a:r>
+              <a:rPr lang="en-US" dirty="0"/>
+              <a:t>Uses of Web RTC</a:t>
+            </a:r>
+          </a:p>
+        </p:txBody>
+      </p:sp>
+      <p:sp>
+        <p:nvSpPr>
+          <p:cNvPr id="3" name="Text Placeholder 3"/>
+          <p:cNvSpPr txBox="1">
+            <a:spLocks/>
+          </p:cNvSpPr>
+          <p:nvPr/>
+        </p:nvSpPr>
+        <p:spPr>
+          <a:xfrm>
+            <a:off x="760412" y="1828800"/>
+            <a:ext cx="10820399" cy="3886200"/>
+          </a:xfrm>
+          <a:prstGeom prst="rect">
+            <a:avLst/>
+          </a:prstGeom>
+        </p:spPr>
+        <p:txBody>
+          <a:bodyPr/>
+          <a:lstStyle>
+            <a:lvl1pPr marL="223838" indent="-223838" algn="l" defTabSz="914400" rtl="0" eaLnBrk="1" latinLnBrk="0" hangingPunct="1">
+              <a:lnSpc>
+                <a:spcPct val="90000"/>
+              </a:lnSpc>
+              <a:spcBef>
+                <a:spcPts val="1800"/>
+              </a:spcBef>
+              <a:buClr>
+                <a:schemeClr val="accent1"/>
+              </a:buClr>
+              <a:buSzPct val="100000"/>
+              <a:buFont typeface="Arial" pitchFamily="34" charset="0"/>
+              <a:buChar char="•"/>
+              <a:defRPr sz="2400" kern="1200">
+                <a:solidFill>
+                  <a:schemeClr val="tx1"/>
+                </a:solidFill>
+                <a:latin typeface="+mn-lt"/>
+                <a:ea typeface="+mn-ea"/>
+                <a:cs typeface="+mn-cs"/>
+              </a:defRPr>
+            </a:lvl1pPr>
+            <a:lvl2pPr marL="463550" indent="-231775" algn="l" defTabSz="914400" rtl="0" eaLnBrk="1" latinLnBrk="0" hangingPunct="1">
+              <a:lnSpc>
+                <a:spcPct val="90000"/>
+              </a:lnSpc>
+              <a:spcBef>
+                <a:spcPts val="1200"/>
+              </a:spcBef>
+              <a:buClr>
+                <a:schemeClr val="accent1"/>
+              </a:buClr>
+              <a:buSzPct val="100000"/>
+              <a:buFont typeface="Arial" pitchFamily="34" charset="0"/>
+              <a:buChar char="•"/>
+              <a:defRPr sz="2000" kern="1200">
+                <a:solidFill>
+                  <a:schemeClr val="tx1"/>
+                </a:solidFill>
+                <a:latin typeface="+mn-lt"/>
+                <a:ea typeface="+mn-ea"/>
+                <a:cs typeface="+mn-cs"/>
+              </a:defRPr>
+            </a:lvl2pPr>
+            <a:lvl3pPr marL="682625" indent="-219075" algn="l" defTabSz="914400" rtl="0" eaLnBrk="1" latinLnBrk="0" hangingPunct="1">
+              <a:lnSpc>
+                <a:spcPct val="90000"/>
+              </a:lnSpc>
+              <a:spcBef>
+                <a:spcPts val="600"/>
+              </a:spcBef>
+              <a:buClr>
+                <a:schemeClr val="accent1"/>
+              </a:buClr>
+              <a:buSzPct val="100000"/>
+              <a:buFont typeface="Arial" pitchFamily="34" charset="0"/>
+              <a:buChar char="•"/>
+              <a:defRPr sz="1800" kern="1200">
+                <a:solidFill>
+                  <a:schemeClr val="tx1"/>
+                </a:solidFill>
+                <a:latin typeface="+mn-lt"/>
+                <a:ea typeface="+mn-ea"/>
+                <a:cs typeface="+mn-cs"/>
+              </a:defRPr>
+            </a:lvl3pPr>
+            <a:lvl4pPr marL="857250" indent="-174625" algn="l" defTabSz="914400" rtl="0" eaLnBrk="1" latinLnBrk="0" hangingPunct="1">
+              <a:lnSpc>
+                <a:spcPct val="90000"/>
+              </a:lnSpc>
+              <a:spcBef>
+                <a:spcPts val="600"/>
+              </a:spcBef>
+              <a:buClr>
+                <a:schemeClr val="accent1"/>
+              </a:buClr>
+              <a:buSzPct val="100000"/>
+              <a:buFont typeface="Arial" pitchFamily="34" charset="0"/>
+              <a:buChar char="•"/>
+              <a:defRPr sz="1600" kern="1200">
+                <a:solidFill>
+                  <a:schemeClr val="tx1"/>
+                </a:solidFill>
+                <a:latin typeface="+mn-lt"/>
+                <a:ea typeface="+mn-ea"/>
+                <a:cs typeface="+mn-cs"/>
+              </a:defRPr>
+            </a:lvl4pPr>
+            <a:lvl5pPr marL="1030288" indent="-173038" algn="l" defTabSz="914400" rtl="0" eaLnBrk="1" latinLnBrk="0" hangingPunct="1">
+              <a:lnSpc>
+                <a:spcPct val="90000"/>
+              </a:lnSpc>
+              <a:spcBef>
+                <a:spcPts val="600"/>
+              </a:spcBef>
+              <a:buClr>
+                <a:schemeClr val="accent1"/>
+              </a:buClr>
+              <a:buSzPct val="100000"/>
+              <a:buFont typeface="Arial" pitchFamily="34" charset="0"/>
+              <a:buChar char="•"/>
+              <a:defRPr sz="1600" kern="1200">
+                <a:solidFill>
+                  <a:schemeClr val="tx1"/>
+                </a:solidFill>
+                <a:latin typeface="+mn-lt"/>
+                <a:ea typeface="+mn-ea"/>
+                <a:cs typeface="+mn-cs"/>
+              </a:defRPr>
+            </a:lvl5pPr>
+            <a:lvl6pPr marL="1207008" indent="-173736" algn="l" defTabSz="914400" rtl="0" eaLnBrk="1" latinLnBrk="0" hangingPunct="1">
+              <a:spcBef>
+                <a:spcPts val="600"/>
+              </a:spcBef>
+              <a:buClr>
+                <a:schemeClr val="accent1"/>
+              </a:buClr>
+              <a:buFont typeface="Arial" pitchFamily="34" charset="0"/>
+              <a:buChar char="•"/>
+              <a:defRPr sz="1600" kern="1200">
+                <a:solidFill>
+                  <a:schemeClr val="tx1"/>
+                </a:solidFill>
+                <a:latin typeface="+mn-lt"/>
+                <a:ea typeface="+mn-ea"/>
+                <a:cs typeface="+mn-cs"/>
+              </a:defRPr>
+            </a:lvl6pPr>
+            <a:lvl7pPr marL="1380744" indent="-173736" algn="l" defTabSz="914400" rtl="0" eaLnBrk="1" latinLnBrk="0" hangingPunct="1">
+              <a:spcBef>
+                <a:spcPts val="600"/>
+              </a:spcBef>
+              <a:buClr>
+                <a:schemeClr val="accent1"/>
+              </a:buClr>
+              <a:buFont typeface="Arial" pitchFamily="34" charset="0"/>
+              <a:buChar char="•"/>
+              <a:defRPr sz="1600" kern="1200">
+                <a:solidFill>
+                  <a:schemeClr val="tx1"/>
+                </a:solidFill>
+                <a:latin typeface="+mn-lt"/>
+                <a:ea typeface="+mn-ea"/>
+                <a:cs typeface="+mn-cs"/>
+              </a:defRPr>
+            </a:lvl7pPr>
+            <a:lvl8pPr marL="1554480" indent="-173736" algn="l" defTabSz="914400" rtl="0" eaLnBrk="1" latinLnBrk="0" hangingPunct="1">
+              <a:spcBef>
+                <a:spcPts val="600"/>
+              </a:spcBef>
+              <a:buClr>
+                <a:schemeClr val="accent1"/>
+              </a:buClr>
+              <a:buFont typeface="Arial" pitchFamily="34" charset="0"/>
+              <a:buChar char="•"/>
+              <a:defRPr sz="1600" kern="1200">
+                <a:solidFill>
+                  <a:schemeClr val="tx1"/>
+                </a:solidFill>
+                <a:latin typeface="+mn-lt"/>
+                <a:ea typeface="+mn-ea"/>
+                <a:cs typeface="+mn-cs"/>
+              </a:defRPr>
+            </a:lvl8pPr>
+            <a:lvl9pPr marL="1728216" indent="-173736" algn="l" defTabSz="914400" rtl="0" eaLnBrk="1" latinLnBrk="0" hangingPunct="1">
+              <a:spcBef>
+                <a:spcPts val="600"/>
+              </a:spcBef>
+              <a:buClr>
+                <a:schemeClr val="accent1"/>
+              </a:buClr>
+              <a:buFont typeface="Arial" pitchFamily="34" charset="0"/>
+              <a:buChar char="•"/>
+              <a:defRPr sz="1600" kern="1200">
+                <a:solidFill>
+                  <a:schemeClr val="tx1"/>
+                </a:solidFill>
+                <a:latin typeface="+mn-lt"/>
+                <a:ea typeface="+mn-ea"/>
+                <a:cs typeface="+mn-cs"/>
+              </a:defRPr>
+            </a:lvl9pPr>
+          </a:lstStyle>
+          <a:p>
             <a:pPr marL="0" indent="0">
               <a:buNone/>
             </a:pPr>
-            <a:r>
-              <a:rPr lang="en-US" sz="4800" dirty="0"/>
-              <a:t>How to scale?</a:t>
-            </a:r>
+            <a:endParaRPr lang="en-US" sz="2000" dirty="0"/>
           </a:p>
         </p:txBody>
       </p:sp>
       <p:sp>
         <p:nvSpPr>
           <p:cNvPr id="4" name="Text Placeholder 3"/>
-          <p:cNvSpPr>
-            <a:spLocks noGrp="1"/>
-          </p:cNvSpPr>
-          <p:nvPr>
-            <p:ph type="body" sz="half" idx="2"/>
-          </p:nvPr>
+          <p:cNvSpPr txBox="1">
+            <a:spLocks/>
+          </p:cNvSpPr>
+          <p:nvPr/>
         </p:nvSpPr>
         <p:spPr>
           <a:xfrm>
             <a:off x="760412" y="1524000"/>
             <a:ext cx="10820399" cy="4495800"/>
           </a:xfrm>
+          <a:prstGeom prst="rect">
+            <a:avLst/>
+          </a:prstGeom>
         </p:spPr>
         <p:txBody>
           <a:bodyPr/>
-          <a:lstStyle/>
-          <a:p>
-            <a:r>
-              <a:rPr lang="en-US" sz="2400" dirty="0"/>
-              <a:t>To Scale the project for millions of users these modifications can be done : </a:t>
-            </a:r>
-          </a:p>
-          <a:p>
-            <a:pPr marL="285750" indent="-285750">
-              <a:buFont typeface="Wingdings" panose="05000000000000000000" pitchFamily="2" charset="2"/>
-              <a:buChar char="q"/>
+          <a:lstStyle>
+            <a:lvl1pPr marL="223838" indent="-223838" algn="l" defTabSz="914400" rtl="0" eaLnBrk="1" latinLnBrk="0" hangingPunct="1">
+              <a:lnSpc>
+                <a:spcPct val="90000"/>
+              </a:lnSpc>
+              <a:spcBef>
+                <a:spcPts val="1800"/>
+              </a:spcBef>
+              <a:buClr>
+                <a:schemeClr val="accent1"/>
+              </a:buClr>
+              <a:buSzPct val="100000"/>
+              <a:buFont typeface="Arial" pitchFamily="34" charset="0"/>
+              <a:buChar char="•"/>
+              <a:defRPr sz="2400" kern="1200">
+                <a:solidFill>
+                  <a:schemeClr val="tx1"/>
+                </a:solidFill>
+                <a:latin typeface="+mn-lt"/>
+                <a:ea typeface="+mn-ea"/>
+                <a:cs typeface="+mn-cs"/>
+              </a:defRPr>
+            </a:lvl1pPr>
+            <a:lvl2pPr marL="463550" indent="-231775" algn="l" defTabSz="914400" rtl="0" eaLnBrk="1" latinLnBrk="0" hangingPunct="1">
+              <a:lnSpc>
+                <a:spcPct val="90000"/>
+              </a:lnSpc>
+              <a:spcBef>
+                <a:spcPts val="1200"/>
+              </a:spcBef>
+              <a:buClr>
+                <a:schemeClr val="accent1"/>
+              </a:buClr>
+              <a:buSzPct val="100000"/>
+              <a:buFont typeface="Arial" pitchFamily="34" charset="0"/>
+              <a:buChar char="•"/>
+              <a:defRPr sz="2000" kern="1200">
+                <a:solidFill>
+                  <a:schemeClr val="tx1"/>
+                </a:solidFill>
+                <a:latin typeface="+mn-lt"/>
+                <a:ea typeface="+mn-ea"/>
+                <a:cs typeface="+mn-cs"/>
+              </a:defRPr>
+            </a:lvl2pPr>
+            <a:lvl3pPr marL="682625" indent="-219075" algn="l" defTabSz="914400" rtl="0" eaLnBrk="1" latinLnBrk="0" hangingPunct="1">
+              <a:lnSpc>
+                <a:spcPct val="90000"/>
+              </a:lnSpc>
+              <a:spcBef>
+                <a:spcPts val="600"/>
+              </a:spcBef>
+              <a:buClr>
+                <a:schemeClr val="accent1"/>
+              </a:buClr>
+              <a:buSzPct val="100000"/>
+              <a:buFont typeface="Arial" pitchFamily="34" charset="0"/>
+              <a:buChar char="•"/>
+              <a:defRPr sz="1800" kern="1200">
+                <a:solidFill>
+                  <a:schemeClr val="tx1"/>
+                </a:solidFill>
+                <a:latin typeface="+mn-lt"/>
+                <a:ea typeface="+mn-ea"/>
+                <a:cs typeface="+mn-cs"/>
+              </a:defRPr>
+            </a:lvl3pPr>
+            <a:lvl4pPr marL="857250" indent="-174625" algn="l" defTabSz="914400" rtl="0" eaLnBrk="1" latinLnBrk="0" hangingPunct="1">
+              <a:lnSpc>
+                <a:spcPct val="90000"/>
+              </a:lnSpc>
+              <a:spcBef>
+                <a:spcPts val="600"/>
+              </a:spcBef>
+              <a:buClr>
+                <a:schemeClr val="accent1"/>
+              </a:buClr>
+              <a:buSzPct val="100000"/>
+              <a:buFont typeface="Arial" pitchFamily="34" charset="0"/>
+              <a:buChar char="•"/>
+              <a:defRPr sz="1600" kern="1200">
+                <a:solidFill>
+                  <a:schemeClr val="tx1"/>
+                </a:solidFill>
+                <a:latin typeface="+mn-lt"/>
+                <a:ea typeface="+mn-ea"/>
+                <a:cs typeface="+mn-cs"/>
+              </a:defRPr>
+            </a:lvl4pPr>
+            <a:lvl5pPr marL="1030288" indent="-173038" algn="l" defTabSz="914400" rtl="0" eaLnBrk="1" latinLnBrk="0" hangingPunct="1">
+              <a:lnSpc>
+                <a:spcPct val="90000"/>
+              </a:lnSpc>
+              <a:spcBef>
+                <a:spcPts val="600"/>
+              </a:spcBef>
+              <a:buClr>
+                <a:schemeClr val="accent1"/>
+              </a:buClr>
+              <a:buSzPct val="100000"/>
+              <a:buFont typeface="Arial" pitchFamily="34" charset="0"/>
+              <a:buChar char="•"/>
+              <a:defRPr sz="1600" kern="1200">
+                <a:solidFill>
+                  <a:schemeClr val="tx1"/>
+                </a:solidFill>
+                <a:latin typeface="+mn-lt"/>
+                <a:ea typeface="+mn-ea"/>
+                <a:cs typeface="+mn-cs"/>
+              </a:defRPr>
+            </a:lvl5pPr>
+            <a:lvl6pPr marL="1207008" indent="-173736" algn="l" defTabSz="914400" rtl="0" eaLnBrk="1" latinLnBrk="0" hangingPunct="1">
+              <a:spcBef>
+                <a:spcPts val="600"/>
+              </a:spcBef>
+              <a:buClr>
+                <a:schemeClr val="accent1"/>
+              </a:buClr>
+              <a:buFont typeface="Arial" pitchFamily="34" charset="0"/>
+              <a:buChar char="•"/>
+              <a:defRPr sz="1600" kern="1200">
+                <a:solidFill>
+                  <a:schemeClr val="tx1"/>
+                </a:solidFill>
+                <a:latin typeface="+mn-lt"/>
+                <a:ea typeface="+mn-ea"/>
+                <a:cs typeface="+mn-cs"/>
+              </a:defRPr>
+            </a:lvl6pPr>
+            <a:lvl7pPr marL="1380744" indent="-173736" algn="l" defTabSz="914400" rtl="0" eaLnBrk="1" latinLnBrk="0" hangingPunct="1">
+              <a:spcBef>
+                <a:spcPts val="600"/>
+              </a:spcBef>
+              <a:buClr>
+                <a:schemeClr val="accent1"/>
+              </a:buClr>
+              <a:buFont typeface="Arial" pitchFamily="34" charset="0"/>
+              <a:buChar char="•"/>
+              <a:defRPr sz="1600" kern="1200">
+                <a:solidFill>
+                  <a:schemeClr val="tx1"/>
+                </a:solidFill>
+                <a:latin typeface="+mn-lt"/>
+                <a:ea typeface="+mn-ea"/>
+                <a:cs typeface="+mn-cs"/>
+              </a:defRPr>
+            </a:lvl7pPr>
+            <a:lvl8pPr marL="1554480" indent="-173736" algn="l" defTabSz="914400" rtl="0" eaLnBrk="1" latinLnBrk="0" hangingPunct="1">
+              <a:spcBef>
+                <a:spcPts val="600"/>
+              </a:spcBef>
+              <a:buClr>
+                <a:schemeClr val="accent1"/>
+              </a:buClr>
+              <a:buFont typeface="Arial" pitchFamily="34" charset="0"/>
+              <a:buChar char="•"/>
+              <a:defRPr sz="1600" kern="1200">
+                <a:solidFill>
+                  <a:schemeClr val="tx1"/>
+                </a:solidFill>
+                <a:latin typeface="+mn-lt"/>
+                <a:ea typeface="+mn-ea"/>
+                <a:cs typeface="+mn-cs"/>
+              </a:defRPr>
+            </a:lvl8pPr>
+            <a:lvl9pPr marL="1728216" indent="-173736" algn="l" defTabSz="914400" rtl="0" eaLnBrk="1" latinLnBrk="0" hangingPunct="1">
+              <a:spcBef>
+                <a:spcPts val="600"/>
+              </a:spcBef>
+              <a:buClr>
+                <a:schemeClr val="accent1"/>
+              </a:buClr>
+              <a:buFont typeface="Arial" pitchFamily="34" charset="0"/>
+              <a:buChar char="•"/>
+              <a:defRPr sz="1600" kern="1200">
+                <a:solidFill>
+                  <a:schemeClr val="tx1"/>
+                </a:solidFill>
+                <a:latin typeface="+mn-lt"/>
+                <a:ea typeface="+mn-ea"/>
+                <a:cs typeface="+mn-cs"/>
+              </a:defRPr>
+            </a:lvl9pPr>
+          </a:lstStyle>
+          <a:p>
+            <a:pPr marL="0" indent="0">
+              <a:buNone/>
             </a:pPr>
-            <a:r>
-              <a:rPr lang="en-US" dirty="0"/>
-              <a:t> </a:t>
-            </a:r>
-            <a:r>
-              <a:rPr lang="en-US" sz="2000" dirty="0"/>
-              <a:t> Use adaptive bitrate streaming,</a:t>
-            </a:r>
-          </a:p>
-          <a:p>
-            <a:pPr marL="342900" indent="-342900">
-              <a:buFont typeface="Wingdings" panose="05000000000000000000" pitchFamily="2" charset="2"/>
-              <a:buChar char="q"/>
+            <a:endParaRPr lang="en-US" sz="1900" dirty="0"/>
+          </a:p>
+        </p:txBody>
+      </p:sp>
+      <p:sp>
+        <p:nvSpPr>
+          <p:cNvPr id="6" name="Text Placeholder 3"/>
+          <p:cNvSpPr txBox="1">
+            <a:spLocks/>
+          </p:cNvSpPr>
+          <p:nvPr/>
+        </p:nvSpPr>
+        <p:spPr>
+          <a:xfrm>
+            <a:off x="912812" y="1295400"/>
+            <a:ext cx="10820399" cy="4876800"/>
+          </a:xfrm>
+          <a:prstGeom prst="rect">
+            <a:avLst/>
+          </a:prstGeom>
+        </p:spPr>
+        <p:txBody>
+          <a:bodyPr/>
+          <a:lstStyle>
+            <a:lvl1pPr marL="223838" indent="-223838" algn="l" defTabSz="914400" rtl="0" eaLnBrk="1" latinLnBrk="0" hangingPunct="1">
+              <a:lnSpc>
+                <a:spcPct val="90000"/>
+              </a:lnSpc>
+              <a:spcBef>
+                <a:spcPts val="1800"/>
+              </a:spcBef>
+              <a:buClr>
+                <a:schemeClr val="accent1"/>
+              </a:buClr>
+              <a:buSzPct val="100000"/>
+              <a:buFont typeface="Arial" pitchFamily="34" charset="0"/>
+              <a:buChar char="•"/>
+              <a:defRPr sz="2400" kern="1200">
+                <a:solidFill>
+                  <a:schemeClr val="tx1"/>
+                </a:solidFill>
+                <a:latin typeface="+mn-lt"/>
+                <a:ea typeface="+mn-ea"/>
+                <a:cs typeface="+mn-cs"/>
+              </a:defRPr>
+            </a:lvl1pPr>
+            <a:lvl2pPr marL="463550" indent="-231775" algn="l" defTabSz="914400" rtl="0" eaLnBrk="1" latinLnBrk="0" hangingPunct="1">
+              <a:lnSpc>
+                <a:spcPct val="90000"/>
+              </a:lnSpc>
+              <a:spcBef>
+                <a:spcPts val="1200"/>
+              </a:spcBef>
+              <a:buClr>
+                <a:schemeClr val="accent1"/>
+              </a:buClr>
+              <a:buSzPct val="100000"/>
+              <a:buFont typeface="Arial" pitchFamily="34" charset="0"/>
+              <a:buChar char="•"/>
+              <a:defRPr sz="2000" kern="1200">
+                <a:solidFill>
+                  <a:schemeClr val="tx1"/>
+                </a:solidFill>
+                <a:latin typeface="+mn-lt"/>
+                <a:ea typeface="+mn-ea"/>
+                <a:cs typeface="+mn-cs"/>
+              </a:defRPr>
+            </a:lvl2pPr>
+            <a:lvl3pPr marL="682625" indent="-219075" algn="l" defTabSz="914400" rtl="0" eaLnBrk="1" latinLnBrk="0" hangingPunct="1">
+              <a:lnSpc>
+                <a:spcPct val="90000"/>
+              </a:lnSpc>
+              <a:spcBef>
+                <a:spcPts val="600"/>
+              </a:spcBef>
+              <a:buClr>
+                <a:schemeClr val="accent1"/>
+              </a:buClr>
+              <a:buSzPct val="100000"/>
+              <a:buFont typeface="Arial" pitchFamily="34" charset="0"/>
+              <a:buChar char="•"/>
+              <a:defRPr sz="1800" kern="1200">
+                <a:solidFill>
+                  <a:schemeClr val="tx1"/>
+                </a:solidFill>
+                <a:latin typeface="+mn-lt"/>
+                <a:ea typeface="+mn-ea"/>
+                <a:cs typeface="+mn-cs"/>
+              </a:defRPr>
+            </a:lvl3pPr>
+            <a:lvl4pPr marL="857250" indent="-174625" algn="l" defTabSz="914400" rtl="0" eaLnBrk="1" latinLnBrk="0" hangingPunct="1">
+              <a:lnSpc>
+                <a:spcPct val="90000"/>
+              </a:lnSpc>
+              <a:spcBef>
+                <a:spcPts val="600"/>
+              </a:spcBef>
+              <a:buClr>
+                <a:schemeClr val="accent1"/>
+              </a:buClr>
+              <a:buSzPct val="100000"/>
+              <a:buFont typeface="Arial" pitchFamily="34" charset="0"/>
+              <a:buChar char="•"/>
+              <a:defRPr sz="1600" kern="1200">
+                <a:solidFill>
+                  <a:schemeClr val="tx1"/>
+                </a:solidFill>
+                <a:latin typeface="+mn-lt"/>
+                <a:ea typeface="+mn-ea"/>
+                <a:cs typeface="+mn-cs"/>
+              </a:defRPr>
+            </a:lvl4pPr>
+            <a:lvl5pPr marL="1030288" indent="-173038" algn="l" defTabSz="914400" rtl="0" eaLnBrk="1" latinLnBrk="0" hangingPunct="1">
+              <a:lnSpc>
+                <a:spcPct val="90000"/>
+              </a:lnSpc>
+              <a:spcBef>
+                <a:spcPts val="600"/>
+              </a:spcBef>
+              <a:buClr>
+                <a:schemeClr val="accent1"/>
+              </a:buClr>
+              <a:buSzPct val="100000"/>
+              <a:buFont typeface="Arial" pitchFamily="34" charset="0"/>
+              <a:buChar char="•"/>
+              <a:defRPr sz="1600" kern="1200">
+                <a:solidFill>
+                  <a:schemeClr val="tx1"/>
+                </a:solidFill>
+                <a:latin typeface="+mn-lt"/>
+                <a:ea typeface="+mn-ea"/>
+                <a:cs typeface="+mn-cs"/>
+              </a:defRPr>
+            </a:lvl5pPr>
+            <a:lvl6pPr marL="1207008" indent="-173736" algn="l" defTabSz="914400" rtl="0" eaLnBrk="1" latinLnBrk="0" hangingPunct="1">
+              <a:spcBef>
+                <a:spcPts val="600"/>
+              </a:spcBef>
+              <a:buClr>
+                <a:schemeClr val="accent1"/>
+              </a:buClr>
+              <a:buFont typeface="Arial" pitchFamily="34" charset="0"/>
+              <a:buChar char="•"/>
+              <a:defRPr sz="1600" kern="1200">
+                <a:solidFill>
+                  <a:schemeClr val="tx1"/>
+                </a:solidFill>
+                <a:latin typeface="+mn-lt"/>
+                <a:ea typeface="+mn-ea"/>
+                <a:cs typeface="+mn-cs"/>
+              </a:defRPr>
+            </a:lvl6pPr>
+            <a:lvl7pPr marL="1380744" indent="-173736" algn="l" defTabSz="914400" rtl="0" eaLnBrk="1" latinLnBrk="0" hangingPunct="1">
+              <a:spcBef>
+                <a:spcPts val="600"/>
+              </a:spcBef>
+              <a:buClr>
+                <a:schemeClr val="accent1"/>
+              </a:buClr>
+              <a:buFont typeface="Arial" pitchFamily="34" charset="0"/>
+              <a:buChar char="•"/>
+              <a:defRPr sz="1600" kern="1200">
+                <a:solidFill>
+                  <a:schemeClr val="tx1"/>
+                </a:solidFill>
+                <a:latin typeface="+mn-lt"/>
+                <a:ea typeface="+mn-ea"/>
+                <a:cs typeface="+mn-cs"/>
+              </a:defRPr>
+            </a:lvl7pPr>
+            <a:lvl8pPr marL="1554480" indent="-173736" algn="l" defTabSz="914400" rtl="0" eaLnBrk="1" latinLnBrk="0" hangingPunct="1">
+              <a:spcBef>
+                <a:spcPts val="600"/>
+              </a:spcBef>
+              <a:buClr>
+                <a:schemeClr val="accent1"/>
+              </a:buClr>
+              <a:buFont typeface="Arial" pitchFamily="34" charset="0"/>
+              <a:buChar char="•"/>
+              <a:defRPr sz="1600" kern="1200">
+                <a:solidFill>
+                  <a:schemeClr val="tx1"/>
+                </a:solidFill>
+                <a:latin typeface="+mn-lt"/>
+                <a:ea typeface="+mn-ea"/>
+                <a:cs typeface="+mn-cs"/>
+              </a:defRPr>
+            </a:lvl8pPr>
+            <a:lvl9pPr marL="1728216" indent="-173736" algn="l" defTabSz="914400" rtl="0" eaLnBrk="1" latinLnBrk="0" hangingPunct="1">
+              <a:spcBef>
+                <a:spcPts val="600"/>
+              </a:spcBef>
+              <a:buClr>
+                <a:schemeClr val="accent1"/>
+              </a:buClr>
+              <a:buFont typeface="Arial" pitchFamily="34" charset="0"/>
+              <a:buChar char="•"/>
+              <a:defRPr sz="1600" kern="1200">
+                <a:solidFill>
+                  <a:schemeClr val="tx1"/>
+                </a:solidFill>
+                <a:latin typeface="+mn-lt"/>
+                <a:ea typeface="+mn-ea"/>
+                <a:cs typeface="+mn-cs"/>
+              </a:defRPr>
+            </a:lvl9pPr>
+          </a:lstStyle>
+          <a:p>
+            <a:pPr marL="0" indent="0">
+              <a:buNone/>
             </a:pPr>
             <a:r>
-              <a:rPr lang="en-US" sz="2000" dirty="0"/>
-              <a:t> Implementing efficient media codecs , reducing the size of the media streams, minimizing the use of server     resources.</a:t>
-            </a:r>
-          </a:p>
-          <a:p>
-            <a:pPr marL="342900" indent="-342900">
-              <a:buFont typeface="Wingdings" panose="05000000000000000000" pitchFamily="2" charset="2"/>
-              <a:buChar char="q"/>
+              <a:rPr lang="en-US" sz="1900" dirty="0" err="1"/>
+              <a:t>WebRTC</a:t>
+            </a:r>
+            <a:r>
+              <a:rPr lang="en-US" sz="1900" dirty="0"/>
+              <a:t> can be used in a variety to enable real-time communication and collaboration features. Here are some common uses of </a:t>
+            </a:r>
+            <a:r>
+              <a:rPr lang="en-US" sz="1900" dirty="0" err="1"/>
+              <a:t>WebRTC</a:t>
+            </a:r>
+            <a:r>
+              <a:rPr lang="en-US" sz="1900" dirty="0"/>
+              <a:t> :</a:t>
+            </a:r>
+          </a:p>
+          <a:p>
+            <a:pPr marL="514350" indent="-514350">
+              <a:buFont typeface="+mj-lt"/>
+              <a:buAutoNum type="romanUcPeriod"/>
             </a:pPr>
             <a:r>
-              <a:rPr lang="en-US" sz="2000" dirty="0"/>
-              <a:t> Use a signaling server with horizontal scaling</a:t>
-            </a:r>
-          </a:p>
-          <a:p>
-            <a:pPr marL="342900" indent="-342900">
-              <a:buFont typeface="Wingdings" panose="05000000000000000000" pitchFamily="2" charset="2"/>
-              <a:buChar char="q"/>
+              <a:rPr lang="en-US" sz="1900" dirty="0"/>
+              <a:t>Video conferencing:. Users can join a virtual meeting room and communicate with each other in real-time, with support for high-quality audio and video streams.</a:t>
+            </a:r>
+          </a:p>
+          <a:p>
+            <a:pPr marL="514350" indent="-514350">
+              <a:buFont typeface="+mj-lt"/>
+              <a:buAutoNum type="romanUcPeriod"/>
             </a:pPr>
             <a:r>
-              <a:rPr lang="en-US" sz="2000" dirty="0"/>
-              <a:t>Use a media server for media handling</a:t>
-            </a:r>
-          </a:p>
-          <a:p>
-            <a:pPr marL="342900" indent="-342900">
-              <a:buFont typeface="Wingdings" panose="05000000000000000000" pitchFamily="2" charset="2"/>
-              <a:buChar char="q"/>
+              <a:rPr lang="en-US" sz="1900" dirty="0"/>
+              <a:t>Live streaming :Users can broadcast live events, concerts, or webinars, and viewers can join the stream and interact with each other in real-time.</a:t>
+            </a:r>
+          </a:p>
+          <a:p>
+            <a:pPr marL="514350" indent="-514350">
+              <a:buFont typeface="+mj-lt"/>
+              <a:buAutoNum type="romanUcPeriod"/>
             </a:pPr>
             <a:r>
-              <a:rPr lang="en-US" sz="2000" dirty="0"/>
-              <a:t>Optimize media handling</a:t>
-            </a:r>
-          </a:p>
-          <a:p>
-            <a:pPr marL="342900" indent="-342900">
-              <a:buFont typeface="Wingdings" panose="05000000000000000000" pitchFamily="2" charset="2"/>
-              <a:buChar char="q"/>
+              <a:rPr lang="en-US" sz="1900" dirty="0"/>
+              <a:t>Gaming : Users can play multiplayer games with each other in real-time, with support for low latency and high-quality audio and video streams.</a:t>
+            </a:r>
+          </a:p>
+          <a:p>
+            <a:pPr marL="514350" indent="-514350">
+              <a:buFont typeface="+mj-lt"/>
+              <a:buAutoNum type="romanUcPeriod"/>
             </a:pPr>
             <a:r>
-              <a:rPr lang="en-US" sz="2000" dirty="0"/>
-              <a:t>Use a distributed database</a:t>
-            </a:r>
-          </a:p>
-          <a:p>
-            <a:pPr marL="342900" indent="-342900">
-              <a:buFont typeface="Wingdings" panose="05000000000000000000" pitchFamily="2" charset="2"/>
-              <a:buChar char="q"/>
+              <a:rPr lang="en-US" sz="1900" dirty="0"/>
+              <a:t> E-learning : Users can attend virtual classes, seminars, or workshops, and interact with each other and the instructor in real-time.</a:t>
+            </a:r>
+          </a:p>
+          <a:p>
+            <a:pPr marL="514350" indent="-514350">
+              <a:buFont typeface="+mj-lt"/>
+              <a:buAutoNum type="romanUcPeriod"/>
             </a:pPr>
             <a:r>
-              <a:rPr lang="en-US" sz="2000" dirty="0"/>
-              <a:t>Optimize client performance</a:t>
-            </a:r>
+              <a:rPr lang="en-US" sz="1900" dirty="0"/>
+              <a:t>Customer support : Users can join a virtual helpdesk and communicate with customer support agents in real-time, with support for audio, video, and data exchange.</a:t>
+            </a:r>
+          </a:p>
+          <a:p>
+            <a:pPr marL="514350" indent="-514350">
+              <a:buFont typeface="+mj-lt"/>
+              <a:buAutoNum type="romanUcPeriod"/>
+            </a:pPr>
+            <a:r>
+              <a:rPr lang="en-US" sz="1900" dirty="0"/>
+              <a:t>Remote collaboration : Users can collaborate on projects, documents, or code, and communicate with each other in real-time using audio, video, and data exchange.</a:t>
+            </a:r>
+          </a:p>
+          <a:p>
+            <a:pPr marL="0" indent="0">
+              <a:buNone/>
+            </a:pPr>
+            <a:endParaRPr lang="en-US" sz="1900" dirty="0"/>
           </a:p>
         </p:txBody>
       </p:sp>
     </p:spTree>
     <p:extLst>
       <p:ext uri="{BB962C8B-B14F-4D97-AF65-F5344CB8AC3E}">
-        <p14:creationId xmlns:p14="http://schemas.microsoft.com/office/powerpoint/2010/main" val="2765137111"/>
+        <p14:creationId xmlns:p14="http://schemas.microsoft.com/office/powerpoint/2010/main" val="2775051601"/>
       </p:ext>
     </p:extLst>
   </p:cSld>
@@ -8934,42 +9370,15 @@
       <p:sp>
         <p:nvSpPr>
           <p:cNvPr id="2" name="Title 1"/>
-          <p:cNvSpPr>
-            <a:spLocks noGrp="1"/>
-          </p:cNvSpPr>
-          <p:nvPr>
-            <p:ph type="title"/>
-          </p:nvPr>
+          <p:cNvSpPr txBox="1">
+            <a:spLocks/>
+          </p:cNvSpPr>
+          <p:nvPr/>
         </p:nvSpPr>
         <p:spPr>
           <a:xfrm>
-            <a:off x="912813" y="381000"/>
-            <a:ext cx="9753602" cy="838200"/>
-          </a:xfrm>
-        </p:spPr>
-        <p:txBody>
-          <a:bodyPr/>
-          <a:lstStyle/>
-          <a:p>
-            <a:r>
-              <a:rPr lang="en-US" dirty="0"/>
-              <a:t>Uses of Web RTC</a:t>
-            </a:r>
-          </a:p>
-        </p:txBody>
-      </p:sp>
-      <p:sp>
-        <p:nvSpPr>
-          <p:cNvPr id="3" name="Text Placeholder 3"/>
-          <p:cNvSpPr txBox="1">
-            <a:spLocks/>
-          </p:cNvSpPr>
-          <p:nvPr/>
-        </p:nvSpPr>
-        <p:spPr>
-          <a:xfrm>
-            <a:off x="760412" y="1828800"/>
-            <a:ext cx="10820399" cy="3886200"/>
+            <a:off x="912813" y="533400"/>
+            <a:ext cx="9753602" cy="1219200"/>
           </a:xfrm>
           <a:prstGeom prst="rect">
             <a:avLst/>
@@ -8978,704 +9387,37 @@
         <p:txBody>
           <a:bodyPr/>
           <a:lstStyle>
-            <a:lvl1pPr marL="223838" indent="-223838" algn="l" defTabSz="914400" rtl="0" eaLnBrk="1" latinLnBrk="0" hangingPunct="1">
+            <a:lvl1pPr algn="l" defTabSz="914400" rtl="0" eaLnBrk="1" latinLnBrk="0" hangingPunct="1">
               <a:lnSpc>
                 <a:spcPct val="90000"/>
               </a:lnSpc>
               <a:spcBef>
-                <a:spcPts val="1800"/>
+                <a:spcPct val="0"/>
               </a:spcBef>
-              <a:buClr>
-                <a:schemeClr val="accent1"/>
-              </a:buClr>
-              <a:buSzPct val="100000"/>
-              <a:buFont typeface="Arial" pitchFamily="34" charset="0"/>
-              <a:buChar char="•"/>
-              <a:defRPr sz="2400" kern="1200">
+              <a:buNone/>
+              <a:defRPr sz="3600" kern="1200" spc="100" baseline="0">
                 <a:solidFill>
                   <a:schemeClr val="tx1"/>
                 </a:solidFill>
-                <a:latin typeface="+mn-lt"/>
-                <a:ea typeface="+mn-ea"/>
-                <a:cs typeface="+mn-cs"/>
+                <a:latin typeface="+mj-lt"/>
+                <a:ea typeface="+mj-ea"/>
+                <a:cs typeface="+mj-cs"/>
               </a:defRPr>
             </a:lvl1pPr>
-            <a:lvl2pPr marL="463550" indent="-231775" algn="l" defTabSz="914400" rtl="0" eaLnBrk="1" latinLnBrk="0" hangingPunct="1">
-              <a:lnSpc>
-                <a:spcPct val="90000"/>
-              </a:lnSpc>
-              <a:spcBef>
-                <a:spcPts val="1200"/>
-              </a:spcBef>
-              <a:buClr>
-                <a:schemeClr val="accent1"/>
-              </a:buClr>
-              <a:buSzPct val="100000"/>
-              <a:buFont typeface="Arial" pitchFamily="34" charset="0"/>
-              <a:buChar char="•"/>
-              <a:defRPr sz="2000" kern="1200">
-                <a:solidFill>
-                  <a:schemeClr val="tx1"/>
-                </a:solidFill>
-                <a:latin typeface="+mn-lt"/>
-                <a:ea typeface="+mn-ea"/>
-                <a:cs typeface="+mn-cs"/>
-              </a:defRPr>
-            </a:lvl2pPr>
-            <a:lvl3pPr marL="682625" indent="-219075" algn="l" defTabSz="914400" rtl="0" eaLnBrk="1" latinLnBrk="0" hangingPunct="1">
-              <a:lnSpc>
-                <a:spcPct val="90000"/>
-              </a:lnSpc>
-              <a:spcBef>
-                <a:spcPts val="600"/>
-              </a:spcBef>
-              <a:buClr>
-                <a:schemeClr val="accent1"/>
-              </a:buClr>
-              <a:buSzPct val="100000"/>
-              <a:buFont typeface="Arial" pitchFamily="34" charset="0"/>
-              <a:buChar char="•"/>
-              <a:defRPr sz="1800" kern="1200">
-                <a:solidFill>
-                  <a:schemeClr val="tx1"/>
-                </a:solidFill>
-                <a:latin typeface="+mn-lt"/>
-                <a:ea typeface="+mn-ea"/>
-                <a:cs typeface="+mn-cs"/>
-              </a:defRPr>
-            </a:lvl3pPr>
-            <a:lvl4pPr marL="857250" indent="-174625" algn="l" defTabSz="914400" rtl="0" eaLnBrk="1" latinLnBrk="0" hangingPunct="1">
-              <a:lnSpc>
-                <a:spcPct val="90000"/>
-              </a:lnSpc>
-              <a:spcBef>
-                <a:spcPts val="600"/>
-              </a:spcBef>
-              <a:buClr>
-                <a:schemeClr val="accent1"/>
-              </a:buClr>
-              <a:buSzPct val="100000"/>
-              <a:buFont typeface="Arial" pitchFamily="34" charset="0"/>
-              <a:buChar char="•"/>
-              <a:defRPr sz="1600" kern="1200">
-                <a:solidFill>
-                  <a:schemeClr val="tx1"/>
-                </a:solidFill>
-                <a:latin typeface="+mn-lt"/>
-                <a:ea typeface="+mn-ea"/>
-                <a:cs typeface="+mn-cs"/>
-              </a:defRPr>
-            </a:lvl4pPr>
-            <a:lvl5pPr marL="1030288" indent="-173038" algn="l" defTabSz="914400" rtl="0" eaLnBrk="1" latinLnBrk="0" hangingPunct="1">
-              <a:lnSpc>
-                <a:spcPct val="90000"/>
-              </a:lnSpc>
-              <a:spcBef>
-                <a:spcPts val="600"/>
-              </a:spcBef>
-              <a:buClr>
-                <a:schemeClr val="accent1"/>
-              </a:buClr>
-              <a:buSzPct val="100000"/>
-              <a:buFont typeface="Arial" pitchFamily="34" charset="0"/>
-              <a:buChar char="•"/>
-              <a:defRPr sz="1600" kern="1200">
-                <a:solidFill>
-                  <a:schemeClr val="tx1"/>
-                </a:solidFill>
-                <a:latin typeface="+mn-lt"/>
-                <a:ea typeface="+mn-ea"/>
-                <a:cs typeface="+mn-cs"/>
-              </a:defRPr>
-            </a:lvl5pPr>
-            <a:lvl6pPr marL="1207008" indent="-173736" algn="l" defTabSz="914400" rtl="0" eaLnBrk="1" latinLnBrk="0" hangingPunct="1">
-              <a:spcBef>
-                <a:spcPts val="600"/>
-              </a:spcBef>
-              <a:buClr>
-                <a:schemeClr val="accent1"/>
-              </a:buClr>
-              <a:buFont typeface="Arial" pitchFamily="34" charset="0"/>
-              <a:buChar char="•"/>
-              <a:defRPr sz="1600" kern="1200">
-                <a:solidFill>
-                  <a:schemeClr val="tx1"/>
-                </a:solidFill>
-                <a:latin typeface="+mn-lt"/>
-                <a:ea typeface="+mn-ea"/>
-                <a:cs typeface="+mn-cs"/>
-              </a:defRPr>
-            </a:lvl6pPr>
-            <a:lvl7pPr marL="1380744" indent="-173736" algn="l" defTabSz="914400" rtl="0" eaLnBrk="1" latinLnBrk="0" hangingPunct="1">
-              <a:spcBef>
-                <a:spcPts val="600"/>
-              </a:spcBef>
-              <a:buClr>
-                <a:schemeClr val="accent1"/>
-              </a:buClr>
-              <a:buFont typeface="Arial" pitchFamily="34" charset="0"/>
-              <a:buChar char="•"/>
-              <a:defRPr sz="1600" kern="1200">
-                <a:solidFill>
-                  <a:schemeClr val="tx1"/>
-                </a:solidFill>
-                <a:latin typeface="+mn-lt"/>
-                <a:ea typeface="+mn-ea"/>
-                <a:cs typeface="+mn-cs"/>
-              </a:defRPr>
-            </a:lvl7pPr>
-            <a:lvl8pPr marL="1554480" indent="-173736" algn="l" defTabSz="914400" rtl="0" eaLnBrk="1" latinLnBrk="0" hangingPunct="1">
-              <a:spcBef>
-                <a:spcPts val="600"/>
-              </a:spcBef>
-              <a:buClr>
-                <a:schemeClr val="accent1"/>
-              </a:buClr>
-              <a:buFont typeface="Arial" pitchFamily="34" charset="0"/>
-              <a:buChar char="•"/>
-              <a:defRPr sz="1600" kern="1200">
-                <a:solidFill>
-                  <a:schemeClr val="tx1"/>
-                </a:solidFill>
-                <a:latin typeface="+mn-lt"/>
-                <a:ea typeface="+mn-ea"/>
-                <a:cs typeface="+mn-cs"/>
-              </a:defRPr>
-            </a:lvl8pPr>
-            <a:lvl9pPr marL="1728216" indent="-173736" algn="l" defTabSz="914400" rtl="0" eaLnBrk="1" latinLnBrk="0" hangingPunct="1">
-              <a:spcBef>
-                <a:spcPts val="600"/>
-              </a:spcBef>
-              <a:buClr>
-                <a:schemeClr val="accent1"/>
-              </a:buClr>
-              <a:buFont typeface="Arial" pitchFamily="34" charset="0"/>
-              <a:buChar char="•"/>
-              <a:defRPr sz="1600" kern="1200">
-                <a:solidFill>
-                  <a:schemeClr val="tx1"/>
-                </a:solidFill>
-                <a:latin typeface="+mn-lt"/>
-                <a:ea typeface="+mn-ea"/>
-                <a:cs typeface="+mn-cs"/>
-              </a:defRPr>
-            </a:lvl9pPr>
           </a:lstStyle>
           <a:p>
-            <a:pPr marL="0" indent="0">
-              <a:buNone/>
-            </a:pPr>
-            <a:endParaRPr lang="en-US" sz="2000" dirty="0"/>
-          </a:p>
-        </p:txBody>
-      </p:sp>
-      <p:sp>
-        <p:nvSpPr>
-          <p:cNvPr id="4" name="Text Placeholder 3"/>
-          <p:cNvSpPr txBox="1">
-            <a:spLocks/>
-          </p:cNvSpPr>
-          <p:nvPr/>
-        </p:nvSpPr>
-        <p:spPr>
-          <a:xfrm>
-            <a:off x="760412" y="1524000"/>
-            <a:ext cx="10820399" cy="4495800"/>
-          </a:xfrm>
-          <a:prstGeom prst="rect">
-            <a:avLst/>
-          </a:prstGeom>
-        </p:spPr>
-        <p:txBody>
-          <a:bodyPr/>
-          <a:lstStyle>
-            <a:lvl1pPr marL="223838" indent="-223838" algn="l" defTabSz="914400" rtl="0" eaLnBrk="1" latinLnBrk="0" hangingPunct="1">
-              <a:lnSpc>
-                <a:spcPct val="90000"/>
-              </a:lnSpc>
-              <a:spcBef>
-                <a:spcPts val="1800"/>
-              </a:spcBef>
-              <a:buClr>
-                <a:schemeClr val="accent1"/>
-              </a:buClr>
-              <a:buSzPct val="100000"/>
-              <a:buFont typeface="Arial" pitchFamily="34" charset="0"/>
-              <a:buChar char="•"/>
-              <a:defRPr sz="2400" kern="1200">
-                <a:solidFill>
-                  <a:schemeClr val="tx1"/>
-                </a:solidFill>
-                <a:latin typeface="+mn-lt"/>
-                <a:ea typeface="+mn-ea"/>
-                <a:cs typeface="+mn-cs"/>
-              </a:defRPr>
-            </a:lvl1pPr>
-            <a:lvl2pPr marL="463550" indent="-231775" algn="l" defTabSz="914400" rtl="0" eaLnBrk="1" latinLnBrk="0" hangingPunct="1">
-              <a:lnSpc>
-                <a:spcPct val="90000"/>
-              </a:lnSpc>
-              <a:spcBef>
-                <a:spcPts val="1200"/>
-              </a:spcBef>
-              <a:buClr>
-                <a:schemeClr val="accent1"/>
-              </a:buClr>
-              <a:buSzPct val="100000"/>
-              <a:buFont typeface="Arial" pitchFamily="34" charset="0"/>
-              <a:buChar char="•"/>
-              <a:defRPr sz="2000" kern="1200">
-                <a:solidFill>
-                  <a:schemeClr val="tx1"/>
-                </a:solidFill>
-                <a:latin typeface="+mn-lt"/>
-                <a:ea typeface="+mn-ea"/>
-                <a:cs typeface="+mn-cs"/>
-              </a:defRPr>
-            </a:lvl2pPr>
-            <a:lvl3pPr marL="682625" indent="-219075" algn="l" defTabSz="914400" rtl="0" eaLnBrk="1" latinLnBrk="0" hangingPunct="1">
-              <a:lnSpc>
-                <a:spcPct val="90000"/>
-              </a:lnSpc>
-              <a:spcBef>
-                <a:spcPts val="600"/>
-              </a:spcBef>
-              <a:buClr>
-                <a:schemeClr val="accent1"/>
-              </a:buClr>
-              <a:buSzPct val="100000"/>
-              <a:buFont typeface="Arial" pitchFamily="34" charset="0"/>
-              <a:buChar char="•"/>
-              <a:defRPr sz="1800" kern="1200">
-                <a:solidFill>
-                  <a:schemeClr val="tx1"/>
-                </a:solidFill>
-                <a:latin typeface="+mn-lt"/>
-                <a:ea typeface="+mn-ea"/>
-                <a:cs typeface="+mn-cs"/>
-              </a:defRPr>
-            </a:lvl3pPr>
-            <a:lvl4pPr marL="857250" indent="-174625" algn="l" defTabSz="914400" rtl="0" eaLnBrk="1" latinLnBrk="0" hangingPunct="1">
-              <a:lnSpc>
-                <a:spcPct val="90000"/>
-              </a:lnSpc>
-              <a:spcBef>
-                <a:spcPts val="600"/>
-              </a:spcBef>
-              <a:buClr>
-                <a:schemeClr val="accent1"/>
-              </a:buClr>
-              <a:buSzPct val="100000"/>
-              <a:buFont typeface="Arial" pitchFamily="34" charset="0"/>
-              <a:buChar char="•"/>
-              <a:defRPr sz="1600" kern="1200">
-                <a:solidFill>
-                  <a:schemeClr val="tx1"/>
-                </a:solidFill>
-                <a:latin typeface="+mn-lt"/>
-                <a:ea typeface="+mn-ea"/>
-                <a:cs typeface="+mn-cs"/>
-              </a:defRPr>
-            </a:lvl4pPr>
-            <a:lvl5pPr marL="1030288" indent="-173038" algn="l" defTabSz="914400" rtl="0" eaLnBrk="1" latinLnBrk="0" hangingPunct="1">
-              <a:lnSpc>
-                <a:spcPct val="90000"/>
-              </a:lnSpc>
-              <a:spcBef>
-                <a:spcPts val="600"/>
-              </a:spcBef>
-              <a:buClr>
-                <a:schemeClr val="accent1"/>
-              </a:buClr>
-              <a:buSzPct val="100000"/>
-              <a:buFont typeface="Arial" pitchFamily="34" charset="0"/>
-              <a:buChar char="•"/>
-              <a:defRPr sz="1600" kern="1200">
-                <a:solidFill>
-                  <a:schemeClr val="tx1"/>
-                </a:solidFill>
-                <a:latin typeface="+mn-lt"/>
-                <a:ea typeface="+mn-ea"/>
-                <a:cs typeface="+mn-cs"/>
-              </a:defRPr>
-            </a:lvl5pPr>
-            <a:lvl6pPr marL="1207008" indent="-173736" algn="l" defTabSz="914400" rtl="0" eaLnBrk="1" latinLnBrk="0" hangingPunct="1">
-              <a:spcBef>
-                <a:spcPts val="600"/>
-              </a:spcBef>
-              <a:buClr>
-                <a:schemeClr val="accent1"/>
-              </a:buClr>
-              <a:buFont typeface="Arial" pitchFamily="34" charset="0"/>
-              <a:buChar char="•"/>
-              <a:defRPr sz="1600" kern="1200">
-                <a:solidFill>
-                  <a:schemeClr val="tx1"/>
-                </a:solidFill>
-                <a:latin typeface="+mn-lt"/>
-                <a:ea typeface="+mn-ea"/>
-                <a:cs typeface="+mn-cs"/>
-              </a:defRPr>
-            </a:lvl6pPr>
-            <a:lvl7pPr marL="1380744" indent="-173736" algn="l" defTabSz="914400" rtl="0" eaLnBrk="1" latinLnBrk="0" hangingPunct="1">
-              <a:spcBef>
-                <a:spcPts val="600"/>
-              </a:spcBef>
-              <a:buClr>
-                <a:schemeClr val="accent1"/>
-              </a:buClr>
-              <a:buFont typeface="Arial" pitchFamily="34" charset="0"/>
-              <a:buChar char="•"/>
-              <a:defRPr sz="1600" kern="1200">
-                <a:solidFill>
-                  <a:schemeClr val="tx1"/>
-                </a:solidFill>
-                <a:latin typeface="+mn-lt"/>
-                <a:ea typeface="+mn-ea"/>
-                <a:cs typeface="+mn-cs"/>
-              </a:defRPr>
-            </a:lvl7pPr>
-            <a:lvl8pPr marL="1554480" indent="-173736" algn="l" defTabSz="914400" rtl="0" eaLnBrk="1" latinLnBrk="0" hangingPunct="1">
-              <a:spcBef>
-                <a:spcPts val="600"/>
-              </a:spcBef>
-              <a:buClr>
-                <a:schemeClr val="accent1"/>
-              </a:buClr>
-              <a:buFont typeface="Arial" pitchFamily="34" charset="0"/>
-              <a:buChar char="•"/>
-              <a:defRPr sz="1600" kern="1200">
-                <a:solidFill>
-                  <a:schemeClr val="tx1"/>
-                </a:solidFill>
-                <a:latin typeface="+mn-lt"/>
-                <a:ea typeface="+mn-ea"/>
-                <a:cs typeface="+mn-cs"/>
-              </a:defRPr>
-            </a:lvl8pPr>
-            <a:lvl9pPr marL="1728216" indent="-173736" algn="l" defTabSz="914400" rtl="0" eaLnBrk="1" latinLnBrk="0" hangingPunct="1">
-              <a:spcBef>
-                <a:spcPts val="600"/>
-              </a:spcBef>
-              <a:buClr>
-                <a:schemeClr val="accent1"/>
-              </a:buClr>
-              <a:buFont typeface="Arial" pitchFamily="34" charset="0"/>
-              <a:buChar char="•"/>
-              <a:defRPr sz="1600" kern="1200">
-                <a:solidFill>
-                  <a:schemeClr val="tx1"/>
-                </a:solidFill>
-                <a:latin typeface="+mn-lt"/>
-                <a:ea typeface="+mn-ea"/>
-                <a:cs typeface="+mn-cs"/>
-              </a:defRPr>
-            </a:lvl9pPr>
-          </a:lstStyle>
-          <a:p>
-            <a:pPr marL="0" indent="0">
-              <a:buNone/>
-            </a:pPr>
-            <a:endParaRPr lang="en-US" sz="1900" dirty="0"/>
-          </a:p>
-        </p:txBody>
-      </p:sp>
-      <p:sp>
-        <p:nvSpPr>
-          <p:cNvPr id="6" name="Text Placeholder 3"/>
-          <p:cNvSpPr txBox="1">
-            <a:spLocks/>
-          </p:cNvSpPr>
-          <p:nvPr/>
-        </p:nvSpPr>
-        <p:spPr>
-          <a:xfrm>
-            <a:off x="912812" y="1295400"/>
-            <a:ext cx="10820399" cy="4876800"/>
-          </a:xfrm>
-          <a:prstGeom prst="rect">
-            <a:avLst/>
-          </a:prstGeom>
-        </p:spPr>
-        <p:txBody>
-          <a:bodyPr/>
-          <a:lstStyle>
-            <a:lvl1pPr marL="223838" indent="-223838" algn="l" defTabSz="914400" rtl="0" eaLnBrk="1" latinLnBrk="0" hangingPunct="1">
-              <a:lnSpc>
-                <a:spcPct val="90000"/>
-              </a:lnSpc>
-              <a:spcBef>
-                <a:spcPts val="1800"/>
-              </a:spcBef>
-              <a:buClr>
-                <a:schemeClr val="accent1"/>
-              </a:buClr>
-              <a:buSzPct val="100000"/>
-              <a:buFont typeface="Arial" pitchFamily="34" charset="0"/>
-              <a:buChar char="•"/>
-              <a:defRPr sz="2400" kern="1200">
-                <a:solidFill>
-                  <a:schemeClr val="tx1"/>
-                </a:solidFill>
-                <a:latin typeface="+mn-lt"/>
-                <a:ea typeface="+mn-ea"/>
-                <a:cs typeface="+mn-cs"/>
-              </a:defRPr>
-            </a:lvl1pPr>
-            <a:lvl2pPr marL="463550" indent="-231775" algn="l" defTabSz="914400" rtl="0" eaLnBrk="1" latinLnBrk="0" hangingPunct="1">
-              <a:lnSpc>
-                <a:spcPct val="90000"/>
-              </a:lnSpc>
-              <a:spcBef>
-                <a:spcPts val="1200"/>
-              </a:spcBef>
-              <a:buClr>
-                <a:schemeClr val="accent1"/>
-              </a:buClr>
-              <a:buSzPct val="100000"/>
-              <a:buFont typeface="Arial" pitchFamily="34" charset="0"/>
-              <a:buChar char="•"/>
-              <a:defRPr sz="2000" kern="1200">
-                <a:solidFill>
-                  <a:schemeClr val="tx1"/>
-                </a:solidFill>
-                <a:latin typeface="+mn-lt"/>
-                <a:ea typeface="+mn-ea"/>
-                <a:cs typeface="+mn-cs"/>
-              </a:defRPr>
-            </a:lvl2pPr>
-            <a:lvl3pPr marL="682625" indent="-219075" algn="l" defTabSz="914400" rtl="0" eaLnBrk="1" latinLnBrk="0" hangingPunct="1">
-              <a:lnSpc>
-                <a:spcPct val="90000"/>
-              </a:lnSpc>
-              <a:spcBef>
-                <a:spcPts val="600"/>
-              </a:spcBef>
-              <a:buClr>
-                <a:schemeClr val="accent1"/>
-              </a:buClr>
-              <a:buSzPct val="100000"/>
-              <a:buFont typeface="Arial" pitchFamily="34" charset="0"/>
-              <a:buChar char="•"/>
-              <a:defRPr sz="1800" kern="1200">
-                <a:solidFill>
-                  <a:schemeClr val="tx1"/>
-                </a:solidFill>
-                <a:latin typeface="+mn-lt"/>
-                <a:ea typeface="+mn-ea"/>
-                <a:cs typeface="+mn-cs"/>
-              </a:defRPr>
-            </a:lvl3pPr>
-            <a:lvl4pPr marL="857250" indent="-174625" algn="l" defTabSz="914400" rtl="0" eaLnBrk="1" latinLnBrk="0" hangingPunct="1">
-              <a:lnSpc>
-                <a:spcPct val="90000"/>
-              </a:lnSpc>
-              <a:spcBef>
-                <a:spcPts val="600"/>
-              </a:spcBef>
-              <a:buClr>
-                <a:schemeClr val="accent1"/>
-              </a:buClr>
-              <a:buSzPct val="100000"/>
-              <a:buFont typeface="Arial" pitchFamily="34" charset="0"/>
-              <a:buChar char="•"/>
-              <a:defRPr sz="1600" kern="1200">
-                <a:solidFill>
-                  <a:schemeClr val="tx1"/>
-                </a:solidFill>
-                <a:latin typeface="+mn-lt"/>
-                <a:ea typeface="+mn-ea"/>
-                <a:cs typeface="+mn-cs"/>
-              </a:defRPr>
-            </a:lvl4pPr>
-            <a:lvl5pPr marL="1030288" indent="-173038" algn="l" defTabSz="914400" rtl="0" eaLnBrk="1" latinLnBrk="0" hangingPunct="1">
-              <a:lnSpc>
-                <a:spcPct val="90000"/>
-              </a:lnSpc>
-              <a:spcBef>
-                <a:spcPts val="600"/>
-              </a:spcBef>
-              <a:buClr>
-                <a:schemeClr val="accent1"/>
-              </a:buClr>
-              <a:buSzPct val="100000"/>
-              <a:buFont typeface="Arial" pitchFamily="34" charset="0"/>
-              <a:buChar char="•"/>
-              <a:defRPr sz="1600" kern="1200">
-                <a:solidFill>
-                  <a:schemeClr val="tx1"/>
-                </a:solidFill>
-                <a:latin typeface="+mn-lt"/>
-                <a:ea typeface="+mn-ea"/>
-                <a:cs typeface="+mn-cs"/>
-              </a:defRPr>
-            </a:lvl5pPr>
-            <a:lvl6pPr marL="1207008" indent="-173736" algn="l" defTabSz="914400" rtl="0" eaLnBrk="1" latinLnBrk="0" hangingPunct="1">
-              <a:spcBef>
-                <a:spcPts val="600"/>
-              </a:spcBef>
-              <a:buClr>
-                <a:schemeClr val="accent1"/>
-              </a:buClr>
-              <a:buFont typeface="Arial" pitchFamily="34" charset="0"/>
-              <a:buChar char="•"/>
-              <a:defRPr sz="1600" kern="1200">
-                <a:solidFill>
-                  <a:schemeClr val="tx1"/>
-                </a:solidFill>
-                <a:latin typeface="+mn-lt"/>
-                <a:ea typeface="+mn-ea"/>
-                <a:cs typeface="+mn-cs"/>
-              </a:defRPr>
-            </a:lvl6pPr>
-            <a:lvl7pPr marL="1380744" indent="-173736" algn="l" defTabSz="914400" rtl="0" eaLnBrk="1" latinLnBrk="0" hangingPunct="1">
-              <a:spcBef>
-                <a:spcPts val="600"/>
-              </a:spcBef>
-              <a:buClr>
-                <a:schemeClr val="accent1"/>
-              </a:buClr>
-              <a:buFont typeface="Arial" pitchFamily="34" charset="0"/>
-              <a:buChar char="•"/>
-              <a:defRPr sz="1600" kern="1200">
-                <a:solidFill>
-                  <a:schemeClr val="tx1"/>
-                </a:solidFill>
-                <a:latin typeface="+mn-lt"/>
-                <a:ea typeface="+mn-ea"/>
-                <a:cs typeface="+mn-cs"/>
-              </a:defRPr>
-            </a:lvl7pPr>
-            <a:lvl8pPr marL="1554480" indent="-173736" algn="l" defTabSz="914400" rtl="0" eaLnBrk="1" latinLnBrk="0" hangingPunct="1">
-              <a:spcBef>
-                <a:spcPts val="600"/>
-              </a:spcBef>
-              <a:buClr>
-                <a:schemeClr val="accent1"/>
-              </a:buClr>
-              <a:buFont typeface="Arial" pitchFamily="34" charset="0"/>
-              <a:buChar char="•"/>
-              <a:defRPr sz="1600" kern="1200">
-                <a:solidFill>
-                  <a:schemeClr val="tx1"/>
-                </a:solidFill>
-                <a:latin typeface="+mn-lt"/>
-                <a:ea typeface="+mn-ea"/>
-                <a:cs typeface="+mn-cs"/>
-              </a:defRPr>
-            </a:lvl8pPr>
-            <a:lvl9pPr marL="1728216" indent="-173736" algn="l" defTabSz="914400" rtl="0" eaLnBrk="1" latinLnBrk="0" hangingPunct="1">
-              <a:spcBef>
-                <a:spcPts val="600"/>
-              </a:spcBef>
-              <a:buClr>
-                <a:schemeClr val="accent1"/>
-              </a:buClr>
-              <a:buFont typeface="Arial" pitchFamily="34" charset="0"/>
-              <a:buChar char="•"/>
-              <a:defRPr sz="1600" kern="1200">
-                <a:solidFill>
-                  <a:schemeClr val="tx1"/>
-                </a:solidFill>
-                <a:latin typeface="+mn-lt"/>
-                <a:ea typeface="+mn-ea"/>
-                <a:cs typeface="+mn-cs"/>
-              </a:defRPr>
-            </a:lvl9pPr>
-          </a:lstStyle>
-          <a:p>
-            <a:pPr marL="0" indent="0">
-              <a:buNone/>
-            </a:pPr>
-            <a:r>
-              <a:rPr lang="en-US" sz="1900" dirty="0" err="1"/>
-              <a:t>WebRTC</a:t>
-            </a:r>
-            <a:r>
-              <a:rPr lang="en-US" sz="1900" dirty="0"/>
-              <a:t> can be used in a variety to enable real-time communication and collaboration features. Here are some common uses of </a:t>
-            </a:r>
-            <a:r>
-              <a:rPr lang="en-US" sz="1900" dirty="0" err="1"/>
-              <a:t>WebRTC</a:t>
-            </a:r>
-            <a:r>
-              <a:rPr lang="en-US" sz="1900" dirty="0"/>
-              <a:t> :</a:t>
-            </a:r>
-          </a:p>
-          <a:p>
-            <a:pPr marL="514350" indent="-514350">
-              <a:buFont typeface="+mj-lt"/>
-              <a:buAutoNum type="romanUcPeriod"/>
-            </a:pPr>
-            <a:r>
-              <a:rPr lang="en-US" sz="1900" dirty="0"/>
-              <a:t>Video conferencing:. Users can join a virtual meeting room and communicate with each other in real-time, with support for high-quality audio and video streams.</a:t>
-            </a:r>
-          </a:p>
-          <a:p>
-            <a:pPr marL="514350" indent="-514350">
-              <a:buFont typeface="+mj-lt"/>
-              <a:buAutoNum type="romanUcPeriod"/>
-            </a:pPr>
-            <a:r>
-              <a:rPr lang="en-US" sz="1900" dirty="0"/>
-              <a:t>Live streaming :Users can broadcast live events, concerts, or webinars, and viewers can join the stream and interact with each other in real-time.</a:t>
-            </a:r>
-          </a:p>
-          <a:p>
-            <a:pPr marL="514350" indent="-514350">
-              <a:buFont typeface="+mj-lt"/>
-              <a:buAutoNum type="romanUcPeriod"/>
-            </a:pPr>
-            <a:r>
-              <a:rPr lang="en-US" sz="1900" dirty="0"/>
-              <a:t>Gaming : Users can play multiplayer games with each other in real-time, with support for low latency and high-quality audio and video streams.</a:t>
-            </a:r>
-          </a:p>
-          <a:p>
-            <a:pPr marL="514350" indent="-514350">
-              <a:buFont typeface="+mj-lt"/>
-              <a:buAutoNum type="romanUcPeriod"/>
-            </a:pPr>
-            <a:r>
-              <a:rPr lang="en-US" sz="1900" dirty="0"/>
-              <a:t> E-learning : Users can attend virtual classes, seminars, or workshops, and interact with each other and the instructor in real-time.</a:t>
-            </a:r>
-          </a:p>
-          <a:p>
-            <a:pPr marL="514350" indent="-514350">
-              <a:buFont typeface="+mj-lt"/>
-              <a:buAutoNum type="romanUcPeriod"/>
-            </a:pPr>
-            <a:r>
-              <a:rPr lang="en-US" sz="1900" dirty="0"/>
-              <a:t>Customer support : Users can join a virtual helpdesk and communicate with customer support agents in real-time, with support for audio, video, and data exchange.</a:t>
-            </a:r>
-          </a:p>
-          <a:p>
-            <a:pPr marL="514350" indent="-514350">
-              <a:buFont typeface="+mj-lt"/>
-              <a:buAutoNum type="romanUcPeriod"/>
-            </a:pPr>
-            <a:r>
-              <a:rPr lang="en-US" sz="1900" dirty="0"/>
-              <a:t>Remote collaboration : Users can collaborate on projects, documents, or code, and communicate with each other in real-time using audio, video, and data exchange.</a:t>
-            </a:r>
-          </a:p>
-          <a:p>
-            <a:pPr marL="0" indent="0">
-              <a:buNone/>
-            </a:pPr>
-            <a:endParaRPr lang="en-US" sz="1900" dirty="0"/>
+            <a:pPr marL="45720"/>
+            <a:r>
+              <a:rPr lang="en-US" dirty="0"/>
+              <a:t>Advantages and disadvantages of  Web RTC</a:t>
+            </a:r>
           </a:p>
         </p:txBody>
       </p:sp>
     </p:spTree>
     <p:extLst>
       <p:ext uri="{BB962C8B-B14F-4D97-AF65-F5344CB8AC3E}">
-        <p14:creationId xmlns:p14="http://schemas.microsoft.com/office/powerpoint/2010/main" val="2775051601"/>
+        <p14:creationId xmlns:p14="http://schemas.microsoft.com/office/powerpoint/2010/main" val="1735722345"/>
       </p:ext>
     </p:extLst>
   </p:cSld>
@@ -9717,46 +9459,26 @@
       <p:sp>
         <p:nvSpPr>
           <p:cNvPr id="2" name="Title 1"/>
-          <p:cNvSpPr txBox="1">
-            <a:spLocks/>
-          </p:cNvSpPr>
-          <p:nvPr/>
+          <p:cNvSpPr>
+            <a:spLocks noGrp="1"/>
+          </p:cNvSpPr>
+          <p:nvPr>
+            <p:ph type="title"/>
+          </p:nvPr>
         </p:nvSpPr>
         <p:spPr>
           <a:xfrm>
-            <a:off x="912813" y="533400"/>
-            <a:ext cx="9753602" cy="1219200"/>
+            <a:off x="836613" y="381000"/>
+            <a:ext cx="9829802" cy="1066800"/>
           </a:xfrm>
-          <a:prstGeom prst="rect">
-            <a:avLst/>
-          </a:prstGeom>
         </p:spPr>
         <p:txBody>
           <a:bodyPr/>
-          <a:lstStyle>
-            <a:lvl1pPr algn="l" defTabSz="914400" rtl="0" eaLnBrk="1" latinLnBrk="0" hangingPunct="1">
-              <a:lnSpc>
-                <a:spcPct val="90000"/>
-              </a:lnSpc>
-              <a:spcBef>
-                <a:spcPct val="0"/>
-              </a:spcBef>
-              <a:buNone/>
-              <a:defRPr sz="3600" kern="1200" spc="100" baseline="0">
-                <a:solidFill>
-                  <a:schemeClr val="tx1"/>
-                </a:solidFill>
-                <a:latin typeface="+mj-lt"/>
-                <a:ea typeface="+mj-ea"/>
-                <a:cs typeface="+mj-cs"/>
-              </a:defRPr>
-            </a:lvl1pPr>
-          </a:lstStyle>
-          <a:p>
-            <a:pPr marL="45720"/>
+          <a:lstStyle/>
+          <a:p>
             <a:r>
               <a:rPr lang="en-US" dirty="0"/>
-              <a:t>Advantages and disadvantages of  Web RTC</a:t>
+              <a:t>Web RTC alternatives</a:t>
             </a:r>
           </a:p>
         </p:txBody>
@@ -9764,7 +9486,7 @@
     </p:spTree>
     <p:extLst>
       <p:ext uri="{BB962C8B-B14F-4D97-AF65-F5344CB8AC3E}">
-        <p14:creationId xmlns:p14="http://schemas.microsoft.com/office/powerpoint/2010/main" val="1735722345"/>
+        <p14:creationId xmlns:p14="http://schemas.microsoft.com/office/powerpoint/2010/main" val="164322057"/>
       </p:ext>
     </p:extLst>
   </p:cSld>
@@ -9805,7 +9527,7 @@
       </p:grpSpPr>
       <p:sp>
         <p:nvSpPr>
-          <p:cNvPr id="2" name="Title 1"/>
+          <p:cNvPr id="3" name="Title 2"/>
           <p:cNvSpPr>
             <a:spLocks noGrp="1"/>
           </p:cNvSpPr>
@@ -9815,17 +9537,19 @@
         </p:nvSpPr>
         <p:spPr>
           <a:xfrm>
-            <a:off x="836613" y="381000"/>
-            <a:ext cx="9829802" cy="1066800"/>
+            <a:off x="3035217" y="2133600"/>
+            <a:ext cx="4735595" cy="1219200"/>
           </a:xfrm>
         </p:spPr>
         <p:txBody>
-          <a:bodyPr/>
+          <a:bodyPr>
+            <a:normAutofit/>
+          </a:bodyPr>
           <a:lstStyle/>
           <a:p>
             <a:r>
-              <a:rPr lang="en-US" dirty="0"/>
-              <a:t>Web RTC alternatives</a:t>
+              <a:rPr lang="en-US" sz="5400" dirty="0"/>
+              <a:t>Conclusion</a:t>
             </a:r>
           </a:p>
         </p:txBody>
@@ -9833,7 +9557,7 @@
     </p:spTree>
     <p:extLst>
       <p:ext uri="{BB962C8B-B14F-4D97-AF65-F5344CB8AC3E}">
-        <p14:creationId xmlns:p14="http://schemas.microsoft.com/office/powerpoint/2010/main" val="164322057"/>
+        <p14:creationId xmlns:p14="http://schemas.microsoft.com/office/powerpoint/2010/main" val="1108506989"/>
       </p:ext>
     </p:extLst>
   </p:cSld>
@@ -9960,77 +9684,6 @@
 </p:sld>
 </file>
 
-<file path=ppt/slides/slide20.xml><?xml version="1.0" encoding="utf-8"?>
-<p:sld xmlns:a="http://schemas.openxmlformats.org/drawingml/2006/main" xmlns:r="http://schemas.openxmlformats.org/officeDocument/2006/relationships" xmlns:p="http://schemas.openxmlformats.org/presentationml/2006/main">
-  <p:cSld>
-    <p:spTree>
-      <p:nvGrpSpPr>
-        <p:cNvPr id="1" name=""/>
-        <p:cNvGrpSpPr/>
-        <p:nvPr/>
-      </p:nvGrpSpPr>
-      <p:grpSpPr>
-        <a:xfrm>
-          <a:off x="0" y="0"/>
-          <a:ext cx="0" cy="0"/>
-          <a:chOff x="0" y="0"/>
-          <a:chExt cx="0" cy="0"/>
-        </a:xfrm>
-      </p:grpSpPr>
-      <p:sp>
-        <p:nvSpPr>
-          <p:cNvPr id="3" name="Title 2"/>
-          <p:cNvSpPr>
-            <a:spLocks noGrp="1"/>
-          </p:cNvSpPr>
-          <p:nvPr>
-            <p:ph type="title"/>
-          </p:nvPr>
-        </p:nvSpPr>
-        <p:spPr>
-          <a:xfrm>
-            <a:off x="3035217" y="2133600"/>
-            <a:ext cx="4735595" cy="1219200"/>
-          </a:xfrm>
-        </p:spPr>
-        <p:txBody>
-          <a:bodyPr>
-            <a:normAutofit/>
-          </a:bodyPr>
-          <a:lstStyle/>
-          <a:p>
-            <a:r>
-              <a:rPr lang="en-US" sz="5400" dirty="0"/>
-              <a:t>Conclusion</a:t>
-            </a:r>
-          </a:p>
-        </p:txBody>
-      </p:sp>
-    </p:spTree>
-    <p:extLst>
-      <p:ext uri="{BB962C8B-B14F-4D97-AF65-F5344CB8AC3E}">
-        <p14:creationId xmlns:p14="http://schemas.microsoft.com/office/powerpoint/2010/main" val="1108506989"/>
-      </p:ext>
-    </p:extLst>
-  </p:cSld>
-  <p:clrMapOvr>
-    <a:masterClrMapping/>
-  </p:clrMapOvr>
-  <mc:AlternateContent xmlns:mc="http://schemas.openxmlformats.org/markup-compatibility/2006" xmlns:p14="http://schemas.microsoft.com/office/powerpoint/2010/main">
-    <mc:Choice Requires="p14">
-      <p:transition spd="med" p14:dur="700">
-        <p:fade/>
-      </p:transition>
-    </mc:Choice>
-    <mc:Fallback xmlns="">
-      <p:transition spd="med">
-        <p:fade/>
-      </p:transition>
-    </mc:Fallback>
-  </mc:AlternateContent>
-</p:sld>
-</file>
-
 <file path=ppt/slides/slide3.xml><?xml version="1.0" encoding="utf-8"?>
 <p:sld xmlns:a="http://schemas.openxmlformats.org/drawingml/2006/main" xmlns:r="http://schemas.openxmlformats.org/officeDocument/2006/relationships" xmlns:p="http://schemas.openxmlformats.org/presentationml/2006/main">
   <p:cSld>
@@ -10113,7 +9766,7 @@
             </a:pPr>
             <a:r>
               <a:rPr lang="en-US" dirty="0"/>
-              <a:t>1. Introduction </a:t>
+              <a:t>1. What is web RTC ?</a:t>
             </a:r>
           </a:p>
           <a:p>
@@ -10122,7 +9775,7 @@
             </a:pPr>
             <a:r>
               <a:rPr lang="en-US" dirty="0"/>
-              <a:t>2 . What is web RTC ?</a:t>
+              <a:t>2. WebRTC Architecture</a:t>
             </a:r>
           </a:p>
           <a:p>
@@ -10148,7 +9801,7 @@
             </a:pPr>
             <a:r>
               <a:rPr lang="en-US" dirty="0"/>
-              <a:t>4.WebRTC  APIs</a:t>
+              <a:t>4. WebRTC  APIs</a:t>
             </a:r>
           </a:p>
           <a:p>
@@ -10157,7 +9810,15 @@
             </a:pPr>
             <a:r>
               <a:rPr lang="en-US" dirty="0"/>
-              <a:t>5.GetUserMedia ()</a:t>
+              <a:t>5. </a:t>
+            </a:r>
+            <a:r>
+              <a:rPr lang="en-US" dirty="0" err="1"/>
+              <a:t>GetUserMedia</a:t>
+            </a:r>
+            <a:r>
+              <a:rPr lang="en-US" dirty="0"/>
+              <a:t> ()</a:t>
             </a:r>
           </a:p>
           <a:p>
@@ -10166,7 +9827,15 @@
             </a:pPr>
             <a:r>
               <a:rPr lang="en-US" dirty="0"/>
-              <a:t>6.RTCPeerConnection()</a:t>
+              <a:t>6. </a:t>
+            </a:r>
+            <a:r>
+              <a:rPr lang="en-US" dirty="0" err="1"/>
+              <a:t>RTCPeerConnection</a:t>
+            </a:r>
+            <a:r>
+              <a:rPr lang="en-US" dirty="0"/>
+              <a:t>()</a:t>
             </a:r>
           </a:p>
           <a:p>
@@ -10175,7 +9844,7 @@
             </a:pPr>
             <a:r>
               <a:rPr lang="en-US" dirty="0"/>
-              <a:t>7.RTC </a:t>
+              <a:t>7. RTC </a:t>
             </a:r>
             <a:r>
               <a:rPr lang="en-US" dirty="0" err="1"/>
@@ -10192,7 +9861,7 @@
             </a:pPr>
             <a:r>
               <a:rPr lang="en-US" dirty="0"/>
-              <a:t>8.How Connection is established?</a:t>
+              <a:t>8. How Connection is established?</a:t>
             </a:r>
           </a:p>
           <a:p>
@@ -10425,15 +10094,15 @@
               <a:buNone/>
             </a:pPr>
             <a:r>
-              <a:rPr lang="en-US" dirty="0"/>
+              <a:rPr lang="en-US" sz="1800" dirty="0"/>
               <a:t>9. ICE(</a:t>
             </a:r>
             <a:r>
-              <a:rPr lang="en-US" dirty="0" err="1"/>
+              <a:rPr lang="en-US" sz="1800" dirty="0" err="1"/>
               <a:t>Interective</a:t>
             </a:r>
             <a:r>
-              <a:rPr lang="en-US" dirty="0"/>
+              <a:rPr lang="en-US" sz="1800" dirty="0"/>
               <a:t> Connectivity Establishment)</a:t>
             </a:r>
           </a:p>
@@ -10442,7 +10111,7 @@
               <a:buNone/>
             </a:pPr>
             <a:r>
-              <a:rPr lang="en-US" dirty="0"/>
+              <a:rPr lang="en-US" sz="1800" dirty="0"/>
               <a:t>10.How to scale for millions of users</a:t>
             </a:r>
           </a:p>
@@ -10451,8 +10120,8 @@
               <a:buNone/>
             </a:pPr>
             <a:r>
-              <a:rPr lang="en-US" dirty="0"/>
-              <a:t>11. Uses of WebRTC</a:t>
+              <a:rPr lang="en-US" sz="1800" dirty="0"/>
+              <a:t>11.Uses of WebRTC</a:t>
             </a:r>
           </a:p>
           <a:p>
@@ -10460,8 +10129,8 @@
               <a:buNone/>
             </a:pPr>
             <a:r>
-              <a:rPr lang="en-US" dirty="0"/>
-              <a:t>12. Web RTC alternatives</a:t>
+              <a:rPr lang="en-US" sz="1800" dirty="0"/>
+              <a:t>12.Web RTC alternatives</a:t>
             </a:r>
           </a:p>
           <a:p>
@@ -10469,8 +10138,8 @@
               <a:buNone/>
             </a:pPr>
             <a:r>
-              <a:rPr lang="en-US" dirty="0"/>
-              <a:t>13  . Advantages and disadvantages of  Web RTC</a:t>
+              <a:rPr lang="en-US" sz="1800" dirty="0"/>
+              <a:t>13.Advantages and disadvantages of  Web RTC</a:t>
             </a:r>
           </a:p>
           <a:p>
@@ -10478,8 +10147,8 @@
               <a:buNone/>
             </a:pPr>
             <a:r>
-              <a:rPr lang="en-US" dirty="0"/>
-              <a:t>14. Conclusion</a:t>
+              <a:rPr lang="en-US" sz="1800" dirty="0"/>
+              <a:t>14.Conclusion</a:t>
             </a:r>
           </a:p>
           <a:p>
@@ -10545,26 +10214,25 @@
         </p:nvSpPr>
         <p:spPr>
           <a:xfrm>
-            <a:off x="760412" y="457200"/>
-            <a:ext cx="8844799" cy="1066800"/>
+            <a:off x="760411" y="226423"/>
+            <a:ext cx="9906003" cy="1297577"/>
           </a:xfrm>
         </p:spPr>
         <p:txBody>
-          <a:bodyPr>
-            <a:normAutofit/>
-          </a:bodyPr>
+          <a:bodyPr/>
           <a:lstStyle/>
           <a:p>
+            <a:pPr marL="45720"/>
             <a:r>
               <a:rPr lang="en-US" dirty="0"/>
-              <a:t>Introduction</a:t>
-            </a:r>
-          </a:p>
-        </p:txBody>
-      </p:sp>
-      <p:sp>
-        <p:nvSpPr>
-          <p:cNvPr id="4" name="Title 1"/>
+              <a:t>What is Web RTC </a:t>
+            </a:r>
+          </a:p>
+        </p:txBody>
+      </p:sp>
+      <p:sp>
+        <p:nvSpPr>
+          <p:cNvPr id="3" name="Title 1"/>
           <p:cNvSpPr txBox="1">
             <a:spLocks/>
           </p:cNvSpPr>
@@ -10572,8 +10240,8 @@
         </p:nvSpPr>
         <p:spPr>
           <a:xfrm>
-            <a:off x="760412" y="1828800"/>
-            <a:ext cx="8692399" cy="4419600"/>
+            <a:off x="989013" y="2743200"/>
+            <a:ext cx="9448800" cy="3429000"/>
           </a:xfrm>
           <a:prstGeom prst="rect">
             <a:avLst/>
@@ -10586,13 +10254,13 @@
           <a:lstStyle>
             <a:lvl1pPr algn="l" defTabSz="914400" rtl="0" eaLnBrk="1" latinLnBrk="0" hangingPunct="1">
               <a:lnSpc>
-                <a:spcPct val="80000"/>
+                <a:spcPct val="90000"/>
               </a:lnSpc>
               <a:spcBef>
                 <a:spcPct val="0"/>
               </a:spcBef>
               <a:buNone/>
-              <a:defRPr sz="4800" b="0" kern="1200" cap="none" spc="100" baseline="0">
+              <a:defRPr sz="3600" kern="1200" spc="100" baseline="0">
                 <a:solidFill>
                   <a:schemeClr val="tx1"/>
                 </a:solidFill>
@@ -10603,13 +10271,75 @@
             </a:lvl1pPr>
           </a:lstStyle>
           <a:p>
-            <a:endParaRPr lang="en-US" dirty="0"/>
-          </a:p>
-        </p:txBody>
-      </p:sp>
-      <p:sp>
-        <p:nvSpPr>
-          <p:cNvPr id="5" name="Content Placeholder 2"/>
+            <a:pPr marL="45720"/>
+            <a:endParaRPr lang="en-US" sz="2000" dirty="0"/>
+          </a:p>
+          <a:p>
+            <a:pPr marL="45720"/>
+            <a:endParaRPr lang="en-US" sz="2000" dirty="0"/>
+          </a:p>
+          <a:p>
+            <a:pPr marL="45720"/>
+            <a:endParaRPr lang="en-US" sz="2000" dirty="0"/>
+          </a:p>
+          <a:p>
+            <a:pPr marL="45720"/>
+            <a:endParaRPr lang="en-US" sz="2000" dirty="0"/>
+          </a:p>
+          <a:p>
+            <a:pPr marL="45720"/>
+            <a:endParaRPr lang="en-US" sz="2000" dirty="0"/>
+          </a:p>
+          <a:p>
+            <a:pPr marL="45720"/>
+            <a:endParaRPr lang="en-US" sz="2000" dirty="0"/>
+          </a:p>
+          <a:p>
+            <a:pPr marL="45720"/>
+            <a:endParaRPr lang="en-US" sz="2000" dirty="0"/>
+          </a:p>
+          <a:p>
+            <a:pPr marL="45720"/>
+            <a:endParaRPr lang="en-US" sz="2000" dirty="0"/>
+          </a:p>
+          <a:p>
+            <a:pPr marL="45720"/>
+            <a:endParaRPr lang="en-US" sz="2000" dirty="0"/>
+          </a:p>
+          <a:p>
+            <a:pPr marL="45720"/>
+            <a:endParaRPr lang="en-US" sz="2000" dirty="0"/>
+          </a:p>
+          <a:p>
+            <a:pPr marL="45720"/>
+            <a:endParaRPr lang="en-US" sz="2000" dirty="0"/>
+          </a:p>
+          <a:p>
+            <a:pPr marL="388620" indent="-342900">
+              <a:buFont typeface="Wingdings" panose="05000000000000000000" pitchFamily="2" charset="2"/>
+              <a:buChar char="v"/>
+            </a:pPr>
+            <a:endParaRPr lang="en-US" sz="2000" dirty="0"/>
+          </a:p>
+          <a:p>
+            <a:pPr marL="388620" indent="-342900">
+              <a:buFont typeface="Wingdings" panose="05000000000000000000" pitchFamily="2" charset="2"/>
+              <a:buChar char="v"/>
+            </a:pPr>
+            <a:endParaRPr lang="en-US" sz="2000" dirty="0"/>
+          </a:p>
+          <a:p>
+            <a:pPr marL="388620" indent="-342900">
+              <a:buFont typeface="Wingdings" panose="05000000000000000000" pitchFamily="2" charset="2"/>
+              <a:buChar char="v"/>
+            </a:pPr>
+            <a:endParaRPr lang="en-US" sz="2000" dirty="0"/>
+          </a:p>
+        </p:txBody>
+      </p:sp>
+      <p:sp>
+        <p:nvSpPr>
+          <p:cNvPr id="4" name="Text Placeholder 3"/>
           <p:cNvSpPr txBox="1">
             <a:spLocks/>
           </p:cNvSpPr>
@@ -10617,41 +10347,39 @@
         </p:nvSpPr>
         <p:spPr>
           <a:xfrm>
-            <a:off x="760412" y="1447800"/>
-            <a:ext cx="10515599" cy="4724399"/>
+            <a:off x="760412" y="1828800"/>
+            <a:ext cx="10820399" cy="3886200"/>
           </a:xfrm>
           <a:prstGeom prst="rect">
             <a:avLst/>
           </a:prstGeom>
         </p:spPr>
         <p:txBody>
-          <a:bodyPr vert="horz" lIns="91440" tIns="45720" rIns="91440" bIns="45720" rtlCol="0" anchor="t">
-            <a:normAutofit/>
-          </a:bodyPr>
+          <a:bodyPr/>
           <a:lstStyle>
-            <a:lvl1pPr marL="0" indent="0" algn="l" defTabSz="914400" rtl="0" eaLnBrk="1" latinLnBrk="0" hangingPunct="1">
+            <a:lvl1pPr marL="223838" indent="-223838" algn="l" defTabSz="914400" rtl="0" eaLnBrk="1" latinLnBrk="0" hangingPunct="1">
               <a:lnSpc>
                 <a:spcPct val="90000"/>
               </a:lnSpc>
               <a:spcBef>
-                <a:spcPts val="0"/>
+                <a:spcPts val="1800"/>
               </a:spcBef>
               <a:buClr>
                 <a:schemeClr val="accent1"/>
               </a:buClr>
               <a:buSzPct val="100000"/>
               <a:buFont typeface="Arial" pitchFamily="34" charset="0"/>
-              <a:buNone/>
-              <a:defRPr sz="2000" kern="1200" cap="all" spc="200" baseline="0">
-                <a:solidFill>
-                  <a:schemeClr val="accent1"/>
+              <a:buChar char="•"/>
+              <a:defRPr sz="2400" kern="1200">
+                <a:solidFill>
+                  <a:schemeClr val="tx1"/>
                 </a:solidFill>
                 <a:latin typeface="+mn-lt"/>
                 <a:ea typeface="+mn-ea"/>
                 <a:cs typeface="+mn-cs"/>
               </a:defRPr>
             </a:lvl1pPr>
-            <a:lvl2pPr marL="457200" indent="0" algn="l" defTabSz="914400" rtl="0" eaLnBrk="1" latinLnBrk="0" hangingPunct="1">
+            <a:lvl2pPr marL="463550" indent="-231775" algn="l" defTabSz="914400" rtl="0" eaLnBrk="1" latinLnBrk="0" hangingPunct="1">
               <a:lnSpc>
                 <a:spcPct val="90000"/>
               </a:lnSpc>
@@ -10663,19 +10391,17 @@
               </a:buClr>
               <a:buSzPct val="100000"/>
               <a:buFont typeface="Arial" pitchFamily="34" charset="0"/>
-              <a:buNone/>
-              <a:defRPr sz="1800" kern="1200">
-                <a:solidFill>
-                  <a:schemeClr val="tx1">
-                    <a:tint val="75000"/>
-                  </a:schemeClr>
+              <a:buChar char="•"/>
+              <a:defRPr sz="2000" kern="1200">
+                <a:solidFill>
+                  <a:schemeClr val="tx1"/>
                 </a:solidFill>
                 <a:latin typeface="+mn-lt"/>
                 <a:ea typeface="+mn-ea"/>
                 <a:cs typeface="+mn-cs"/>
               </a:defRPr>
             </a:lvl2pPr>
-            <a:lvl3pPr marL="914400" indent="0" algn="l" defTabSz="914400" rtl="0" eaLnBrk="1" latinLnBrk="0" hangingPunct="1">
+            <a:lvl3pPr marL="682625" indent="-219075" algn="l" defTabSz="914400" rtl="0" eaLnBrk="1" latinLnBrk="0" hangingPunct="1">
               <a:lnSpc>
                 <a:spcPct val="90000"/>
               </a:lnSpc>
@@ -10687,19 +10413,17 @@
               </a:buClr>
               <a:buSzPct val="100000"/>
               <a:buFont typeface="Arial" pitchFamily="34" charset="0"/>
-              <a:buNone/>
-              <a:defRPr sz="1600" kern="1200">
-                <a:solidFill>
-                  <a:schemeClr val="tx1">
-                    <a:tint val="75000"/>
-                  </a:schemeClr>
+              <a:buChar char="•"/>
+              <a:defRPr sz="1800" kern="1200">
+                <a:solidFill>
+                  <a:schemeClr val="tx1"/>
                 </a:solidFill>
                 <a:latin typeface="+mn-lt"/>
                 <a:ea typeface="+mn-ea"/>
                 <a:cs typeface="+mn-cs"/>
               </a:defRPr>
             </a:lvl3pPr>
-            <a:lvl4pPr marL="1371600" indent="0" algn="l" defTabSz="914400" rtl="0" eaLnBrk="1" latinLnBrk="0" hangingPunct="1">
+            <a:lvl4pPr marL="857250" indent="-174625" algn="l" defTabSz="914400" rtl="0" eaLnBrk="1" latinLnBrk="0" hangingPunct="1">
               <a:lnSpc>
                 <a:spcPct val="90000"/>
               </a:lnSpc>
@@ -10711,19 +10435,17 @@
               </a:buClr>
               <a:buSzPct val="100000"/>
               <a:buFont typeface="Arial" pitchFamily="34" charset="0"/>
-              <a:buNone/>
-              <a:defRPr sz="1400" kern="1200">
-                <a:solidFill>
-                  <a:schemeClr val="tx1">
-                    <a:tint val="75000"/>
-                  </a:schemeClr>
+              <a:buChar char="•"/>
+              <a:defRPr sz="1600" kern="1200">
+                <a:solidFill>
+                  <a:schemeClr val="tx1"/>
                 </a:solidFill>
                 <a:latin typeface="+mn-lt"/>
                 <a:ea typeface="+mn-ea"/>
                 <a:cs typeface="+mn-cs"/>
               </a:defRPr>
             </a:lvl4pPr>
-            <a:lvl5pPr marL="1828800" indent="0" algn="l" defTabSz="914400" rtl="0" eaLnBrk="1" latinLnBrk="0" hangingPunct="1">
+            <a:lvl5pPr marL="1030288" indent="-173038" algn="l" defTabSz="914400" rtl="0" eaLnBrk="1" latinLnBrk="0" hangingPunct="1">
               <a:lnSpc>
                 <a:spcPct val="90000"/>
               </a:lnSpc>
@@ -10735,19 +10457,17 @@
               </a:buClr>
               <a:buSzPct val="100000"/>
               <a:buFont typeface="Arial" pitchFamily="34" charset="0"/>
-              <a:buNone/>
-              <a:defRPr sz="1400" kern="1200">
-                <a:solidFill>
-                  <a:schemeClr val="tx1">
-                    <a:tint val="75000"/>
-                  </a:schemeClr>
+              <a:buChar char="•"/>
+              <a:defRPr sz="1600" kern="1200">
+                <a:solidFill>
+                  <a:schemeClr val="tx1"/>
                 </a:solidFill>
                 <a:latin typeface="+mn-lt"/>
                 <a:ea typeface="+mn-ea"/>
                 <a:cs typeface="+mn-cs"/>
               </a:defRPr>
             </a:lvl5pPr>
-            <a:lvl6pPr marL="2286000" indent="0" algn="l" defTabSz="914400" rtl="0" eaLnBrk="1" latinLnBrk="0" hangingPunct="1">
+            <a:lvl6pPr marL="1207008" indent="-173736" algn="l" defTabSz="914400" rtl="0" eaLnBrk="1" latinLnBrk="0" hangingPunct="1">
               <a:spcBef>
                 <a:spcPts val="600"/>
               </a:spcBef>
@@ -10755,19 +10475,17 @@
                 <a:schemeClr val="accent1"/>
               </a:buClr>
               <a:buFont typeface="Arial" pitchFamily="34" charset="0"/>
-              <a:buNone/>
-              <a:defRPr sz="1400" kern="1200">
-                <a:solidFill>
-                  <a:schemeClr val="tx1">
-                    <a:tint val="75000"/>
-                  </a:schemeClr>
+              <a:buChar char="•"/>
+              <a:defRPr sz="1600" kern="1200">
+                <a:solidFill>
+                  <a:schemeClr val="tx1"/>
                 </a:solidFill>
                 <a:latin typeface="+mn-lt"/>
                 <a:ea typeface="+mn-ea"/>
                 <a:cs typeface="+mn-cs"/>
               </a:defRPr>
             </a:lvl6pPr>
-            <a:lvl7pPr marL="2743200" indent="0" algn="l" defTabSz="914400" rtl="0" eaLnBrk="1" latinLnBrk="0" hangingPunct="1">
+            <a:lvl7pPr marL="1380744" indent="-173736" algn="l" defTabSz="914400" rtl="0" eaLnBrk="1" latinLnBrk="0" hangingPunct="1">
               <a:spcBef>
                 <a:spcPts val="600"/>
               </a:spcBef>
@@ -10775,19 +10493,17 @@
                 <a:schemeClr val="accent1"/>
               </a:buClr>
               <a:buFont typeface="Arial" pitchFamily="34" charset="0"/>
-              <a:buNone/>
-              <a:defRPr sz="1400" kern="1200">
-                <a:solidFill>
-                  <a:schemeClr val="tx1">
-                    <a:tint val="75000"/>
-                  </a:schemeClr>
+              <a:buChar char="•"/>
+              <a:defRPr sz="1600" kern="1200">
+                <a:solidFill>
+                  <a:schemeClr val="tx1"/>
                 </a:solidFill>
                 <a:latin typeface="+mn-lt"/>
                 <a:ea typeface="+mn-ea"/>
                 <a:cs typeface="+mn-cs"/>
               </a:defRPr>
             </a:lvl7pPr>
-            <a:lvl8pPr marL="3200400" indent="0" algn="l" defTabSz="914400" rtl="0" eaLnBrk="1" latinLnBrk="0" hangingPunct="1">
+            <a:lvl8pPr marL="1554480" indent="-173736" algn="l" defTabSz="914400" rtl="0" eaLnBrk="1" latinLnBrk="0" hangingPunct="1">
               <a:spcBef>
                 <a:spcPts val="600"/>
               </a:spcBef>
@@ -10795,19 +10511,17 @@
                 <a:schemeClr val="accent1"/>
               </a:buClr>
               <a:buFont typeface="Arial" pitchFamily="34" charset="0"/>
-              <a:buNone/>
-              <a:defRPr sz="1400" kern="1200">
-                <a:solidFill>
-                  <a:schemeClr val="tx1">
-                    <a:tint val="75000"/>
-                  </a:schemeClr>
+              <a:buChar char="•"/>
+              <a:defRPr sz="1600" kern="1200">
+                <a:solidFill>
+                  <a:schemeClr val="tx1"/>
                 </a:solidFill>
                 <a:latin typeface="+mn-lt"/>
                 <a:ea typeface="+mn-ea"/>
                 <a:cs typeface="+mn-cs"/>
               </a:defRPr>
             </a:lvl8pPr>
-            <a:lvl9pPr marL="3657600" indent="0" algn="l" defTabSz="914400" rtl="0" eaLnBrk="1" latinLnBrk="0" hangingPunct="1">
+            <a:lvl9pPr marL="1728216" indent="-173736" algn="l" defTabSz="914400" rtl="0" eaLnBrk="1" latinLnBrk="0" hangingPunct="1">
               <a:spcBef>
                 <a:spcPts val="600"/>
               </a:spcBef>
@@ -10815,12 +10529,10 @@
                 <a:schemeClr val="accent1"/>
               </a:buClr>
               <a:buFont typeface="Arial" pitchFamily="34" charset="0"/>
-              <a:buNone/>
-              <a:defRPr sz="1400" kern="1200">
-                <a:solidFill>
-                  <a:schemeClr val="tx1">
-                    <a:tint val="75000"/>
-                  </a:schemeClr>
+              <a:buChar char="•"/>
+              <a:defRPr sz="1600" kern="1200">
+                <a:solidFill>
+                  <a:schemeClr val="tx1"/>
                 </a:solidFill>
                 <a:latin typeface="+mn-lt"/>
                 <a:ea typeface="+mn-ea"/>
@@ -10829,53 +10541,52 @@
             </a:lvl9pPr>
           </a:lstStyle>
           <a:p>
-            <a:r>
-              <a:rPr lang="en-US" dirty="0"/>
-              <a:t> </a:t>
-            </a:r>
-          </a:p>
-        </p:txBody>
-      </p:sp>
-      <p:sp>
-        <p:nvSpPr>
-          <p:cNvPr id="9" name="TextBox 8"/>
-          <p:cNvSpPr txBox="1"/>
-          <p:nvPr/>
-        </p:nvSpPr>
-        <p:spPr>
-          <a:xfrm>
-            <a:off x="760412" y="1676400"/>
-            <a:ext cx="10515599" cy="984885"/>
-          </a:xfrm>
-          <a:prstGeom prst="rect">
-            <a:avLst/>
-          </a:prstGeom>
-          <a:noFill/>
-        </p:spPr>
-        <p:txBody>
-          <a:bodyPr wrap="square" rtlCol="0">
-            <a:spAutoFit/>
-          </a:bodyPr>
-          <a:lstStyle/>
-          <a:p>
-            <a:endParaRPr lang="en-US" sz="2000" dirty="0"/>
-          </a:p>
-          <a:p>
-            <a:endParaRPr lang="en-US" sz="2000" dirty="0"/>
-          </a:p>
-          <a:p>
-            <a:pPr marL="285750" indent="-285750">
+            <a:pPr marL="342900" indent="-342900">
               <a:buFont typeface="Arial" panose="020B0604020202020204" pitchFamily="34" charset="0"/>
               <a:buChar char="•"/>
             </a:pPr>
-            <a:endParaRPr lang="en-US" dirty="0"/>
+            <a:r>
+              <a:rPr lang="en-US" sz="2000" dirty="0"/>
+              <a:t>WebRTC (Web Real-Time Communication) is a new web technology which allows browser and mobile applications with functionalities such as audio/video calling, chat, P2P (peer-to-peer) file sharing and all that without any additional third-party software or plugins.</a:t>
+            </a:r>
+            <a:endParaRPr lang="en-US" sz="1600" dirty="0"/>
+          </a:p>
+          <a:p>
+            <a:pPr marL="342900" indent="-342900">
+              <a:buFont typeface="Arial" panose="020B0604020202020204" pitchFamily="34" charset="0"/>
+              <a:buChar char="•"/>
+            </a:pPr>
+            <a:r>
+              <a:rPr lang="en-US" sz="2000" dirty="0"/>
+              <a:t>It was published as an open source technology by Google in May 2011 and includes fundamental components for real-time communication on the web. </a:t>
+            </a:r>
+          </a:p>
+          <a:p>
+            <a:pPr marL="342900" indent="-342900">
+              <a:buFont typeface="Arial" panose="020B0604020202020204" pitchFamily="34" charset="0"/>
+              <a:buChar char="•"/>
+            </a:pPr>
+            <a:r>
+              <a:rPr lang="en-US" sz="2000" dirty="0"/>
+              <a:t>WebRTC is also highly secure, as it uses end-to-end encryption to protect data and ensures that only the authorized parties can access it. Additionally, WebRTC is open-source, which means that anyone can access its source code and contribute to its development.</a:t>
+            </a:r>
+          </a:p>
+          <a:p>
+            <a:pPr marL="342900" indent="-342900">
+              <a:buFont typeface="Arial" panose="020B0604020202020204" pitchFamily="34" charset="0"/>
+              <a:buChar char="•"/>
+            </a:pPr>
+            <a:r>
+              <a:rPr lang="en-US" sz="2000" dirty="0"/>
+              <a:t>WebRTC is a powerful and versatile technology that has revolutionized real-time communication on the web, and its adoption continues to grow rapidly as more developers discover its capabilities.</a:t>
+            </a:r>
           </a:p>
         </p:txBody>
       </p:sp>
     </p:spTree>
     <p:extLst>
       <p:ext uri="{BB962C8B-B14F-4D97-AF65-F5344CB8AC3E}">
-        <p14:creationId xmlns:p14="http://schemas.microsoft.com/office/powerpoint/2010/main" val="4121400680"/>
+        <p14:creationId xmlns:p14="http://schemas.microsoft.com/office/powerpoint/2010/main" val="2590506655"/>
       </p:ext>
     </p:extLst>
   </p:cSld>
@@ -10916,7 +10627,13 @@
       </p:grpSpPr>
       <p:sp>
         <p:nvSpPr>
-          <p:cNvPr id="2" name="Title 1"/>
+          <p:cNvPr id="2" name="Title 1">
+            <a:extLst>
+              <a:ext uri="{FF2B5EF4-FFF2-40B4-BE49-F238E27FC236}">
+                <a16:creationId xmlns:a16="http://schemas.microsoft.com/office/drawing/2014/main" id="{F6A02C53-2FAC-2970-E764-4AE0B8F03DB8}"/>
+              </a:ext>
+            </a:extLst>
+          </p:cNvPr>
           <p:cNvSpPr>
             <a:spLocks noGrp="1"/>
           </p:cNvSpPr>
@@ -10924,373 +10641,14 @@
             <p:ph type="title"/>
           </p:nvPr>
         </p:nvSpPr>
-        <p:spPr>
-          <a:xfrm>
-            <a:off x="760411" y="226423"/>
-            <a:ext cx="9906003" cy="1297577"/>
-          </a:xfrm>
-        </p:spPr>
+        <p:spPr/>
         <p:txBody>
           <a:bodyPr/>
           <a:lstStyle/>
           <a:p>
-            <a:pPr marL="45720"/>
             <a:r>
               <a:rPr lang="en-US" dirty="0"/>
-              <a:t>What is Web RTC </a:t>
-            </a:r>
-          </a:p>
-        </p:txBody>
-      </p:sp>
-      <p:sp>
-        <p:nvSpPr>
-          <p:cNvPr id="3" name="Title 1"/>
-          <p:cNvSpPr txBox="1">
-            <a:spLocks/>
-          </p:cNvSpPr>
-          <p:nvPr/>
-        </p:nvSpPr>
-        <p:spPr>
-          <a:xfrm>
-            <a:off x="989013" y="2743200"/>
-            <a:ext cx="9448800" cy="3429000"/>
-          </a:xfrm>
-          <a:prstGeom prst="rect">
-            <a:avLst/>
-          </a:prstGeom>
-        </p:spPr>
-        <p:txBody>
-          <a:bodyPr vert="horz" lIns="91440" tIns="45720" rIns="91440" bIns="45720" rtlCol="0" anchor="b">
-            <a:normAutofit/>
-          </a:bodyPr>
-          <a:lstStyle>
-            <a:lvl1pPr algn="l" defTabSz="914400" rtl="0" eaLnBrk="1" latinLnBrk="0" hangingPunct="1">
-              <a:lnSpc>
-                <a:spcPct val="90000"/>
-              </a:lnSpc>
-              <a:spcBef>
-                <a:spcPct val="0"/>
-              </a:spcBef>
-              <a:buNone/>
-              <a:defRPr sz="3600" kern="1200" spc="100" baseline="0">
-                <a:solidFill>
-                  <a:schemeClr val="tx1"/>
-                </a:solidFill>
-                <a:latin typeface="+mj-lt"/>
-                <a:ea typeface="+mj-ea"/>
-                <a:cs typeface="+mj-cs"/>
-              </a:defRPr>
-            </a:lvl1pPr>
-          </a:lstStyle>
-          <a:p>
-            <a:pPr marL="45720"/>
-            <a:endParaRPr lang="en-US" sz="2000" dirty="0"/>
-          </a:p>
-          <a:p>
-            <a:pPr marL="45720"/>
-            <a:endParaRPr lang="en-US" sz="2000" dirty="0"/>
-          </a:p>
-          <a:p>
-            <a:pPr marL="45720"/>
-            <a:endParaRPr lang="en-US" sz="2000" dirty="0"/>
-          </a:p>
-          <a:p>
-            <a:pPr marL="45720"/>
-            <a:endParaRPr lang="en-US" sz="2000" dirty="0"/>
-          </a:p>
-          <a:p>
-            <a:pPr marL="45720"/>
-            <a:endParaRPr lang="en-US" sz="2000" dirty="0"/>
-          </a:p>
-          <a:p>
-            <a:pPr marL="45720"/>
-            <a:endParaRPr lang="en-US" sz="2000" dirty="0"/>
-          </a:p>
-          <a:p>
-            <a:pPr marL="45720"/>
-            <a:endParaRPr lang="en-US" sz="2000" dirty="0"/>
-          </a:p>
-          <a:p>
-            <a:pPr marL="45720"/>
-            <a:endParaRPr lang="en-US" sz="2000" dirty="0"/>
-          </a:p>
-          <a:p>
-            <a:pPr marL="45720"/>
-            <a:endParaRPr lang="en-US" sz="2000" dirty="0"/>
-          </a:p>
-          <a:p>
-            <a:pPr marL="45720"/>
-            <a:endParaRPr lang="en-US" sz="2000" dirty="0"/>
-          </a:p>
-          <a:p>
-            <a:pPr marL="45720"/>
-            <a:endParaRPr lang="en-US" sz="2000" dirty="0"/>
-          </a:p>
-          <a:p>
-            <a:pPr marL="388620" indent="-342900">
-              <a:buFont typeface="Wingdings" panose="05000000000000000000" pitchFamily="2" charset="2"/>
-              <a:buChar char="v"/>
-            </a:pPr>
-            <a:endParaRPr lang="en-US" sz="2000" dirty="0"/>
-          </a:p>
-          <a:p>
-            <a:pPr marL="388620" indent="-342900">
-              <a:buFont typeface="Wingdings" panose="05000000000000000000" pitchFamily="2" charset="2"/>
-              <a:buChar char="v"/>
-            </a:pPr>
-            <a:endParaRPr lang="en-US" sz="2000" dirty="0"/>
-          </a:p>
-          <a:p>
-            <a:pPr marL="388620" indent="-342900">
-              <a:buFont typeface="Wingdings" panose="05000000000000000000" pitchFamily="2" charset="2"/>
-              <a:buChar char="v"/>
-            </a:pPr>
-            <a:endParaRPr lang="en-US" sz="2000" dirty="0"/>
-          </a:p>
-        </p:txBody>
-      </p:sp>
-      <p:sp>
-        <p:nvSpPr>
-          <p:cNvPr id="4" name="Text Placeholder 3"/>
-          <p:cNvSpPr txBox="1">
-            <a:spLocks/>
-          </p:cNvSpPr>
-          <p:nvPr/>
-        </p:nvSpPr>
-        <p:spPr>
-          <a:xfrm>
-            <a:off x="760412" y="1828800"/>
-            <a:ext cx="10820399" cy="3886200"/>
-          </a:xfrm>
-          <a:prstGeom prst="rect">
-            <a:avLst/>
-          </a:prstGeom>
-        </p:spPr>
-        <p:txBody>
-          <a:bodyPr/>
-          <a:lstStyle>
-            <a:lvl1pPr marL="223838" indent="-223838" algn="l" defTabSz="914400" rtl="0" eaLnBrk="1" latinLnBrk="0" hangingPunct="1">
-              <a:lnSpc>
-                <a:spcPct val="90000"/>
-              </a:lnSpc>
-              <a:spcBef>
-                <a:spcPts val="1800"/>
-              </a:spcBef>
-              <a:buClr>
-                <a:schemeClr val="accent1"/>
-              </a:buClr>
-              <a:buSzPct val="100000"/>
-              <a:buFont typeface="Arial" pitchFamily="34" charset="0"/>
-              <a:buChar char="•"/>
-              <a:defRPr sz="2400" kern="1200">
-                <a:solidFill>
-                  <a:schemeClr val="tx1"/>
-                </a:solidFill>
-                <a:latin typeface="+mn-lt"/>
-                <a:ea typeface="+mn-ea"/>
-                <a:cs typeface="+mn-cs"/>
-              </a:defRPr>
-            </a:lvl1pPr>
-            <a:lvl2pPr marL="463550" indent="-231775" algn="l" defTabSz="914400" rtl="0" eaLnBrk="1" latinLnBrk="0" hangingPunct="1">
-              <a:lnSpc>
-                <a:spcPct val="90000"/>
-              </a:lnSpc>
-              <a:spcBef>
-                <a:spcPts val="1200"/>
-              </a:spcBef>
-              <a:buClr>
-                <a:schemeClr val="accent1"/>
-              </a:buClr>
-              <a:buSzPct val="100000"/>
-              <a:buFont typeface="Arial" pitchFamily="34" charset="0"/>
-              <a:buChar char="•"/>
-              <a:defRPr sz="2000" kern="1200">
-                <a:solidFill>
-                  <a:schemeClr val="tx1"/>
-                </a:solidFill>
-                <a:latin typeface="+mn-lt"/>
-                <a:ea typeface="+mn-ea"/>
-                <a:cs typeface="+mn-cs"/>
-              </a:defRPr>
-            </a:lvl2pPr>
-            <a:lvl3pPr marL="682625" indent="-219075" algn="l" defTabSz="914400" rtl="0" eaLnBrk="1" latinLnBrk="0" hangingPunct="1">
-              <a:lnSpc>
-                <a:spcPct val="90000"/>
-              </a:lnSpc>
-              <a:spcBef>
-                <a:spcPts val="600"/>
-              </a:spcBef>
-              <a:buClr>
-                <a:schemeClr val="accent1"/>
-              </a:buClr>
-              <a:buSzPct val="100000"/>
-              <a:buFont typeface="Arial" pitchFamily="34" charset="0"/>
-              <a:buChar char="•"/>
-              <a:defRPr sz="1800" kern="1200">
-                <a:solidFill>
-                  <a:schemeClr val="tx1"/>
-                </a:solidFill>
-                <a:latin typeface="+mn-lt"/>
-                <a:ea typeface="+mn-ea"/>
-                <a:cs typeface="+mn-cs"/>
-              </a:defRPr>
-            </a:lvl3pPr>
-            <a:lvl4pPr marL="857250" indent="-174625" algn="l" defTabSz="914400" rtl="0" eaLnBrk="1" latinLnBrk="0" hangingPunct="1">
-              <a:lnSpc>
-                <a:spcPct val="90000"/>
-              </a:lnSpc>
-              <a:spcBef>
-                <a:spcPts val="600"/>
-              </a:spcBef>
-              <a:buClr>
-                <a:schemeClr val="accent1"/>
-              </a:buClr>
-              <a:buSzPct val="100000"/>
-              <a:buFont typeface="Arial" pitchFamily="34" charset="0"/>
-              <a:buChar char="•"/>
-              <a:defRPr sz="1600" kern="1200">
-                <a:solidFill>
-                  <a:schemeClr val="tx1"/>
-                </a:solidFill>
-                <a:latin typeface="+mn-lt"/>
-                <a:ea typeface="+mn-ea"/>
-                <a:cs typeface="+mn-cs"/>
-              </a:defRPr>
-            </a:lvl4pPr>
-            <a:lvl5pPr marL="1030288" indent="-173038" algn="l" defTabSz="914400" rtl="0" eaLnBrk="1" latinLnBrk="0" hangingPunct="1">
-              <a:lnSpc>
-                <a:spcPct val="90000"/>
-              </a:lnSpc>
-              <a:spcBef>
-                <a:spcPts val="600"/>
-              </a:spcBef>
-              <a:buClr>
-                <a:schemeClr val="accent1"/>
-              </a:buClr>
-              <a:buSzPct val="100000"/>
-              <a:buFont typeface="Arial" pitchFamily="34" charset="0"/>
-              <a:buChar char="•"/>
-              <a:defRPr sz="1600" kern="1200">
-                <a:solidFill>
-                  <a:schemeClr val="tx1"/>
-                </a:solidFill>
-                <a:latin typeface="+mn-lt"/>
-                <a:ea typeface="+mn-ea"/>
-                <a:cs typeface="+mn-cs"/>
-              </a:defRPr>
-            </a:lvl5pPr>
-            <a:lvl6pPr marL="1207008" indent="-173736" algn="l" defTabSz="914400" rtl="0" eaLnBrk="1" latinLnBrk="0" hangingPunct="1">
-              <a:spcBef>
-                <a:spcPts val="600"/>
-              </a:spcBef>
-              <a:buClr>
-                <a:schemeClr val="accent1"/>
-              </a:buClr>
-              <a:buFont typeface="Arial" pitchFamily="34" charset="0"/>
-              <a:buChar char="•"/>
-              <a:defRPr sz="1600" kern="1200">
-                <a:solidFill>
-                  <a:schemeClr val="tx1"/>
-                </a:solidFill>
-                <a:latin typeface="+mn-lt"/>
-                <a:ea typeface="+mn-ea"/>
-                <a:cs typeface="+mn-cs"/>
-              </a:defRPr>
-            </a:lvl6pPr>
-            <a:lvl7pPr marL="1380744" indent="-173736" algn="l" defTabSz="914400" rtl="0" eaLnBrk="1" latinLnBrk="0" hangingPunct="1">
-              <a:spcBef>
-                <a:spcPts val="600"/>
-              </a:spcBef>
-              <a:buClr>
-                <a:schemeClr val="accent1"/>
-              </a:buClr>
-              <a:buFont typeface="Arial" pitchFamily="34" charset="0"/>
-              <a:buChar char="•"/>
-              <a:defRPr sz="1600" kern="1200">
-                <a:solidFill>
-                  <a:schemeClr val="tx1"/>
-                </a:solidFill>
-                <a:latin typeface="+mn-lt"/>
-                <a:ea typeface="+mn-ea"/>
-                <a:cs typeface="+mn-cs"/>
-              </a:defRPr>
-            </a:lvl7pPr>
-            <a:lvl8pPr marL="1554480" indent="-173736" algn="l" defTabSz="914400" rtl="0" eaLnBrk="1" latinLnBrk="0" hangingPunct="1">
-              <a:spcBef>
-                <a:spcPts val="600"/>
-              </a:spcBef>
-              <a:buClr>
-                <a:schemeClr val="accent1"/>
-              </a:buClr>
-              <a:buFont typeface="Arial" pitchFamily="34" charset="0"/>
-              <a:buChar char="•"/>
-              <a:defRPr sz="1600" kern="1200">
-                <a:solidFill>
-                  <a:schemeClr val="tx1"/>
-                </a:solidFill>
-                <a:latin typeface="+mn-lt"/>
-                <a:ea typeface="+mn-ea"/>
-                <a:cs typeface="+mn-cs"/>
-              </a:defRPr>
-            </a:lvl8pPr>
-            <a:lvl9pPr marL="1728216" indent="-173736" algn="l" defTabSz="914400" rtl="0" eaLnBrk="1" latinLnBrk="0" hangingPunct="1">
-              <a:spcBef>
-                <a:spcPts val="600"/>
-              </a:spcBef>
-              <a:buClr>
-                <a:schemeClr val="accent1"/>
-              </a:buClr>
-              <a:buFont typeface="Arial" pitchFamily="34" charset="0"/>
-              <a:buChar char="•"/>
-              <a:defRPr sz="1600" kern="1200">
-                <a:solidFill>
-                  <a:schemeClr val="tx1"/>
-                </a:solidFill>
-                <a:latin typeface="+mn-lt"/>
-                <a:ea typeface="+mn-ea"/>
-                <a:cs typeface="+mn-cs"/>
-              </a:defRPr>
-            </a:lvl9pPr>
-          </a:lstStyle>
-          <a:p>
-            <a:pPr marL="342900" indent="-342900">
-              <a:buFont typeface="Arial" panose="020B0604020202020204" pitchFamily="34" charset="0"/>
-              <a:buChar char="•"/>
-            </a:pPr>
-            <a:r>
-              <a:rPr lang="en-US" sz="2000" dirty="0"/>
-              <a:t>WebRTC (Web Real-Time Communication) is a new web technology which allows browser and mobile applications with functionalities such as audio/video calling, chat, P2P (peer-to-peer) file sharing and all that without any additional third-party software or plugins.</a:t>
-            </a:r>
-            <a:endParaRPr lang="en-US" sz="1600" dirty="0"/>
-          </a:p>
-          <a:p>
-            <a:pPr marL="342900" indent="-342900">
-              <a:buFont typeface="Arial" panose="020B0604020202020204" pitchFamily="34" charset="0"/>
-              <a:buChar char="•"/>
-            </a:pPr>
-            <a:r>
-              <a:rPr lang="en-US" sz="2000" dirty="0"/>
-              <a:t>It was published as an open source technology by Google in May 2011 and includes fundamental components for real-time communication on the web. </a:t>
-            </a:r>
-          </a:p>
-          <a:p>
-            <a:pPr marL="342900" indent="-342900">
-              <a:buFont typeface="Arial" panose="020B0604020202020204" pitchFamily="34" charset="0"/>
-              <a:buChar char="•"/>
-            </a:pPr>
-            <a:r>
-              <a:rPr lang="en-US" sz="2000" dirty="0"/>
-              <a:t>WebRTC is also highly secure, as it uses end-to-end encryption to protect data and ensures that only the authorized parties can access it. Additionally, WebRTC is open-source, which means that anyone can access its source code and contribute to its development.</a:t>
-            </a:r>
-          </a:p>
-          <a:p>
-            <a:pPr marL="342900" indent="-342900">
-              <a:buFont typeface="Arial" panose="020B0604020202020204" pitchFamily="34" charset="0"/>
-              <a:buChar char="•"/>
-            </a:pPr>
-            <a:r>
-              <a:rPr lang="en-US" sz="2000" dirty="0"/>
-              <a:t>WebRTC is a powerful and versatile technology that has revolutionized real-time communication on the web, and its adoption continues to grow rapidly as more developers discover its capabilities.</a:t>
+              <a:t>WebRTC Architecture</a:t>
             </a:r>
           </a:p>
         </p:txBody>
@@ -11298,7 +10656,7 @@
     </p:spTree>
     <p:extLst>
       <p:ext uri="{BB962C8B-B14F-4D97-AF65-F5344CB8AC3E}">
-        <p14:creationId xmlns:p14="http://schemas.microsoft.com/office/powerpoint/2010/main" val="2590506655"/>
+        <p14:creationId xmlns:p14="http://schemas.microsoft.com/office/powerpoint/2010/main" val="1000466387"/>
       </p:ext>
     </p:extLst>
   </p:cSld>
@@ -11339,76 +10697,6 @@
       </p:grpSpPr>
       <p:sp>
         <p:nvSpPr>
-          <p:cNvPr id="2" name="Title 1">
-            <a:extLst>
-              <a:ext uri="{FF2B5EF4-FFF2-40B4-BE49-F238E27FC236}">
-                <a16:creationId xmlns:a16="http://schemas.microsoft.com/office/drawing/2014/main" id="{F6A02C53-2FAC-2970-E764-4AE0B8F03DB8}"/>
-              </a:ext>
-            </a:extLst>
-          </p:cNvPr>
-          <p:cNvSpPr>
-            <a:spLocks noGrp="1"/>
-          </p:cNvSpPr>
-          <p:nvPr>
-            <p:ph type="title"/>
-          </p:nvPr>
-        </p:nvSpPr>
-        <p:spPr/>
-        <p:txBody>
-          <a:bodyPr/>
-          <a:lstStyle/>
-          <a:p>
-            <a:r>
-              <a:rPr lang="en-US" dirty="0"/>
-              <a:t>WebRTC Architecture</a:t>
-            </a:r>
-          </a:p>
-        </p:txBody>
-      </p:sp>
-    </p:spTree>
-    <p:extLst>
-      <p:ext uri="{BB962C8B-B14F-4D97-AF65-F5344CB8AC3E}">
-        <p14:creationId xmlns:p14="http://schemas.microsoft.com/office/powerpoint/2010/main" val="1000466387"/>
-      </p:ext>
-    </p:extLst>
-  </p:cSld>
-  <p:clrMapOvr>
-    <a:masterClrMapping/>
-  </p:clrMapOvr>
-  <mc:AlternateContent xmlns:mc="http://schemas.openxmlformats.org/markup-compatibility/2006" xmlns:p14="http://schemas.microsoft.com/office/powerpoint/2010/main">
-    <mc:Choice Requires="p14">
-      <p:transition spd="med" p14:dur="700">
-        <p:fade/>
-      </p:transition>
-    </mc:Choice>
-    <mc:Fallback xmlns="">
-      <p:transition spd="med">
-        <p:fade/>
-      </p:transition>
-    </mc:Fallback>
-  </mc:AlternateContent>
-</p:sld>
-</file>
-
-<file path=ppt/slides/slide7.xml><?xml version="1.0" encoding="utf-8"?>
-<p:sld xmlns:a="http://schemas.openxmlformats.org/drawingml/2006/main" xmlns:r="http://schemas.openxmlformats.org/officeDocument/2006/relationships" xmlns:p="http://schemas.openxmlformats.org/presentationml/2006/main">
-  <p:cSld>
-    <p:spTree>
-      <p:nvGrpSpPr>
-        <p:cNvPr id="1" name=""/>
-        <p:cNvGrpSpPr/>
-        <p:nvPr/>
-      </p:nvGrpSpPr>
-      <p:grpSpPr>
-        <a:xfrm>
-          <a:off x="0" y="0"/>
-          <a:ext cx="0" cy="0"/>
-          <a:chOff x="0" y="0"/>
-          <a:chExt cx="0" cy="0"/>
-        </a:xfrm>
-      </p:grpSpPr>
-      <p:sp>
-        <p:nvSpPr>
           <p:cNvPr id="2" name="Title 1"/>
           <p:cNvSpPr>
             <a:spLocks noGrp="1"/>
@@ -11821,7 +11109,7 @@
 </p:sld>
 </file>
 
-<file path=ppt/slides/slide8.xml><?xml version="1.0" encoding="utf-8"?>
+<file path=ppt/slides/slide7.xml><?xml version="1.0" encoding="utf-8"?>
 <p:sld xmlns:a="http://schemas.openxmlformats.org/drawingml/2006/main" xmlns:r="http://schemas.openxmlformats.org/officeDocument/2006/relationships" xmlns:p="http://schemas.openxmlformats.org/presentationml/2006/main">
   <p:cSld>
     <p:spTree>
@@ -12222,7 +11510,7 @@
 </p:sld>
 </file>
 
-<file path=ppt/slides/slide9.xml><?xml version="1.0" encoding="utf-8"?>
+<file path=ppt/slides/slide8.xml><?xml version="1.0" encoding="utf-8"?>
 <p:sld xmlns:a="http://schemas.openxmlformats.org/drawingml/2006/main" xmlns:r="http://schemas.openxmlformats.org/officeDocument/2006/relationships" xmlns:p="http://schemas.openxmlformats.org/presentationml/2006/main">
   <p:cSld>
     <p:spTree>
@@ -12666,6 +11954,352 @@
     <p:extLst>
       <p:ext uri="{BB962C8B-B14F-4D97-AF65-F5344CB8AC3E}">
         <p14:creationId xmlns:p14="http://schemas.microsoft.com/office/powerpoint/2010/main" val="3584231392"/>
+      </p:ext>
+    </p:extLst>
+  </p:cSld>
+  <p:clrMapOvr>
+    <a:masterClrMapping/>
+  </p:clrMapOvr>
+  <mc:AlternateContent xmlns:mc="http://schemas.openxmlformats.org/markup-compatibility/2006" xmlns:p14="http://schemas.microsoft.com/office/powerpoint/2010/main">
+    <mc:Choice Requires="p14">
+      <p:transition spd="med" p14:dur="700">
+        <p:fade/>
+      </p:transition>
+    </mc:Choice>
+    <mc:Fallback xmlns="">
+      <p:transition spd="med">
+        <p:fade/>
+      </p:transition>
+    </mc:Fallback>
+  </mc:AlternateContent>
+</p:sld>
+</file>
+
+<file path=ppt/slides/slide9.xml><?xml version="1.0" encoding="utf-8"?>
+<p:sld xmlns:a="http://schemas.openxmlformats.org/drawingml/2006/main" xmlns:r="http://schemas.openxmlformats.org/officeDocument/2006/relationships" xmlns:p="http://schemas.openxmlformats.org/presentationml/2006/main">
+  <p:cSld>
+    <p:spTree>
+      <p:nvGrpSpPr>
+        <p:cNvPr id="1" name=""/>
+        <p:cNvGrpSpPr/>
+        <p:nvPr/>
+      </p:nvGrpSpPr>
+      <p:grpSpPr>
+        <a:xfrm>
+          <a:off x="0" y="0"/>
+          <a:ext cx="0" cy="0"/>
+          <a:chOff x="0" y="0"/>
+          <a:chExt cx="0" cy="0"/>
+        </a:xfrm>
+      </p:grpSpPr>
+      <p:sp>
+        <p:nvSpPr>
+          <p:cNvPr id="2" name="Title 1"/>
+          <p:cNvSpPr>
+            <a:spLocks noGrp="1"/>
+          </p:cNvSpPr>
+          <p:nvPr>
+            <p:ph type="title"/>
+          </p:nvPr>
+        </p:nvSpPr>
+        <p:spPr>
+          <a:xfrm>
+            <a:off x="836612" y="381000"/>
+            <a:ext cx="9829803" cy="1371600"/>
+          </a:xfrm>
+        </p:spPr>
+        <p:txBody>
+          <a:bodyPr/>
+          <a:lstStyle/>
+          <a:p>
+            <a:r>
+              <a:rPr lang="en-US" dirty="0" err="1"/>
+              <a:t>RTCPeerConnection</a:t>
+            </a:r>
+            <a:r>
+              <a:rPr lang="en-US" dirty="0"/>
+              <a:t>()</a:t>
+            </a:r>
+            <a:br>
+              <a:rPr lang="en-US" dirty="0"/>
+            </a:br>
+            <a:endParaRPr lang="en-US" dirty="0"/>
+          </a:p>
+        </p:txBody>
+      </p:sp>
+      <p:sp>
+        <p:nvSpPr>
+          <p:cNvPr id="4" name="Text Placeholder 3"/>
+          <p:cNvSpPr txBox="1">
+            <a:spLocks/>
+          </p:cNvSpPr>
+          <p:nvPr/>
+        </p:nvSpPr>
+        <p:spPr>
+          <a:xfrm>
+            <a:off x="912812" y="1447800"/>
+            <a:ext cx="10820399" cy="4724400"/>
+          </a:xfrm>
+          <a:prstGeom prst="rect">
+            <a:avLst/>
+          </a:prstGeom>
+        </p:spPr>
+        <p:txBody>
+          <a:bodyPr/>
+          <a:lstStyle>
+            <a:lvl1pPr marL="223838" indent="-223838" algn="l" defTabSz="914400" rtl="0" eaLnBrk="1" latinLnBrk="0" hangingPunct="1">
+              <a:lnSpc>
+                <a:spcPct val="90000"/>
+              </a:lnSpc>
+              <a:spcBef>
+                <a:spcPts val="1800"/>
+              </a:spcBef>
+              <a:buClr>
+                <a:schemeClr val="accent1"/>
+              </a:buClr>
+              <a:buSzPct val="100000"/>
+              <a:buFont typeface="Arial" pitchFamily="34" charset="0"/>
+              <a:buChar char="•"/>
+              <a:defRPr sz="2400" kern="1200">
+                <a:solidFill>
+                  <a:schemeClr val="tx1"/>
+                </a:solidFill>
+                <a:latin typeface="+mn-lt"/>
+                <a:ea typeface="+mn-ea"/>
+                <a:cs typeface="+mn-cs"/>
+              </a:defRPr>
+            </a:lvl1pPr>
+            <a:lvl2pPr marL="463550" indent="-231775" algn="l" defTabSz="914400" rtl="0" eaLnBrk="1" latinLnBrk="0" hangingPunct="1">
+              <a:lnSpc>
+                <a:spcPct val="90000"/>
+              </a:lnSpc>
+              <a:spcBef>
+                <a:spcPts val="1200"/>
+              </a:spcBef>
+              <a:buClr>
+                <a:schemeClr val="accent1"/>
+              </a:buClr>
+              <a:buSzPct val="100000"/>
+              <a:buFont typeface="Arial" pitchFamily="34" charset="0"/>
+              <a:buChar char="•"/>
+              <a:defRPr sz="2000" kern="1200">
+                <a:solidFill>
+                  <a:schemeClr val="tx1"/>
+                </a:solidFill>
+                <a:latin typeface="+mn-lt"/>
+                <a:ea typeface="+mn-ea"/>
+                <a:cs typeface="+mn-cs"/>
+              </a:defRPr>
+            </a:lvl2pPr>
+            <a:lvl3pPr marL="682625" indent="-219075" algn="l" defTabSz="914400" rtl="0" eaLnBrk="1" latinLnBrk="0" hangingPunct="1">
+              <a:lnSpc>
+                <a:spcPct val="90000"/>
+              </a:lnSpc>
+              <a:spcBef>
+                <a:spcPts val="600"/>
+              </a:spcBef>
+              <a:buClr>
+                <a:schemeClr val="accent1"/>
+              </a:buClr>
+              <a:buSzPct val="100000"/>
+              <a:buFont typeface="Arial" pitchFamily="34" charset="0"/>
+              <a:buChar char="•"/>
+              <a:defRPr sz="1800" kern="1200">
+                <a:solidFill>
+                  <a:schemeClr val="tx1"/>
+                </a:solidFill>
+                <a:latin typeface="+mn-lt"/>
+                <a:ea typeface="+mn-ea"/>
+                <a:cs typeface="+mn-cs"/>
+              </a:defRPr>
+            </a:lvl3pPr>
+            <a:lvl4pPr marL="857250" indent="-174625" algn="l" defTabSz="914400" rtl="0" eaLnBrk="1" latinLnBrk="0" hangingPunct="1">
+              <a:lnSpc>
+                <a:spcPct val="90000"/>
+              </a:lnSpc>
+              <a:spcBef>
+                <a:spcPts val="600"/>
+              </a:spcBef>
+              <a:buClr>
+                <a:schemeClr val="accent1"/>
+              </a:buClr>
+              <a:buSzPct val="100000"/>
+              <a:buFont typeface="Arial" pitchFamily="34" charset="0"/>
+              <a:buChar char="•"/>
+              <a:defRPr sz="1600" kern="1200">
+                <a:solidFill>
+                  <a:schemeClr val="tx1"/>
+                </a:solidFill>
+                <a:latin typeface="+mn-lt"/>
+                <a:ea typeface="+mn-ea"/>
+                <a:cs typeface="+mn-cs"/>
+              </a:defRPr>
+            </a:lvl4pPr>
+            <a:lvl5pPr marL="1030288" indent="-173038" algn="l" defTabSz="914400" rtl="0" eaLnBrk="1" latinLnBrk="0" hangingPunct="1">
+              <a:lnSpc>
+                <a:spcPct val="90000"/>
+              </a:lnSpc>
+              <a:spcBef>
+                <a:spcPts val="600"/>
+              </a:spcBef>
+              <a:buClr>
+                <a:schemeClr val="accent1"/>
+              </a:buClr>
+              <a:buSzPct val="100000"/>
+              <a:buFont typeface="Arial" pitchFamily="34" charset="0"/>
+              <a:buChar char="•"/>
+              <a:defRPr sz="1600" kern="1200">
+                <a:solidFill>
+                  <a:schemeClr val="tx1"/>
+                </a:solidFill>
+                <a:latin typeface="+mn-lt"/>
+                <a:ea typeface="+mn-ea"/>
+                <a:cs typeface="+mn-cs"/>
+              </a:defRPr>
+            </a:lvl5pPr>
+            <a:lvl6pPr marL="1207008" indent="-173736" algn="l" defTabSz="914400" rtl="0" eaLnBrk="1" latinLnBrk="0" hangingPunct="1">
+              <a:spcBef>
+                <a:spcPts val="600"/>
+              </a:spcBef>
+              <a:buClr>
+                <a:schemeClr val="accent1"/>
+              </a:buClr>
+              <a:buFont typeface="Arial" pitchFamily="34" charset="0"/>
+              <a:buChar char="•"/>
+              <a:defRPr sz="1600" kern="1200">
+                <a:solidFill>
+                  <a:schemeClr val="tx1"/>
+                </a:solidFill>
+                <a:latin typeface="+mn-lt"/>
+                <a:ea typeface="+mn-ea"/>
+                <a:cs typeface="+mn-cs"/>
+              </a:defRPr>
+            </a:lvl6pPr>
+            <a:lvl7pPr marL="1380744" indent="-173736" algn="l" defTabSz="914400" rtl="0" eaLnBrk="1" latinLnBrk="0" hangingPunct="1">
+              <a:spcBef>
+                <a:spcPts val="600"/>
+              </a:spcBef>
+              <a:buClr>
+                <a:schemeClr val="accent1"/>
+              </a:buClr>
+              <a:buFont typeface="Arial" pitchFamily="34" charset="0"/>
+              <a:buChar char="•"/>
+              <a:defRPr sz="1600" kern="1200">
+                <a:solidFill>
+                  <a:schemeClr val="tx1"/>
+                </a:solidFill>
+                <a:latin typeface="+mn-lt"/>
+                <a:ea typeface="+mn-ea"/>
+                <a:cs typeface="+mn-cs"/>
+              </a:defRPr>
+            </a:lvl7pPr>
+            <a:lvl8pPr marL="1554480" indent="-173736" algn="l" defTabSz="914400" rtl="0" eaLnBrk="1" latinLnBrk="0" hangingPunct="1">
+              <a:spcBef>
+                <a:spcPts val="600"/>
+              </a:spcBef>
+              <a:buClr>
+                <a:schemeClr val="accent1"/>
+              </a:buClr>
+              <a:buFont typeface="Arial" pitchFamily="34" charset="0"/>
+              <a:buChar char="•"/>
+              <a:defRPr sz="1600" kern="1200">
+                <a:solidFill>
+                  <a:schemeClr val="tx1"/>
+                </a:solidFill>
+                <a:latin typeface="+mn-lt"/>
+                <a:ea typeface="+mn-ea"/>
+                <a:cs typeface="+mn-cs"/>
+              </a:defRPr>
+            </a:lvl8pPr>
+            <a:lvl9pPr marL="1728216" indent="-173736" algn="l" defTabSz="914400" rtl="0" eaLnBrk="1" latinLnBrk="0" hangingPunct="1">
+              <a:spcBef>
+                <a:spcPts val="600"/>
+              </a:spcBef>
+              <a:buClr>
+                <a:schemeClr val="accent1"/>
+              </a:buClr>
+              <a:buFont typeface="Arial" pitchFamily="34" charset="0"/>
+              <a:buChar char="•"/>
+              <a:defRPr sz="1600" kern="1200">
+                <a:solidFill>
+                  <a:schemeClr val="tx1"/>
+                </a:solidFill>
+                <a:latin typeface="+mn-lt"/>
+                <a:ea typeface="+mn-ea"/>
+                <a:cs typeface="+mn-cs"/>
+              </a:defRPr>
+            </a:lvl9pPr>
+          </a:lstStyle>
+          <a:p>
+            <a:pPr>
+              <a:buFont typeface="Wingdings" panose="05000000000000000000" pitchFamily="2" charset="2"/>
+              <a:buChar char="v"/>
+            </a:pPr>
+            <a:r>
+              <a:rPr lang="en-US" sz="1900" dirty="0"/>
+              <a:t>The </a:t>
+            </a:r>
+            <a:r>
+              <a:rPr lang="en-US" sz="1900" dirty="0" err="1"/>
+              <a:t>RTCPeerConnection</a:t>
+            </a:r>
+            <a:r>
+              <a:rPr lang="en-US" sz="1900" dirty="0"/>
+              <a:t> API represents a </a:t>
+            </a:r>
+            <a:r>
+              <a:rPr lang="en-US" sz="1900" dirty="0" err="1"/>
+              <a:t>WebRTC</a:t>
+            </a:r>
+            <a:r>
+              <a:rPr lang="en-US" sz="1900" dirty="0"/>
+              <a:t> connection between the local computer and remote peer.</a:t>
+            </a:r>
+          </a:p>
+          <a:p>
+            <a:pPr>
+              <a:buFont typeface="Wingdings" panose="05000000000000000000" pitchFamily="2" charset="2"/>
+              <a:buChar char="v"/>
+            </a:pPr>
+            <a:r>
+              <a:rPr lang="en-US" sz="1900" dirty="0"/>
+              <a:t>Core part of the </a:t>
+            </a:r>
+            <a:r>
+              <a:rPr lang="en-US" sz="1900" dirty="0" err="1"/>
+              <a:t>WebRTC</a:t>
+            </a:r>
+            <a:r>
+              <a:rPr lang="en-US" sz="1900" dirty="0"/>
+              <a:t> connection.</a:t>
+            </a:r>
+          </a:p>
+          <a:p>
+            <a:pPr>
+              <a:buFont typeface="Wingdings" panose="05000000000000000000" pitchFamily="2" charset="2"/>
+              <a:buChar char="v"/>
+            </a:pPr>
+            <a:r>
+              <a:rPr lang="en-US" sz="1900" dirty="0"/>
+              <a:t>It provides methods- connect to a remote peer, maintain and monitor the connection , and close the connection. </a:t>
+            </a:r>
+          </a:p>
+          <a:p>
+            <a:pPr>
+              <a:buFont typeface="Wingdings" panose="05000000000000000000" pitchFamily="2" charset="2"/>
+              <a:buChar char="v"/>
+            </a:pPr>
+            <a:r>
+              <a:rPr lang="en-US" sz="1900" dirty="0"/>
+              <a:t>This API is responsible for managing the full life cycle of each peer-to-peer connection.</a:t>
+            </a:r>
+          </a:p>
+        </p:txBody>
+      </p:sp>
+    </p:spTree>
+    <p:extLst>
+      <p:ext uri="{BB962C8B-B14F-4D97-AF65-F5344CB8AC3E}">
+        <p14:creationId xmlns:p14="http://schemas.microsoft.com/office/powerpoint/2010/main" val="1568877091"/>
       </p:ext>
     </p:extLst>
   </p:cSld>
